--- a/Speech Emotion Recognition.pptx
+++ b/Speech Emotion Recognition.pptx
@@ -39,9 +39,15 @@
     <p:sldId id="287" r:id="rId33"/>
     <p:sldId id="288" r:id="rId34"/>
     <p:sldId id="289" r:id="rId35"/>
-    <p:sldId id="290" r:id="rId36"/>
+    <p:sldId id="295" r:id="rId36"/>
     <p:sldId id="291" r:id="rId37"/>
     <p:sldId id="292" r:id="rId38"/>
+    <p:sldId id="293" r:id="rId39"/>
+    <p:sldId id="297" r:id="rId40"/>
+    <p:sldId id="298" r:id="rId41"/>
+    <p:sldId id="299" r:id="rId42"/>
+    <p:sldId id="302" r:id="rId43"/>
+    <p:sldId id="301" r:id="rId44"/>
   </p:sldIdLst>
   <p:sldSz cx="12192000" cy="6858000"/>
   <p:notesSz cx="6858000" cy="9144000"/>
@@ -140,6 +146,11 @@
       </a:defRPr>
     </a:lvl9pPr>
   </p:defaultTextStyle>
+  <p:extLst>
+    <p:ext uri="{EFAFB233-063F-42B5-8137-9DF3F51BA10A}">
+      <p15:sldGuideLst xmlns:p15="http://schemas.microsoft.com/office/powerpoint/2012/main"/>
+    </p:ext>
+  </p:extLst>
 </p:presentation>
 </file>
 
@@ -290,7 +301,7 @@
           <a:p>
             <a:fld id="{89A1A71B-5368-4176-84E9-2A408646FE72}" type="datetimeFigureOut">
               <a:rPr lang="en-US" smtClean="0"/>
-              <a:t>1/10/2025</a:t>
+              <a:t>1/11/2025</a:t>
             </a:fld>
             <a:endParaRPr lang="en-US"/>
           </a:p>
@@ -488,7 +499,7 @@
           <a:p>
             <a:fld id="{89A1A71B-5368-4176-84E9-2A408646FE72}" type="datetimeFigureOut">
               <a:rPr lang="en-US" smtClean="0"/>
-              <a:t>1/10/2025</a:t>
+              <a:t>1/11/2025</a:t>
             </a:fld>
             <a:endParaRPr lang="en-US"/>
           </a:p>
@@ -696,7 +707,7 @@
           <a:p>
             <a:fld id="{89A1A71B-5368-4176-84E9-2A408646FE72}" type="datetimeFigureOut">
               <a:rPr lang="en-US" smtClean="0"/>
-              <a:t>1/10/2025</a:t>
+              <a:t>1/11/2025</a:t>
             </a:fld>
             <a:endParaRPr lang="en-US"/>
           </a:p>
@@ -894,7 +905,7 @@
           <a:p>
             <a:fld id="{89A1A71B-5368-4176-84E9-2A408646FE72}" type="datetimeFigureOut">
               <a:rPr lang="en-US" smtClean="0"/>
-              <a:t>1/10/2025</a:t>
+              <a:t>1/11/2025</a:t>
             </a:fld>
             <a:endParaRPr lang="en-US"/>
           </a:p>
@@ -1169,7 +1180,7 @@
           <a:p>
             <a:fld id="{89A1A71B-5368-4176-84E9-2A408646FE72}" type="datetimeFigureOut">
               <a:rPr lang="en-US" smtClean="0"/>
-              <a:t>1/10/2025</a:t>
+              <a:t>1/11/2025</a:t>
             </a:fld>
             <a:endParaRPr lang="en-US"/>
           </a:p>
@@ -1434,7 +1445,7 @@
           <a:p>
             <a:fld id="{89A1A71B-5368-4176-84E9-2A408646FE72}" type="datetimeFigureOut">
               <a:rPr lang="en-US" smtClean="0"/>
-              <a:t>1/10/2025</a:t>
+              <a:t>1/11/2025</a:t>
             </a:fld>
             <a:endParaRPr lang="en-US"/>
           </a:p>
@@ -1846,7 +1857,7 @@
           <a:p>
             <a:fld id="{89A1A71B-5368-4176-84E9-2A408646FE72}" type="datetimeFigureOut">
               <a:rPr lang="en-US" smtClean="0"/>
-              <a:t>1/10/2025</a:t>
+              <a:t>1/11/2025</a:t>
             </a:fld>
             <a:endParaRPr lang="en-US"/>
           </a:p>
@@ -1987,7 +1998,7 @@
           <a:p>
             <a:fld id="{89A1A71B-5368-4176-84E9-2A408646FE72}" type="datetimeFigureOut">
               <a:rPr lang="en-US" smtClean="0"/>
-              <a:t>1/10/2025</a:t>
+              <a:t>1/11/2025</a:t>
             </a:fld>
             <a:endParaRPr lang="en-US"/>
           </a:p>
@@ -2100,7 +2111,7 @@
           <a:p>
             <a:fld id="{89A1A71B-5368-4176-84E9-2A408646FE72}" type="datetimeFigureOut">
               <a:rPr lang="en-US" smtClean="0"/>
-              <a:t>1/10/2025</a:t>
+              <a:t>1/11/2025</a:t>
             </a:fld>
             <a:endParaRPr lang="en-US"/>
           </a:p>
@@ -2411,7 +2422,7 @@
           <a:p>
             <a:fld id="{89A1A71B-5368-4176-84E9-2A408646FE72}" type="datetimeFigureOut">
               <a:rPr lang="en-US" smtClean="0"/>
-              <a:t>1/10/2025</a:t>
+              <a:t>1/11/2025</a:t>
             </a:fld>
             <a:endParaRPr lang="en-US"/>
           </a:p>
@@ -2699,7 +2710,7 @@
           <a:p>
             <a:fld id="{89A1A71B-5368-4176-84E9-2A408646FE72}" type="datetimeFigureOut">
               <a:rPr lang="en-US" smtClean="0"/>
-              <a:t>1/10/2025</a:t>
+              <a:t>1/11/2025</a:t>
             </a:fld>
             <a:endParaRPr lang="en-US"/>
           </a:p>
@@ -2949,7 +2960,7 @@
           <a:p>
             <a:fld id="{89A1A71B-5368-4176-84E9-2A408646FE72}" type="datetimeFigureOut">
               <a:rPr lang="en-US" smtClean="0"/>
-              <a:t>1/10/2025</a:t>
+              <a:t>1/11/2025</a:t>
             </a:fld>
             <a:endParaRPr lang="en-US"/>
           </a:p>
@@ -6055,7 +6066,7 @@
         </p:spPr>
         <p:txBody>
           <a:bodyPr vert="horz" lIns="91440" tIns="45720" rIns="91440" bIns="45720" rtlCol="0">
-            <a:normAutofit/>
+            <a:normAutofit fontScale="85000" lnSpcReduction="20000"/>
           </a:bodyPr>
           <a:lstStyle>
             <a:lvl1pPr indent="0">
@@ -6183,7 +6194,7 @@
         </p:spPr>
         <p:txBody>
           <a:bodyPr vert="horz" lIns="91440" tIns="45720" rIns="91440" bIns="45720" rtlCol="0">
-            <a:normAutofit/>
+            <a:normAutofit fontScale="85000" lnSpcReduction="20000"/>
           </a:bodyPr>
           <a:lstStyle>
             <a:lvl1pPr indent="0">
@@ -11852,7 +11863,7 @@
         <p:cNvPr id="1" name="">
           <a:extLst>
             <a:ext uri="{FF2B5EF4-FFF2-40B4-BE49-F238E27FC236}">
-              <a16:creationId xmlns:a16="http://schemas.microsoft.com/office/drawing/2014/main" id="{F7C5FDD3-BD2D-A546-7CC7-8ACDBBCCFAE1}"/>
+              <a16:creationId xmlns:a16="http://schemas.microsoft.com/office/drawing/2014/main" id="{24596867-CE63-51F4-2E63-E48AEAAC7C9F}"/>
             </a:ext>
           </a:extLst>
         </p:cNvPr>
@@ -11872,7 +11883,7 @@
           <p:cNvPr id="2" name="Title 1">
             <a:extLst>
               <a:ext uri="{FF2B5EF4-FFF2-40B4-BE49-F238E27FC236}">
-                <a16:creationId xmlns:a16="http://schemas.microsoft.com/office/drawing/2014/main" id="{7C3AF37D-40CC-A44B-A708-3C25A44EBD4B}"/>
+                <a16:creationId xmlns:a16="http://schemas.microsoft.com/office/drawing/2014/main" id="{B0C4BF4A-37F6-2C6E-EB42-2B794419858C}"/>
               </a:ext>
             </a:extLst>
           </p:cNvPr>
@@ -11885,48 +11896,39 @@
         </p:nvSpPr>
         <p:spPr>
           <a:xfrm>
-            <a:off x="942372" y="5198520"/>
-            <a:ext cx="9116028" cy="665021"/>
+            <a:off x="838199" y="365125"/>
+            <a:ext cx="10872019" cy="1325563"/>
           </a:xfrm>
         </p:spPr>
         <p:txBody>
-          <a:bodyPr>
-            <a:normAutofit/>
-          </a:bodyPr>
+          <a:bodyPr/>
           <a:lstStyle/>
           <a:p>
-            <a:pPr>
-              <a:spcBef>
-                <a:spcPts val="1000"/>
-              </a:spcBef>
-            </a:pPr>
-            <a:r>
-              <a:rPr lang="en-US" sz="2800" dirty="0">
-                <a:latin typeface="+mn-lt"/>
-                <a:ea typeface="+mn-ea"/>
-                <a:cs typeface="+mn-cs"/>
-              </a:rPr>
-              <a:t>Accuracy of the model on test data</a:t>
-            </a:r>
-            <a:r>
-              <a:rPr lang="en-US" sz="2800">
-                <a:latin typeface="+mn-lt"/>
-                <a:ea typeface="+mn-ea"/>
-                <a:cs typeface="+mn-cs"/>
-              </a:rPr>
-              <a:t>: 57.68%</a:t>
-            </a:r>
-            <a:endParaRPr lang="en-US" sz="2800" dirty="0">
-              <a:latin typeface="+mn-lt"/>
-              <a:ea typeface="+mn-ea"/>
-              <a:cs typeface="+mn-cs"/>
-            </a:endParaRPr>
+            <a:r>
+              <a:rPr lang="en-US" b="1" dirty="0"/>
+              <a:t>6.1 Model Evaluation Based On 4 Data Set </a:t>
+            </a:r>
+            <a:br>
+              <a:rPr lang="en-US" b="1" dirty="0"/>
+            </a:br>
+            <a:r>
+              <a:rPr lang="en-US" b="1" dirty="0"/>
+              <a:t>(Crema, Rav, </a:t>
+            </a:r>
+            <a:r>
+              <a:rPr lang="en-US" b="1" dirty="0" err="1"/>
+              <a:t>Savee</a:t>
+            </a:r>
+            <a:r>
+              <a:rPr lang="en-US" b="1" dirty="0"/>
+              <a:t>, Tess)</a:t>
+            </a:r>
           </a:p>
         </p:txBody>
       </p:sp>
       <p:pic>
         <p:nvPicPr>
-          <p:cNvPr id="7" name="Content Placeholder 6">
+          <p:cNvPr id="8" name="Content Placeholder 6">
             <a:extLst>
               <a:ext uri="{FF2B5EF4-FFF2-40B4-BE49-F238E27FC236}">
                 <a16:creationId xmlns:a16="http://schemas.microsoft.com/office/drawing/2014/main" id="{A0824344-B185-D891-0109-1F5A448E5A0F}"/>
@@ -11948,71 +11950,55 @@
         </p:blipFill>
         <p:spPr>
           <a:xfrm>
-            <a:off x="159558" y="1041720"/>
-            <a:ext cx="11872883" cy="3935393"/>
+            <a:off x="838200" y="2258540"/>
+            <a:ext cx="10515600" cy="3485507"/>
           </a:xfrm>
         </p:spPr>
       </p:pic>
       <p:sp>
         <p:nvSpPr>
-          <p:cNvPr id="9" name="Title 1">
-            <a:extLst>
-              <a:ext uri="{FF2B5EF4-FFF2-40B4-BE49-F238E27FC236}">
-                <a16:creationId xmlns:a16="http://schemas.microsoft.com/office/drawing/2014/main" id="{BE40C07B-9FB7-35DE-4903-B5B9658A7C23}"/>
-              </a:ext>
-            </a:extLst>
-          </p:cNvPr>
-          <p:cNvSpPr txBox="1">
-            <a:spLocks/>
-          </p:cNvSpPr>
+          <p:cNvPr id="10" name="TextBox 9">
+            <a:extLst>
+              <a:ext uri="{FF2B5EF4-FFF2-40B4-BE49-F238E27FC236}">
+                <a16:creationId xmlns:a16="http://schemas.microsoft.com/office/drawing/2014/main" id="{894E0D47-322D-DF89-0280-1EA38BF1F2BD}"/>
+              </a:ext>
+            </a:extLst>
+          </p:cNvPr>
+          <p:cNvSpPr txBox="1"/>
           <p:nvPr/>
         </p:nvSpPr>
         <p:spPr>
           <a:xfrm>
-            <a:off x="1430438" y="6084949"/>
-            <a:ext cx="9116028" cy="665021"/>
+            <a:off x="3628103" y="5942567"/>
+            <a:ext cx="6096000" cy="369332"/>
           </a:xfrm>
           <a:prstGeom prst="rect">
             <a:avLst/>
           </a:prstGeom>
+          <a:noFill/>
         </p:spPr>
         <p:txBody>
-          <a:bodyPr vert="horz" lIns="91440" tIns="45720" rIns="91440" bIns="45720" rtlCol="0" anchor="ctr">
-            <a:normAutofit/>
+          <a:bodyPr wrap="square">
+            <a:spAutoFit/>
           </a:bodyPr>
-          <a:lstStyle>
-            <a:lvl1pPr algn="l" defTabSz="914400" rtl="0" eaLnBrk="1" latinLnBrk="0" hangingPunct="1">
-              <a:lnSpc>
-                <a:spcPct val="90000"/>
-              </a:lnSpc>
-              <a:spcBef>
-                <a:spcPct val="0"/>
-              </a:spcBef>
-              <a:buNone/>
-              <a:defRPr sz="4400" kern="1200">
-                <a:solidFill>
-                  <a:schemeClr val="tx1"/>
-                </a:solidFill>
-                <a:latin typeface="+mj-lt"/>
-                <a:ea typeface="+mj-ea"/>
-                <a:cs typeface="+mj-cs"/>
-              </a:defRPr>
-            </a:lvl1pPr>
-          </a:lstStyle>
-          <a:p>
-            <a:pPr algn="ctr"/>
-            <a:r>
-              <a:rPr lang="en-US" sz="2500" i="1"/>
-              <a:t>6.1 Training &amp; Testing Accuracy</a:t>
-            </a:r>
-            <a:endParaRPr lang="en-US" sz="2500" i="1" dirty="0"/>
+          <a:lstStyle/>
+          <a:p>
+            <a:r>
+              <a:rPr lang="en-US" sz="1800" dirty="0">
+                <a:latin typeface="+mn-lt"/>
+                <a:ea typeface="+mn-ea"/>
+                <a:cs typeface="+mn-cs"/>
+              </a:rPr>
+              <a:t>Accuracy of the model on test data: 57.68%</a:t>
+            </a:r>
+            <a:endParaRPr lang="en-US" dirty="0"/>
           </a:p>
         </p:txBody>
       </p:sp>
     </p:spTree>
     <p:extLst>
       <p:ext uri="{BB962C8B-B14F-4D97-AF65-F5344CB8AC3E}">
-        <p14:creationId xmlns:p14="http://schemas.microsoft.com/office/powerpoint/2010/main" val="1114234478"/>
+        <p14:creationId xmlns:p14="http://schemas.microsoft.com/office/powerpoint/2010/main" val="2413346431"/>
       </p:ext>
     </p:extLst>
   </p:cSld>
@@ -12125,7 +12111,7 @@
             <a:pPr algn="ctr"/>
             <a:r>
               <a:rPr lang="en-US" sz="2500" i="1" dirty="0"/>
-              <a:t>6.2 Confusion Matrix</a:t>
+              <a:t>Confusion Matrix</a:t>
             </a:r>
           </a:p>
         </p:txBody>
@@ -12227,7 +12213,7 @@
             <a:pPr algn="ctr"/>
             <a:r>
               <a:rPr lang="en-US" sz="2500" i="1" dirty="0"/>
-              <a:t>6.3 Classification Report</a:t>
+              <a:t>Classification Report</a:t>
             </a:r>
           </a:p>
         </p:txBody>
@@ -12236,6 +12222,233 @@
     <p:extLst>
       <p:ext uri="{BB962C8B-B14F-4D97-AF65-F5344CB8AC3E}">
         <p14:creationId xmlns:p14="http://schemas.microsoft.com/office/powerpoint/2010/main" val="2725259076"/>
+      </p:ext>
+    </p:extLst>
+  </p:cSld>
+  <p:clrMapOvr>
+    <a:masterClrMapping/>
+  </p:clrMapOvr>
+</p:sld>
+</file>
+
+<file path=ppt/slides/slide38.xml><?xml version="1.0" encoding="utf-8"?>
+<p:sld xmlns:a="http://schemas.openxmlformats.org/drawingml/2006/main" xmlns:r="http://schemas.openxmlformats.org/officeDocument/2006/relationships" xmlns:p="http://schemas.openxmlformats.org/presentationml/2006/main">
+  <p:cSld>
+    <p:spTree>
+      <p:nvGrpSpPr>
+        <p:cNvPr id="1" name=""/>
+        <p:cNvGrpSpPr/>
+        <p:nvPr/>
+      </p:nvGrpSpPr>
+      <p:grpSpPr>
+        <a:xfrm>
+          <a:off x="0" y="0"/>
+          <a:ext cx="0" cy="0"/>
+          <a:chOff x="0" y="0"/>
+          <a:chExt cx="0" cy="0"/>
+        </a:xfrm>
+      </p:grpSpPr>
+      <p:sp>
+        <p:nvSpPr>
+          <p:cNvPr id="2" name="Title 1">
+            <a:extLst>
+              <a:ext uri="{FF2B5EF4-FFF2-40B4-BE49-F238E27FC236}">
+                <a16:creationId xmlns:a16="http://schemas.microsoft.com/office/drawing/2014/main" id="{925DD3E3-220A-7E72-709B-FBB8F00C9321}"/>
+              </a:ext>
+            </a:extLst>
+          </p:cNvPr>
+          <p:cNvSpPr>
+            <a:spLocks noGrp="1"/>
+          </p:cNvSpPr>
+          <p:nvPr>
+            <p:ph type="title"/>
+          </p:nvPr>
+        </p:nvSpPr>
+        <p:spPr/>
+        <p:txBody>
+          <a:bodyPr/>
+          <a:lstStyle/>
+          <a:p>
+            <a:r>
+              <a:rPr lang="en-US" b="1" dirty="0"/>
+              <a:t>6.2 Evaluate Evaluation Based On 2 Data Sets</a:t>
+            </a:r>
+            <a:br>
+              <a:rPr lang="en-US" b="1" dirty="0"/>
+            </a:br>
+            <a:r>
+              <a:rPr lang="en-US" b="1" dirty="0"/>
+              <a:t>(Rav &amp; Tess)</a:t>
+            </a:r>
+          </a:p>
+        </p:txBody>
+      </p:sp>
+      <p:sp>
+        <p:nvSpPr>
+          <p:cNvPr id="7" name="TextBox 6">
+            <a:extLst>
+              <a:ext uri="{FF2B5EF4-FFF2-40B4-BE49-F238E27FC236}">
+                <a16:creationId xmlns:a16="http://schemas.microsoft.com/office/drawing/2014/main" id="{6E88B2C6-E21B-1C9B-C9D9-F844B739EFE9}"/>
+              </a:ext>
+            </a:extLst>
+          </p:cNvPr>
+          <p:cNvSpPr txBox="1"/>
+          <p:nvPr/>
+        </p:nvSpPr>
+        <p:spPr>
+          <a:xfrm>
+            <a:off x="3048000" y="6123543"/>
+            <a:ext cx="6096000" cy="369332"/>
+          </a:xfrm>
+          <a:prstGeom prst="rect">
+            <a:avLst/>
+          </a:prstGeom>
+          <a:noFill/>
+        </p:spPr>
+        <p:txBody>
+          <a:bodyPr wrap="square">
+            <a:spAutoFit/>
+          </a:bodyPr>
+          <a:lstStyle/>
+          <a:p>
+            <a:pPr algn="ctr"/>
+            <a:r>
+              <a:rPr lang="en-US" sz="1800" dirty="0">
+                <a:latin typeface="+mn-lt"/>
+                <a:ea typeface="+mn-ea"/>
+                <a:cs typeface="+mn-cs"/>
+              </a:rPr>
+              <a:t>Accuracy of the model on test data (Rav &amp; Tess): 80.18%</a:t>
+            </a:r>
+            <a:endParaRPr lang="en-US" dirty="0"/>
+          </a:p>
+        </p:txBody>
+      </p:sp>
+      <p:pic>
+        <p:nvPicPr>
+          <p:cNvPr id="13" name="Picture 12">
+            <a:extLst>
+              <a:ext uri="{FF2B5EF4-FFF2-40B4-BE49-F238E27FC236}">
+                <a16:creationId xmlns:a16="http://schemas.microsoft.com/office/drawing/2014/main" id="{38BD186D-DCB0-972F-130A-9CCA9D72CB73}"/>
+              </a:ext>
+            </a:extLst>
+          </p:cNvPr>
+          <p:cNvPicPr>
+            <a:picLocks noChangeAspect="1"/>
+          </p:cNvPicPr>
+          <p:nvPr/>
+        </p:nvPicPr>
+        <p:blipFill>
+          <a:blip r:embed="rId2"/>
+          <a:stretch>
+            <a:fillRect/>
+          </a:stretch>
+        </p:blipFill>
+        <p:spPr>
+          <a:xfrm>
+            <a:off x="0" y="1434225"/>
+            <a:ext cx="12192000" cy="3989549"/>
+          </a:xfrm>
+          <a:prstGeom prst="rect">
+            <a:avLst/>
+          </a:prstGeom>
+        </p:spPr>
+      </p:pic>
+    </p:spTree>
+    <p:extLst>
+      <p:ext uri="{BB962C8B-B14F-4D97-AF65-F5344CB8AC3E}">
+        <p14:creationId xmlns:p14="http://schemas.microsoft.com/office/powerpoint/2010/main" val="4051986872"/>
+      </p:ext>
+    </p:extLst>
+  </p:cSld>
+  <p:clrMapOvr>
+    <a:masterClrMapping/>
+  </p:clrMapOvr>
+</p:sld>
+</file>
+
+<file path=ppt/slides/slide39.xml><?xml version="1.0" encoding="utf-8"?>
+<p:sld xmlns:a="http://schemas.openxmlformats.org/drawingml/2006/main" xmlns:r="http://schemas.openxmlformats.org/officeDocument/2006/relationships" xmlns:p="http://schemas.openxmlformats.org/presentationml/2006/main">
+  <p:cSld>
+    <p:spTree>
+      <p:nvGrpSpPr>
+        <p:cNvPr id="1" name="">
+          <a:extLst>
+            <a:ext uri="{FF2B5EF4-FFF2-40B4-BE49-F238E27FC236}">
+              <a16:creationId xmlns:a16="http://schemas.microsoft.com/office/drawing/2014/main" id="{B4FBA6FF-9687-7250-010D-F8256F24F6BA}"/>
+            </a:ext>
+          </a:extLst>
+        </p:cNvPr>
+        <p:cNvGrpSpPr/>
+        <p:nvPr/>
+      </p:nvGrpSpPr>
+      <p:grpSpPr>
+        <a:xfrm>
+          <a:off x="0" y="0"/>
+          <a:ext cx="0" cy="0"/>
+          <a:chOff x="0" y="0"/>
+          <a:chExt cx="0" cy="0"/>
+        </a:xfrm>
+      </p:grpSpPr>
+      <p:pic>
+        <p:nvPicPr>
+          <p:cNvPr id="10" name="Picture 9">
+            <a:extLst>
+              <a:ext uri="{FF2B5EF4-FFF2-40B4-BE49-F238E27FC236}">
+                <a16:creationId xmlns:a16="http://schemas.microsoft.com/office/drawing/2014/main" id="{E802953D-EBBF-EDE6-8F18-2EEB95FCCA20}"/>
+              </a:ext>
+            </a:extLst>
+          </p:cNvPr>
+          <p:cNvPicPr>
+            <a:picLocks noChangeAspect="1"/>
+          </p:cNvPicPr>
+          <p:nvPr/>
+        </p:nvPicPr>
+        <p:blipFill>
+          <a:blip r:embed="rId2"/>
+          <a:stretch>
+            <a:fillRect/>
+          </a:stretch>
+        </p:blipFill>
+        <p:spPr>
+          <a:xfrm>
+            <a:off x="2203960" y="0"/>
+            <a:ext cx="7784080" cy="6858000"/>
+          </a:xfrm>
+          <a:prstGeom prst="rect">
+            <a:avLst/>
+          </a:prstGeom>
+        </p:spPr>
+      </p:pic>
+      <p:sp>
+        <p:nvSpPr>
+          <p:cNvPr id="13" name="Title 12">
+            <a:extLst>
+              <a:ext uri="{FF2B5EF4-FFF2-40B4-BE49-F238E27FC236}">
+                <a16:creationId xmlns:a16="http://schemas.microsoft.com/office/drawing/2014/main" id="{9E3416B9-3EE1-366B-685A-7297915E072D}"/>
+              </a:ext>
+            </a:extLst>
+          </p:cNvPr>
+          <p:cNvSpPr>
+            <a:spLocks noGrp="1"/>
+          </p:cNvSpPr>
+          <p:nvPr>
+            <p:ph type="title"/>
+          </p:nvPr>
+        </p:nvSpPr>
+        <p:spPr/>
+        <p:txBody>
+          <a:bodyPr/>
+          <a:lstStyle/>
+          <a:p>
+            <a:endParaRPr lang="en-US"/>
+          </a:p>
+        </p:txBody>
+      </p:sp>
+    </p:spTree>
+    <p:extLst>
+      <p:ext uri="{BB962C8B-B14F-4D97-AF65-F5344CB8AC3E}">
+        <p14:creationId xmlns:p14="http://schemas.microsoft.com/office/powerpoint/2010/main" val="2170176952"/>
       </p:ext>
     </p:extLst>
   </p:cSld>
@@ -12790,13 +13003,13 @@
   <p:clrMapOvr>
     <a:masterClrMapping/>
   </p:clrMapOvr>
-  <mc:AlternateContent xmlns:mc="http://schemas.openxmlformats.org/markup-compatibility/2006">
-    <mc:Choice xmlns:p159="http://schemas.microsoft.com/office/powerpoint/2015/09/main" Requires="p159">
+  <mc:AlternateContent xmlns:mc="http://schemas.openxmlformats.org/markup-compatibility/2006" xmlns:p159="http://schemas.microsoft.com/office/powerpoint/2015/09/main">
+    <mc:Choice Requires="p159">
       <p:transition xmlns:p14="http://schemas.microsoft.com/office/powerpoint/2010/main" spd="slow" p14:dur="2000">
         <p159:morph option="byObject"/>
       </p:transition>
     </mc:Choice>
-    <mc:Fallback>
+    <mc:Fallback xmlns="">
       <p:transition spd="slow">
         <p:fade/>
       </p:transition>
@@ -13175,6 +13388,507 @@
 </p:sld>
 </file>
 
+<file path=ppt/slides/slide40.xml><?xml version="1.0" encoding="utf-8"?>
+<p:sld xmlns:a="http://schemas.openxmlformats.org/drawingml/2006/main" xmlns:r="http://schemas.openxmlformats.org/officeDocument/2006/relationships" xmlns:p="http://schemas.openxmlformats.org/presentationml/2006/main">
+  <p:cSld>
+    <p:spTree>
+      <p:nvGrpSpPr>
+        <p:cNvPr id="1" name="">
+          <a:extLst>
+            <a:ext uri="{FF2B5EF4-FFF2-40B4-BE49-F238E27FC236}">
+              <a16:creationId xmlns:a16="http://schemas.microsoft.com/office/drawing/2014/main" id="{55AC8C1A-2941-89F0-8832-1D60402289C3}"/>
+            </a:ext>
+          </a:extLst>
+        </p:cNvPr>
+        <p:cNvGrpSpPr/>
+        <p:nvPr/>
+      </p:nvGrpSpPr>
+      <p:grpSpPr>
+        <a:xfrm>
+          <a:off x="0" y="0"/>
+          <a:ext cx="0" cy="0"/>
+          <a:chOff x="0" y="0"/>
+          <a:chExt cx="0" cy="0"/>
+        </a:xfrm>
+      </p:grpSpPr>
+      <p:sp>
+        <p:nvSpPr>
+          <p:cNvPr id="5" name="Title 1">
+            <a:extLst>
+              <a:ext uri="{FF2B5EF4-FFF2-40B4-BE49-F238E27FC236}">
+                <a16:creationId xmlns:a16="http://schemas.microsoft.com/office/drawing/2014/main" id="{1D4A1E30-05BF-6A43-3619-99D91F07F3D5}"/>
+              </a:ext>
+            </a:extLst>
+          </p:cNvPr>
+          <p:cNvSpPr>
+            <a:spLocks noGrp="1"/>
+          </p:cNvSpPr>
+          <p:nvPr>
+            <p:ph type="title"/>
+          </p:nvPr>
+        </p:nvSpPr>
+        <p:spPr>
+          <a:xfrm>
+            <a:off x="1266463" y="5585308"/>
+            <a:ext cx="9116028" cy="665021"/>
+          </a:xfrm>
+        </p:spPr>
+        <p:txBody>
+          <a:bodyPr>
+            <a:normAutofit/>
+          </a:bodyPr>
+          <a:lstStyle/>
+          <a:p>
+            <a:pPr algn="ctr"/>
+            <a:r>
+              <a:rPr lang="en-US" sz="2500" i="1" dirty="0"/>
+              <a:t>Classification Report</a:t>
+            </a:r>
+          </a:p>
+        </p:txBody>
+      </p:sp>
+      <p:pic>
+        <p:nvPicPr>
+          <p:cNvPr id="9" name="Picture 8">
+            <a:extLst>
+              <a:ext uri="{FF2B5EF4-FFF2-40B4-BE49-F238E27FC236}">
+                <a16:creationId xmlns:a16="http://schemas.microsoft.com/office/drawing/2014/main" id="{1567E577-CD9B-5B2C-7C31-27869B3C3988}"/>
+              </a:ext>
+            </a:extLst>
+          </p:cNvPr>
+          <p:cNvPicPr>
+            <a:picLocks noChangeAspect="1"/>
+          </p:cNvPicPr>
+          <p:nvPr/>
+        </p:nvPicPr>
+        <p:blipFill>
+          <a:blip r:embed="rId2"/>
+          <a:stretch>
+            <a:fillRect/>
+          </a:stretch>
+        </p:blipFill>
+        <p:spPr>
+          <a:xfrm>
+            <a:off x="3018660" y="1414344"/>
+            <a:ext cx="6154680" cy="3159039"/>
+          </a:xfrm>
+          <a:prstGeom prst="rect">
+            <a:avLst/>
+          </a:prstGeom>
+        </p:spPr>
+      </p:pic>
+    </p:spTree>
+    <p:extLst>
+      <p:ext uri="{BB962C8B-B14F-4D97-AF65-F5344CB8AC3E}">
+        <p14:creationId xmlns:p14="http://schemas.microsoft.com/office/powerpoint/2010/main" val="1380330524"/>
+      </p:ext>
+    </p:extLst>
+  </p:cSld>
+  <p:clrMapOvr>
+    <a:masterClrMapping/>
+  </p:clrMapOvr>
+</p:sld>
+</file>
+
+<file path=ppt/slides/slide41.xml><?xml version="1.0" encoding="utf-8"?>
+<p:sld xmlns:a="http://schemas.openxmlformats.org/drawingml/2006/main" xmlns:r="http://schemas.openxmlformats.org/officeDocument/2006/relationships" xmlns:p="http://schemas.openxmlformats.org/presentationml/2006/main">
+  <p:cSld>
+    <p:spTree>
+      <p:nvGrpSpPr>
+        <p:cNvPr id="1" name=""/>
+        <p:cNvGrpSpPr/>
+        <p:nvPr/>
+      </p:nvGrpSpPr>
+      <p:grpSpPr>
+        <a:xfrm>
+          <a:off x="0" y="0"/>
+          <a:ext cx="0" cy="0"/>
+          <a:chOff x="0" y="0"/>
+          <a:chExt cx="0" cy="0"/>
+        </a:xfrm>
+      </p:grpSpPr>
+      <p:sp>
+        <p:nvSpPr>
+          <p:cNvPr id="2" name="Title 1">
+            <a:extLst>
+              <a:ext uri="{FF2B5EF4-FFF2-40B4-BE49-F238E27FC236}">
+                <a16:creationId xmlns:a16="http://schemas.microsoft.com/office/drawing/2014/main" id="{2465CFF9-2D05-7B2F-FAFB-6049BA208207}"/>
+              </a:ext>
+            </a:extLst>
+          </p:cNvPr>
+          <p:cNvSpPr>
+            <a:spLocks noGrp="1"/>
+          </p:cNvSpPr>
+          <p:nvPr>
+            <p:ph type="title"/>
+          </p:nvPr>
+        </p:nvSpPr>
+        <p:spPr/>
+        <p:txBody>
+          <a:bodyPr/>
+          <a:lstStyle/>
+          <a:p>
+            <a:r>
+              <a:rPr lang="en-US" b="1" dirty="0"/>
+              <a:t>6.2 Evaluate Evaluation Based On 2 Data Sets</a:t>
+            </a:r>
+            <a:br>
+              <a:rPr lang="en-US" b="1" dirty="0"/>
+            </a:br>
+            <a:r>
+              <a:rPr lang="en-US" b="1" dirty="0"/>
+              <a:t>(Rav &amp; Tess)</a:t>
+            </a:r>
+            <a:endParaRPr lang="en-US" dirty="0"/>
+          </a:p>
+        </p:txBody>
+      </p:sp>
+      <p:sp>
+        <p:nvSpPr>
+          <p:cNvPr id="6" name="TextBox 5">
+            <a:extLst>
+              <a:ext uri="{FF2B5EF4-FFF2-40B4-BE49-F238E27FC236}">
+                <a16:creationId xmlns:a16="http://schemas.microsoft.com/office/drawing/2014/main" id="{1A238095-6E80-90B5-2813-6E2BE1A7E62E}"/>
+              </a:ext>
+            </a:extLst>
+          </p:cNvPr>
+          <p:cNvSpPr txBox="1"/>
+          <p:nvPr/>
+        </p:nvSpPr>
+        <p:spPr>
+          <a:xfrm>
+            <a:off x="3048000" y="6123542"/>
+            <a:ext cx="6096000" cy="369332"/>
+          </a:xfrm>
+          <a:prstGeom prst="rect">
+            <a:avLst/>
+          </a:prstGeom>
+          <a:noFill/>
+        </p:spPr>
+        <p:txBody>
+          <a:bodyPr wrap="square">
+            <a:spAutoFit/>
+          </a:bodyPr>
+          <a:lstStyle/>
+          <a:p>
+            <a:pPr algn="ctr"/>
+            <a:r>
+              <a:rPr lang="en-US" sz="1800" dirty="0">
+                <a:latin typeface="+mn-lt"/>
+                <a:ea typeface="+mn-ea"/>
+                <a:cs typeface="+mn-cs"/>
+              </a:rPr>
+              <a:t>Accuracy of the model on test data (Crema &amp; </a:t>
+            </a:r>
+            <a:r>
+              <a:rPr lang="en-US" sz="1800" dirty="0" err="1">
+                <a:latin typeface="+mn-lt"/>
+                <a:ea typeface="+mn-ea"/>
+                <a:cs typeface="+mn-cs"/>
+              </a:rPr>
+              <a:t>Savee</a:t>
+            </a:r>
+            <a:r>
+              <a:rPr lang="en-US" sz="1800" dirty="0">
+                <a:latin typeface="+mn-lt"/>
+                <a:ea typeface="+mn-ea"/>
+                <a:cs typeface="+mn-cs"/>
+              </a:rPr>
+              <a:t>): </a:t>
+            </a:r>
+            <a:r>
+              <a:rPr lang="en-US" dirty="0"/>
+              <a:t>90</a:t>
+            </a:r>
+            <a:r>
+              <a:rPr lang="en-US" sz="1800" dirty="0">
+                <a:latin typeface="+mn-lt"/>
+                <a:ea typeface="+mn-ea"/>
+                <a:cs typeface="+mn-cs"/>
+              </a:rPr>
+              <a:t>.53%</a:t>
+            </a:r>
+            <a:endParaRPr lang="en-US" dirty="0"/>
+          </a:p>
+        </p:txBody>
+      </p:sp>
+      <p:sp>
+        <p:nvSpPr>
+          <p:cNvPr id="8" name="Content Placeholder 7">
+            <a:extLst>
+              <a:ext uri="{FF2B5EF4-FFF2-40B4-BE49-F238E27FC236}">
+                <a16:creationId xmlns:a16="http://schemas.microsoft.com/office/drawing/2014/main" id="{1F460671-D700-080A-E550-6769B42C4416}"/>
+              </a:ext>
+            </a:extLst>
+          </p:cNvPr>
+          <p:cNvSpPr>
+            <a:spLocks noGrp="1"/>
+          </p:cNvSpPr>
+          <p:nvPr>
+            <p:ph idx="1"/>
+          </p:nvPr>
+        </p:nvSpPr>
+        <p:spPr>
+          <a:xfrm>
+            <a:off x="838200" y="1825625"/>
+            <a:ext cx="10515600" cy="4297917"/>
+          </a:xfrm>
+        </p:spPr>
+        <p:txBody>
+          <a:bodyPr/>
+          <a:lstStyle/>
+          <a:p>
+            <a:endParaRPr lang="en-US" dirty="0"/>
+          </a:p>
+        </p:txBody>
+      </p:sp>
+      <p:pic>
+        <p:nvPicPr>
+          <p:cNvPr id="10" name="Picture 9">
+            <a:extLst>
+              <a:ext uri="{FF2B5EF4-FFF2-40B4-BE49-F238E27FC236}">
+                <a16:creationId xmlns:a16="http://schemas.microsoft.com/office/drawing/2014/main" id="{1ED3856D-EFD3-9A8A-0D8C-B955757C9FEC}"/>
+              </a:ext>
+            </a:extLst>
+          </p:cNvPr>
+          <p:cNvPicPr>
+            <a:picLocks noChangeAspect="1"/>
+          </p:cNvPicPr>
+          <p:nvPr/>
+        </p:nvPicPr>
+        <p:blipFill>
+          <a:blip r:embed="rId2"/>
+          <a:stretch>
+            <a:fillRect/>
+          </a:stretch>
+        </p:blipFill>
+        <p:spPr>
+          <a:xfrm>
+            <a:off x="0" y="1487625"/>
+            <a:ext cx="12192000" cy="3882749"/>
+          </a:xfrm>
+          <a:prstGeom prst="rect">
+            <a:avLst/>
+          </a:prstGeom>
+        </p:spPr>
+      </p:pic>
+    </p:spTree>
+    <p:extLst>
+      <p:ext uri="{BB962C8B-B14F-4D97-AF65-F5344CB8AC3E}">
+        <p14:creationId xmlns:p14="http://schemas.microsoft.com/office/powerpoint/2010/main" val="1234396995"/>
+      </p:ext>
+    </p:extLst>
+  </p:cSld>
+  <p:clrMapOvr>
+    <a:masterClrMapping/>
+  </p:clrMapOvr>
+</p:sld>
+</file>
+
+<file path=ppt/slides/slide42.xml><?xml version="1.0" encoding="utf-8"?>
+<p:sld xmlns:a="http://schemas.openxmlformats.org/drawingml/2006/main" xmlns:r="http://schemas.openxmlformats.org/officeDocument/2006/relationships" xmlns:p="http://schemas.openxmlformats.org/presentationml/2006/main">
+  <p:cSld>
+    <p:spTree>
+      <p:nvGrpSpPr>
+        <p:cNvPr id="1" name="">
+          <a:extLst>
+            <a:ext uri="{FF2B5EF4-FFF2-40B4-BE49-F238E27FC236}">
+              <a16:creationId xmlns:a16="http://schemas.microsoft.com/office/drawing/2014/main" id="{7B51B9D0-DB9D-2FD9-9E2F-6DFA602D9992}"/>
+            </a:ext>
+          </a:extLst>
+        </p:cNvPr>
+        <p:cNvGrpSpPr/>
+        <p:nvPr/>
+      </p:nvGrpSpPr>
+      <p:grpSpPr>
+        <a:xfrm>
+          <a:off x="0" y="0"/>
+          <a:ext cx="0" cy="0"/>
+          <a:chOff x="0" y="0"/>
+          <a:chExt cx="0" cy="0"/>
+        </a:xfrm>
+      </p:grpSpPr>
+      <p:sp>
+        <p:nvSpPr>
+          <p:cNvPr id="14" name="Title 1">
+            <a:extLst>
+              <a:ext uri="{FF2B5EF4-FFF2-40B4-BE49-F238E27FC236}">
+                <a16:creationId xmlns:a16="http://schemas.microsoft.com/office/drawing/2014/main" id="{69FE6840-83BF-42BA-F28F-03A1B31B0475}"/>
+              </a:ext>
+            </a:extLst>
+          </p:cNvPr>
+          <p:cNvSpPr>
+            <a:spLocks noGrp="1"/>
+          </p:cNvSpPr>
+          <p:nvPr>
+            <p:ph type="title"/>
+          </p:nvPr>
+        </p:nvSpPr>
+        <p:spPr>
+          <a:xfrm>
+            <a:off x="1243313" y="6114588"/>
+            <a:ext cx="9116028" cy="665021"/>
+          </a:xfrm>
+        </p:spPr>
+        <p:txBody>
+          <a:bodyPr>
+            <a:normAutofit/>
+          </a:bodyPr>
+          <a:lstStyle/>
+          <a:p>
+            <a:pPr algn="ctr"/>
+            <a:r>
+              <a:rPr lang="en-US" sz="2500" i="1" dirty="0"/>
+              <a:t>Confusion Matrix</a:t>
+            </a:r>
+          </a:p>
+        </p:txBody>
+      </p:sp>
+      <p:pic>
+        <p:nvPicPr>
+          <p:cNvPr id="3" name="Picture 2">
+            <a:extLst>
+              <a:ext uri="{FF2B5EF4-FFF2-40B4-BE49-F238E27FC236}">
+                <a16:creationId xmlns:a16="http://schemas.microsoft.com/office/drawing/2014/main" id="{E38AFF73-96FC-B5A2-934F-3E594C1D0810}"/>
+              </a:ext>
+            </a:extLst>
+          </p:cNvPr>
+          <p:cNvPicPr>
+            <a:picLocks noChangeAspect="1"/>
+          </p:cNvPicPr>
+          <p:nvPr/>
+        </p:nvPicPr>
+        <p:blipFill>
+          <a:blip r:embed="rId2"/>
+          <a:stretch>
+            <a:fillRect/>
+          </a:stretch>
+        </p:blipFill>
+        <p:spPr>
+          <a:xfrm>
+            <a:off x="2156397" y="0"/>
+            <a:ext cx="7879205" cy="6858000"/>
+          </a:xfrm>
+          <a:prstGeom prst="rect">
+            <a:avLst/>
+          </a:prstGeom>
+        </p:spPr>
+      </p:pic>
+    </p:spTree>
+    <p:extLst>
+      <p:ext uri="{BB962C8B-B14F-4D97-AF65-F5344CB8AC3E}">
+        <p14:creationId xmlns:p14="http://schemas.microsoft.com/office/powerpoint/2010/main" val="2536104473"/>
+      </p:ext>
+    </p:extLst>
+  </p:cSld>
+  <p:clrMapOvr>
+    <a:masterClrMapping/>
+  </p:clrMapOvr>
+</p:sld>
+</file>
+
+<file path=ppt/slides/slide43.xml><?xml version="1.0" encoding="utf-8"?>
+<p:sld xmlns:a="http://schemas.openxmlformats.org/drawingml/2006/main" xmlns:r="http://schemas.openxmlformats.org/officeDocument/2006/relationships" xmlns:p="http://schemas.openxmlformats.org/presentationml/2006/main">
+  <p:cSld>
+    <p:spTree>
+      <p:nvGrpSpPr>
+        <p:cNvPr id="1" name="">
+          <a:extLst>
+            <a:ext uri="{FF2B5EF4-FFF2-40B4-BE49-F238E27FC236}">
+              <a16:creationId xmlns:a16="http://schemas.microsoft.com/office/drawing/2014/main" id="{449C77BB-4C00-7155-7DEF-813B37D53F32}"/>
+            </a:ext>
+          </a:extLst>
+        </p:cNvPr>
+        <p:cNvGrpSpPr/>
+        <p:nvPr/>
+      </p:nvGrpSpPr>
+      <p:grpSpPr>
+        <a:xfrm>
+          <a:off x="0" y="0"/>
+          <a:ext cx="0" cy="0"/>
+          <a:chOff x="0" y="0"/>
+          <a:chExt cx="0" cy="0"/>
+        </a:xfrm>
+      </p:grpSpPr>
+      <p:sp>
+        <p:nvSpPr>
+          <p:cNvPr id="5" name="Title 1">
+            <a:extLst>
+              <a:ext uri="{FF2B5EF4-FFF2-40B4-BE49-F238E27FC236}">
+                <a16:creationId xmlns:a16="http://schemas.microsoft.com/office/drawing/2014/main" id="{16F279E7-B095-FD0A-5F91-171BFA05B1F4}"/>
+              </a:ext>
+            </a:extLst>
+          </p:cNvPr>
+          <p:cNvSpPr>
+            <a:spLocks noGrp="1"/>
+          </p:cNvSpPr>
+          <p:nvPr>
+            <p:ph type="title"/>
+          </p:nvPr>
+        </p:nvSpPr>
+        <p:spPr>
+          <a:xfrm>
+            <a:off x="1266463" y="5585308"/>
+            <a:ext cx="9116028" cy="665021"/>
+          </a:xfrm>
+        </p:spPr>
+        <p:txBody>
+          <a:bodyPr>
+            <a:normAutofit/>
+          </a:bodyPr>
+          <a:lstStyle/>
+          <a:p>
+            <a:pPr algn="ctr"/>
+            <a:r>
+              <a:rPr lang="en-US" sz="2500" i="1" dirty="0"/>
+              <a:t>Classification Report</a:t>
+            </a:r>
+          </a:p>
+        </p:txBody>
+      </p:sp>
+      <p:pic>
+        <p:nvPicPr>
+          <p:cNvPr id="4" name="Picture 3">
+            <a:extLst>
+              <a:ext uri="{FF2B5EF4-FFF2-40B4-BE49-F238E27FC236}">
+                <a16:creationId xmlns:a16="http://schemas.microsoft.com/office/drawing/2014/main" id="{49A2BBA3-15DE-FF22-F803-401BDB79137D}"/>
+              </a:ext>
+            </a:extLst>
+          </p:cNvPr>
+          <p:cNvPicPr>
+            <a:picLocks noChangeAspect="1"/>
+          </p:cNvPicPr>
+          <p:nvPr/>
+        </p:nvPicPr>
+        <p:blipFill>
+          <a:blip r:embed="rId2"/>
+          <a:stretch>
+            <a:fillRect/>
+          </a:stretch>
+        </p:blipFill>
+        <p:spPr>
+          <a:xfrm>
+            <a:off x="2830822" y="1172652"/>
+            <a:ext cx="6342675" cy="3405015"/>
+          </a:xfrm>
+          <a:prstGeom prst="rect">
+            <a:avLst/>
+          </a:prstGeom>
+        </p:spPr>
+      </p:pic>
+    </p:spTree>
+    <p:extLst>
+      <p:ext uri="{BB962C8B-B14F-4D97-AF65-F5344CB8AC3E}">
+        <p14:creationId xmlns:p14="http://schemas.microsoft.com/office/powerpoint/2010/main" val="946517791"/>
+      </p:ext>
+    </p:extLst>
+  </p:cSld>
+  <p:clrMapOvr>
+    <a:masterClrMapping/>
+  </p:clrMapOvr>
+</p:sld>
+</file>
+
 <file path=ppt/slides/slide5.xml><?xml version="1.0" encoding="utf-8"?>
 <p:sld xmlns:a="http://schemas.openxmlformats.org/drawingml/2006/main" xmlns:r="http://schemas.openxmlformats.org/officeDocument/2006/relationships" xmlns:p="http://schemas.openxmlformats.org/presentationml/2006/main">
   <p:cSld>

--- a/Speech Emotion Recognition.pptx
+++ b/Speech Emotion Recognition.pptx
@@ -22,32 +22,36 @@
     <p:sldId id="270" r:id="rId16"/>
     <p:sldId id="271" r:id="rId17"/>
     <p:sldId id="272" r:id="rId18"/>
-    <p:sldId id="273" r:id="rId19"/>
-    <p:sldId id="274" r:id="rId20"/>
-    <p:sldId id="275" r:id="rId21"/>
-    <p:sldId id="276" r:id="rId22"/>
-    <p:sldId id="277" r:id="rId23"/>
-    <p:sldId id="278" r:id="rId24"/>
-    <p:sldId id="279" r:id="rId25"/>
-    <p:sldId id="281" r:id="rId26"/>
-    <p:sldId id="280" r:id="rId27"/>
-    <p:sldId id="282" r:id="rId28"/>
-    <p:sldId id="283" r:id="rId29"/>
-    <p:sldId id="284" r:id="rId30"/>
-    <p:sldId id="285" r:id="rId31"/>
-    <p:sldId id="286" r:id="rId32"/>
-    <p:sldId id="287" r:id="rId33"/>
-    <p:sldId id="288" r:id="rId34"/>
-    <p:sldId id="289" r:id="rId35"/>
-    <p:sldId id="295" r:id="rId36"/>
-    <p:sldId id="291" r:id="rId37"/>
-    <p:sldId id="292" r:id="rId38"/>
-    <p:sldId id="293" r:id="rId39"/>
-    <p:sldId id="297" r:id="rId40"/>
-    <p:sldId id="298" r:id="rId41"/>
-    <p:sldId id="299" r:id="rId42"/>
-    <p:sldId id="302" r:id="rId43"/>
-    <p:sldId id="301" r:id="rId44"/>
+    <p:sldId id="303" r:id="rId19"/>
+    <p:sldId id="304" r:id="rId20"/>
+    <p:sldId id="305" r:id="rId21"/>
+    <p:sldId id="306" r:id="rId22"/>
+    <p:sldId id="273" r:id="rId23"/>
+    <p:sldId id="274" r:id="rId24"/>
+    <p:sldId id="275" r:id="rId25"/>
+    <p:sldId id="276" r:id="rId26"/>
+    <p:sldId id="277" r:id="rId27"/>
+    <p:sldId id="278" r:id="rId28"/>
+    <p:sldId id="279" r:id="rId29"/>
+    <p:sldId id="281" r:id="rId30"/>
+    <p:sldId id="280" r:id="rId31"/>
+    <p:sldId id="282" r:id="rId32"/>
+    <p:sldId id="283" r:id="rId33"/>
+    <p:sldId id="284" r:id="rId34"/>
+    <p:sldId id="285" r:id="rId35"/>
+    <p:sldId id="286" r:id="rId36"/>
+    <p:sldId id="287" r:id="rId37"/>
+    <p:sldId id="288" r:id="rId38"/>
+    <p:sldId id="289" r:id="rId39"/>
+    <p:sldId id="295" r:id="rId40"/>
+    <p:sldId id="291" r:id="rId41"/>
+    <p:sldId id="292" r:id="rId42"/>
+    <p:sldId id="293" r:id="rId43"/>
+    <p:sldId id="297" r:id="rId44"/>
+    <p:sldId id="298" r:id="rId45"/>
+    <p:sldId id="299" r:id="rId46"/>
+    <p:sldId id="302" r:id="rId47"/>
+    <p:sldId id="301" r:id="rId48"/>
   </p:sldIdLst>
   <p:sldSz cx="12192000" cy="6858000"/>
   <p:notesSz cx="6858000" cy="9144000"/>
@@ -4633,7 +4637,7 @@
           <a:p>
             <a:r>
               <a:rPr lang="en-US" b="1" dirty="0"/>
-              <a:t>2.5 Combined Data Set</a:t>
+              <a:t>2.5 Combined Data Set (All 4 Combined)</a:t>
             </a:r>
           </a:p>
         </p:txBody>
@@ -4687,6 +4691,496 @@
 </file>
 
 <file path=ppt/slides/slide18.xml><?xml version="1.0" encoding="utf-8"?>
+<p:sld xmlns:a="http://schemas.openxmlformats.org/drawingml/2006/main" xmlns:r="http://schemas.openxmlformats.org/officeDocument/2006/relationships" xmlns:p="http://schemas.openxmlformats.org/presentationml/2006/main">
+  <p:cSld>
+    <p:spTree>
+      <p:nvGrpSpPr>
+        <p:cNvPr id="1" name="">
+          <a:extLst>
+            <a:ext uri="{FF2B5EF4-FFF2-40B4-BE49-F238E27FC236}">
+              <a16:creationId xmlns:a16="http://schemas.microsoft.com/office/drawing/2014/main" id="{7E030A9C-9374-0A94-F088-241AD4DACE86}"/>
+            </a:ext>
+          </a:extLst>
+        </p:cNvPr>
+        <p:cNvGrpSpPr/>
+        <p:nvPr/>
+      </p:nvGrpSpPr>
+      <p:grpSpPr>
+        <a:xfrm>
+          <a:off x="0" y="0"/>
+          <a:ext cx="0" cy="0"/>
+          <a:chOff x="0" y="0"/>
+          <a:chExt cx="0" cy="0"/>
+        </a:xfrm>
+      </p:grpSpPr>
+      <p:sp>
+        <p:nvSpPr>
+          <p:cNvPr id="2" name="Title 1">
+            <a:extLst>
+              <a:ext uri="{FF2B5EF4-FFF2-40B4-BE49-F238E27FC236}">
+                <a16:creationId xmlns:a16="http://schemas.microsoft.com/office/drawing/2014/main" id="{81706B5A-95C6-467E-4EB6-99CCF0C1B40B}"/>
+              </a:ext>
+            </a:extLst>
+          </p:cNvPr>
+          <p:cNvSpPr>
+            <a:spLocks noGrp="1"/>
+          </p:cNvSpPr>
+          <p:nvPr>
+            <p:ph type="title"/>
+          </p:nvPr>
+        </p:nvSpPr>
+        <p:spPr/>
+        <p:txBody>
+          <a:bodyPr/>
+          <a:lstStyle/>
+          <a:p>
+            <a:r>
+              <a:rPr lang="en-US" b="1" dirty="0"/>
+              <a:t>2.5 Combined Data Set (All 4 Combined)</a:t>
+            </a:r>
+          </a:p>
+        </p:txBody>
+      </p:sp>
+      <p:pic>
+        <p:nvPicPr>
+          <p:cNvPr id="5" name="Content Placeholder 4">
+            <a:extLst>
+              <a:ext uri="{FF2B5EF4-FFF2-40B4-BE49-F238E27FC236}">
+                <a16:creationId xmlns:a16="http://schemas.microsoft.com/office/drawing/2014/main" id="{6EC82738-47CB-ACA7-24B9-497BEB2525AC}"/>
+              </a:ext>
+            </a:extLst>
+          </p:cNvPr>
+          <p:cNvPicPr>
+            <a:picLocks noGrp="1" noChangeAspect="1"/>
+          </p:cNvPicPr>
+          <p:nvPr>
+            <p:ph idx="1"/>
+          </p:nvPr>
+        </p:nvPicPr>
+        <p:blipFill>
+          <a:blip r:embed="rId2">
+            <a:extLst>
+              <a:ext uri="{28A0092B-C50C-407E-A947-70E740481C1C}">
+                <a14:useLocalDpi xmlns:a14="http://schemas.microsoft.com/office/drawing/2010/main" val="0"/>
+              </a:ext>
+            </a:extLst>
+          </a:blip>
+          <a:stretch>
+            <a:fillRect/>
+          </a:stretch>
+        </p:blipFill>
+        <p:spPr>
+          <a:xfrm>
+            <a:off x="1195387" y="1858169"/>
+            <a:ext cx="9801225" cy="4286250"/>
+          </a:xfrm>
+        </p:spPr>
+      </p:pic>
+    </p:spTree>
+    <p:extLst>
+      <p:ext uri="{BB962C8B-B14F-4D97-AF65-F5344CB8AC3E}">
+        <p14:creationId xmlns:p14="http://schemas.microsoft.com/office/powerpoint/2010/main" val="2912128307"/>
+      </p:ext>
+    </p:extLst>
+  </p:cSld>
+  <p:clrMapOvr>
+    <a:masterClrMapping/>
+  </p:clrMapOvr>
+</p:sld>
+</file>
+
+<file path=ppt/slides/slide19.xml><?xml version="1.0" encoding="utf-8"?>
+<p:sld xmlns:a="http://schemas.openxmlformats.org/drawingml/2006/main" xmlns:r="http://schemas.openxmlformats.org/officeDocument/2006/relationships" xmlns:p="http://schemas.openxmlformats.org/presentationml/2006/main">
+  <p:cSld>
+    <p:spTree>
+      <p:nvGrpSpPr>
+        <p:cNvPr id="1" name="">
+          <a:extLst>
+            <a:ext uri="{FF2B5EF4-FFF2-40B4-BE49-F238E27FC236}">
+              <a16:creationId xmlns:a16="http://schemas.microsoft.com/office/drawing/2014/main" id="{F893FE4D-06C0-966C-5C9D-B725FC6D2136}"/>
+            </a:ext>
+          </a:extLst>
+        </p:cNvPr>
+        <p:cNvGrpSpPr/>
+        <p:nvPr/>
+      </p:nvGrpSpPr>
+      <p:grpSpPr>
+        <a:xfrm>
+          <a:off x="0" y="0"/>
+          <a:ext cx="0" cy="0"/>
+          <a:chOff x="0" y="0"/>
+          <a:chExt cx="0" cy="0"/>
+        </a:xfrm>
+      </p:grpSpPr>
+      <p:sp>
+        <p:nvSpPr>
+          <p:cNvPr id="2" name="Title 1">
+            <a:extLst>
+              <a:ext uri="{FF2B5EF4-FFF2-40B4-BE49-F238E27FC236}">
+                <a16:creationId xmlns:a16="http://schemas.microsoft.com/office/drawing/2014/main" id="{94009FA9-03D9-1BD0-B871-C055934CD70F}"/>
+              </a:ext>
+            </a:extLst>
+          </p:cNvPr>
+          <p:cNvSpPr>
+            <a:spLocks noGrp="1"/>
+          </p:cNvSpPr>
+          <p:nvPr>
+            <p:ph type="title"/>
+          </p:nvPr>
+        </p:nvSpPr>
+        <p:spPr/>
+        <p:txBody>
+          <a:bodyPr/>
+          <a:lstStyle/>
+          <a:p>
+            <a:r>
+              <a:rPr lang="en-US" b="1" dirty="0"/>
+              <a:t>2.5 Combined Data Set (Rav &amp; Tess)</a:t>
+            </a:r>
+          </a:p>
+        </p:txBody>
+      </p:sp>
+      <p:pic>
+        <p:nvPicPr>
+          <p:cNvPr id="5" name="Content Placeholder 4">
+            <a:extLst>
+              <a:ext uri="{FF2B5EF4-FFF2-40B4-BE49-F238E27FC236}">
+                <a16:creationId xmlns:a16="http://schemas.microsoft.com/office/drawing/2014/main" id="{AA2542D9-869B-F354-CD5D-A9B79B4E4F6E}"/>
+              </a:ext>
+            </a:extLst>
+          </p:cNvPr>
+          <p:cNvPicPr>
+            <a:picLocks noGrp="1" noChangeAspect="1"/>
+          </p:cNvPicPr>
+          <p:nvPr>
+            <p:ph idx="1"/>
+          </p:nvPr>
+        </p:nvPicPr>
+        <p:blipFill>
+          <a:blip r:embed="rId2">
+            <a:extLst>
+              <a:ext uri="{28A0092B-C50C-407E-A947-70E740481C1C}">
+                <a14:useLocalDpi xmlns:a14="http://schemas.microsoft.com/office/drawing/2010/main" val="0"/>
+              </a:ext>
+            </a:extLst>
+          </a:blip>
+          <a:stretch>
+            <a:fillRect/>
+          </a:stretch>
+        </p:blipFill>
+        <p:spPr>
+          <a:xfrm>
+            <a:off x="1195387" y="1858169"/>
+            <a:ext cx="9801225" cy="4286250"/>
+          </a:xfrm>
+        </p:spPr>
+      </p:pic>
+    </p:spTree>
+    <p:extLst>
+      <p:ext uri="{BB962C8B-B14F-4D97-AF65-F5344CB8AC3E}">
+        <p14:creationId xmlns:p14="http://schemas.microsoft.com/office/powerpoint/2010/main" val="3203176053"/>
+      </p:ext>
+    </p:extLst>
+  </p:cSld>
+  <p:clrMapOvr>
+    <a:masterClrMapping/>
+  </p:clrMapOvr>
+</p:sld>
+</file>
+
+<file path=ppt/slides/slide2.xml><?xml version="1.0" encoding="utf-8"?>
+<p:sld xmlns:a="http://schemas.openxmlformats.org/drawingml/2006/main" xmlns:r="http://schemas.openxmlformats.org/officeDocument/2006/relationships" xmlns:p="http://schemas.openxmlformats.org/presentationml/2006/main">
+  <p:cSld>
+    <p:spTree>
+      <p:nvGrpSpPr>
+        <p:cNvPr id="1" name=""/>
+        <p:cNvGrpSpPr/>
+        <p:nvPr/>
+      </p:nvGrpSpPr>
+      <p:grpSpPr>
+        <a:xfrm>
+          <a:off x="0" y="0"/>
+          <a:ext cx="0" cy="0"/>
+          <a:chOff x="0" y="0"/>
+          <a:chExt cx="0" cy="0"/>
+        </a:xfrm>
+      </p:grpSpPr>
+      <p:sp>
+        <p:nvSpPr>
+          <p:cNvPr id="2" name="Title 1">
+            <a:extLst>
+              <a:ext uri="{FF2B5EF4-FFF2-40B4-BE49-F238E27FC236}">
+                <a16:creationId xmlns:a16="http://schemas.microsoft.com/office/drawing/2014/main" id="{FDDB6521-10E9-F8B0-467F-74636F2B96AD}"/>
+              </a:ext>
+            </a:extLst>
+          </p:cNvPr>
+          <p:cNvSpPr>
+            <a:spLocks noGrp="1"/>
+          </p:cNvSpPr>
+          <p:nvPr>
+            <p:ph type="title"/>
+          </p:nvPr>
+        </p:nvSpPr>
+        <p:spPr/>
+        <p:txBody>
+          <a:bodyPr/>
+          <a:lstStyle/>
+          <a:p>
+            <a:r>
+              <a:rPr lang="en-US" b="1" dirty="0"/>
+              <a:t>Overview</a:t>
+            </a:r>
+          </a:p>
+        </p:txBody>
+      </p:sp>
+      <p:sp>
+        <p:nvSpPr>
+          <p:cNvPr id="3" name="Text Placeholder 2">
+            <a:extLst>
+              <a:ext uri="{FF2B5EF4-FFF2-40B4-BE49-F238E27FC236}">
+                <a16:creationId xmlns:a16="http://schemas.microsoft.com/office/drawing/2014/main" id="{03E55A29-85C4-A594-B891-E2521F4E946B}"/>
+              </a:ext>
+            </a:extLst>
+          </p:cNvPr>
+          <p:cNvSpPr>
+            <a:spLocks noGrp="1"/>
+          </p:cNvSpPr>
+          <p:nvPr>
+            <p:ph type="body" idx="1"/>
+          </p:nvPr>
+        </p:nvSpPr>
+        <p:spPr/>
+        <p:txBody>
+          <a:bodyPr/>
+          <a:lstStyle/>
+          <a:p>
+            <a:r>
+              <a:rPr lang="en-US" dirty="0"/>
+              <a:t>A brief description about the project</a:t>
+            </a:r>
+          </a:p>
+        </p:txBody>
+      </p:sp>
+    </p:spTree>
+    <p:extLst>
+      <p:ext uri="{BB962C8B-B14F-4D97-AF65-F5344CB8AC3E}">
+        <p14:creationId xmlns:p14="http://schemas.microsoft.com/office/powerpoint/2010/main" val="3598263122"/>
+      </p:ext>
+    </p:extLst>
+  </p:cSld>
+  <p:clrMapOvr>
+    <a:masterClrMapping/>
+  </p:clrMapOvr>
+</p:sld>
+</file>
+
+<file path=ppt/slides/slide20.xml><?xml version="1.0" encoding="utf-8"?>
+<p:sld xmlns:a="http://schemas.openxmlformats.org/drawingml/2006/main" xmlns:r="http://schemas.openxmlformats.org/officeDocument/2006/relationships" xmlns:p="http://schemas.openxmlformats.org/presentationml/2006/main">
+  <p:cSld>
+    <p:spTree>
+      <p:nvGrpSpPr>
+        <p:cNvPr id="1" name="">
+          <a:extLst>
+            <a:ext uri="{FF2B5EF4-FFF2-40B4-BE49-F238E27FC236}">
+              <a16:creationId xmlns:a16="http://schemas.microsoft.com/office/drawing/2014/main" id="{8B61FAE1-317B-7881-CC65-7E7CC780F0DF}"/>
+            </a:ext>
+          </a:extLst>
+        </p:cNvPr>
+        <p:cNvGrpSpPr/>
+        <p:nvPr/>
+      </p:nvGrpSpPr>
+      <p:grpSpPr>
+        <a:xfrm>
+          <a:off x="0" y="0"/>
+          <a:ext cx="0" cy="0"/>
+          <a:chOff x="0" y="0"/>
+          <a:chExt cx="0" cy="0"/>
+        </a:xfrm>
+      </p:grpSpPr>
+      <p:sp>
+        <p:nvSpPr>
+          <p:cNvPr id="2" name="Title 1">
+            <a:extLst>
+              <a:ext uri="{FF2B5EF4-FFF2-40B4-BE49-F238E27FC236}">
+                <a16:creationId xmlns:a16="http://schemas.microsoft.com/office/drawing/2014/main" id="{DAAEE358-B3C9-208E-90D0-EF05B1936FFD}"/>
+              </a:ext>
+            </a:extLst>
+          </p:cNvPr>
+          <p:cNvSpPr>
+            <a:spLocks noGrp="1"/>
+          </p:cNvSpPr>
+          <p:nvPr>
+            <p:ph type="title"/>
+          </p:nvPr>
+        </p:nvSpPr>
+        <p:spPr/>
+        <p:txBody>
+          <a:bodyPr/>
+          <a:lstStyle/>
+          <a:p>
+            <a:r>
+              <a:rPr lang="en-US" b="1" dirty="0"/>
+              <a:t>2.6 Combined Data Set (Rav &amp; Tess)</a:t>
+            </a:r>
+          </a:p>
+        </p:txBody>
+      </p:sp>
+      <p:pic>
+        <p:nvPicPr>
+          <p:cNvPr id="7" name="Content Placeholder 6">
+            <a:extLst>
+              <a:ext uri="{FF2B5EF4-FFF2-40B4-BE49-F238E27FC236}">
+                <a16:creationId xmlns:a16="http://schemas.microsoft.com/office/drawing/2014/main" id="{4D2CFE5F-728B-9E82-2729-F7395E6DC16E}"/>
+              </a:ext>
+            </a:extLst>
+          </p:cNvPr>
+          <p:cNvPicPr>
+            <a:picLocks noGrp="1" noChangeAspect="1"/>
+          </p:cNvPicPr>
+          <p:nvPr>
+            <p:ph idx="1"/>
+          </p:nvPr>
+        </p:nvPicPr>
+        <p:blipFill>
+          <a:blip r:embed="rId2">
+            <a:extLst>
+              <a:ext uri="{28A0092B-C50C-407E-A947-70E740481C1C}">
+                <a14:useLocalDpi xmlns:a14="http://schemas.microsoft.com/office/drawing/2010/main" val="0"/>
+              </a:ext>
+            </a:extLst>
+          </a:blip>
+          <a:stretch>
+            <a:fillRect/>
+          </a:stretch>
+        </p:blipFill>
+        <p:spPr>
+          <a:xfrm>
+            <a:off x="1195387" y="1858169"/>
+            <a:ext cx="9801225" cy="4286250"/>
+          </a:xfrm>
+        </p:spPr>
+      </p:pic>
+    </p:spTree>
+    <p:extLst>
+      <p:ext uri="{BB962C8B-B14F-4D97-AF65-F5344CB8AC3E}">
+        <p14:creationId xmlns:p14="http://schemas.microsoft.com/office/powerpoint/2010/main" val="353237570"/>
+      </p:ext>
+    </p:extLst>
+  </p:cSld>
+  <p:clrMapOvr>
+    <a:masterClrMapping/>
+  </p:clrMapOvr>
+</p:sld>
+</file>
+
+<file path=ppt/slides/slide21.xml><?xml version="1.0" encoding="utf-8"?>
+<p:sld xmlns:a="http://schemas.openxmlformats.org/drawingml/2006/main" xmlns:r="http://schemas.openxmlformats.org/officeDocument/2006/relationships" xmlns:p="http://schemas.openxmlformats.org/presentationml/2006/main">
+  <p:cSld>
+    <p:spTree>
+      <p:nvGrpSpPr>
+        <p:cNvPr id="1" name="">
+          <a:extLst>
+            <a:ext uri="{FF2B5EF4-FFF2-40B4-BE49-F238E27FC236}">
+              <a16:creationId xmlns:a16="http://schemas.microsoft.com/office/drawing/2014/main" id="{2C5C4371-B06B-42A9-0B6B-9601A0B0FC85}"/>
+            </a:ext>
+          </a:extLst>
+        </p:cNvPr>
+        <p:cNvGrpSpPr/>
+        <p:nvPr/>
+      </p:nvGrpSpPr>
+      <p:grpSpPr>
+        <a:xfrm>
+          <a:off x="0" y="0"/>
+          <a:ext cx="0" cy="0"/>
+          <a:chOff x="0" y="0"/>
+          <a:chExt cx="0" cy="0"/>
+        </a:xfrm>
+      </p:grpSpPr>
+      <p:sp>
+        <p:nvSpPr>
+          <p:cNvPr id="2" name="Title 1">
+            <a:extLst>
+              <a:ext uri="{FF2B5EF4-FFF2-40B4-BE49-F238E27FC236}">
+                <a16:creationId xmlns:a16="http://schemas.microsoft.com/office/drawing/2014/main" id="{88EB4EAB-A586-BCD5-CE3D-33FD5C308182}"/>
+              </a:ext>
+            </a:extLst>
+          </p:cNvPr>
+          <p:cNvSpPr>
+            <a:spLocks noGrp="1"/>
+          </p:cNvSpPr>
+          <p:nvPr>
+            <p:ph type="title"/>
+          </p:nvPr>
+        </p:nvSpPr>
+        <p:spPr/>
+        <p:txBody>
+          <a:bodyPr/>
+          <a:lstStyle/>
+          <a:p>
+            <a:r>
+              <a:rPr lang="en-US" b="1" dirty="0"/>
+              <a:t>2.7 Combined Data Set (Crema &amp; </a:t>
+            </a:r>
+            <a:r>
+              <a:rPr lang="en-US" b="1" dirty="0" err="1"/>
+              <a:t>Savee</a:t>
+            </a:r>
+            <a:r>
+              <a:rPr lang="en-US" b="1" dirty="0"/>
+              <a:t>)</a:t>
+            </a:r>
+          </a:p>
+        </p:txBody>
+      </p:sp>
+      <p:pic>
+        <p:nvPicPr>
+          <p:cNvPr id="6" name="Content Placeholder 5">
+            <a:extLst>
+              <a:ext uri="{FF2B5EF4-FFF2-40B4-BE49-F238E27FC236}">
+                <a16:creationId xmlns:a16="http://schemas.microsoft.com/office/drawing/2014/main" id="{104A7ED7-EE28-28C1-5025-B07F18895662}"/>
+              </a:ext>
+            </a:extLst>
+          </p:cNvPr>
+          <p:cNvPicPr>
+            <a:picLocks noGrp="1" noChangeAspect="1"/>
+          </p:cNvPicPr>
+          <p:nvPr>
+            <p:ph idx="1"/>
+          </p:nvPr>
+        </p:nvPicPr>
+        <p:blipFill>
+          <a:blip r:embed="rId2">
+            <a:extLst>
+              <a:ext uri="{28A0092B-C50C-407E-A947-70E740481C1C}">
+                <a14:useLocalDpi xmlns:a14="http://schemas.microsoft.com/office/drawing/2010/main" val="0"/>
+              </a:ext>
+            </a:extLst>
+          </a:blip>
+          <a:stretch>
+            <a:fillRect/>
+          </a:stretch>
+        </p:blipFill>
+        <p:spPr>
+          <a:xfrm>
+            <a:off x="1195387" y="1858169"/>
+            <a:ext cx="9801225" cy="4286250"/>
+          </a:xfrm>
+        </p:spPr>
+      </p:pic>
+    </p:spTree>
+    <p:extLst>
+      <p:ext uri="{BB962C8B-B14F-4D97-AF65-F5344CB8AC3E}">
+        <p14:creationId xmlns:p14="http://schemas.microsoft.com/office/powerpoint/2010/main" val="2253450723"/>
+      </p:ext>
+    </p:extLst>
+  </p:cSld>
+  <p:clrMapOvr>
+    <a:masterClrMapping/>
+  </p:clrMapOvr>
+</p:sld>
+</file>
+
+<file path=ppt/slides/slide22.xml><?xml version="1.0" encoding="utf-8"?>
 <p:sld xmlns:a="http://schemas.openxmlformats.org/drawingml/2006/main" xmlns:r="http://schemas.openxmlformats.org/officeDocument/2006/relationships" xmlns:p="http://schemas.openxmlformats.org/presentationml/2006/main">
   <p:cSld>
     <p:spTree>
@@ -5169,7 +5663,7 @@
 </p:sld>
 </file>
 
-<file path=ppt/slides/slide19.xml><?xml version="1.0" encoding="utf-8"?>
+<file path=ppt/slides/slide23.xml><?xml version="1.0" encoding="utf-8"?>
 <p:sld xmlns:a="http://schemas.openxmlformats.org/drawingml/2006/main" xmlns:r="http://schemas.openxmlformats.org/officeDocument/2006/relationships" xmlns:p="http://schemas.openxmlformats.org/presentationml/2006/main">
   <p:cSld>
     <p:spTree>
@@ -5252,93 +5746,7 @@
 </p:sld>
 </file>
 
-<file path=ppt/slides/slide2.xml><?xml version="1.0" encoding="utf-8"?>
-<p:sld xmlns:a="http://schemas.openxmlformats.org/drawingml/2006/main" xmlns:r="http://schemas.openxmlformats.org/officeDocument/2006/relationships" xmlns:p="http://schemas.openxmlformats.org/presentationml/2006/main">
-  <p:cSld>
-    <p:spTree>
-      <p:nvGrpSpPr>
-        <p:cNvPr id="1" name=""/>
-        <p:cNvGrpSpPr/>
-        <p:nvPr/>
-      </p:nvGrpSpPr>
-      <p:grpSpPr>
-        <a:xfrm>
-          <a:off x="0" y="0"/>
-          <a:ext cx="0" cy="0"/>
-          <a:chOff x="0" y="0"/>
-          <a:chExt cx="0" cy="0"/>
-        </a:xfrm>
-      </p:grpSpPr>
-      <p:sp>
-        <p:nvSpPr>
-          <p:cNvPr id="2" name="Title 1">
-            <a:extLst>
-              <a:ext uri="{FF2B5EF4-FFF2-40B4-BE49-F238E27FC236}">
-                <a16:creationId xmlns:a16="http://schemas.microsoft.com/office/drawing/2014/main" id="{FDDB6521-10E9-F8B0-467F-74636F2B96AD}"/>
-              </a:ext>
-            </a:extLst>
-          </p:cNvPr>
-          <p:cNvSpPr>
-            <a:spLocks noGrp="1"/>
-          </p:cNvSpPr>
-          <p:nvPr>
-            <p:ph type="title"/>
-          </p:nvPr>
-        </p:nvSpPr>
-        <p:spPr/>
-        <p:txBody>
-          <a:bodyPr/>
-          <a:lstStyle/>
-          <a:p>
-            <a:r>
-              <a:rPr lang="en-US" b="1" dirty="0"/>
-              <a:t>Overview</a:t>
-            </a:r>
-          </a:p>
-        </p:txBody>
-      </p:sp>
-      <p:sp>
-        <p:nvSpPr>
-          <p:cNvPr id="3" name="Text Placeholder 2">
-            <a:extLst>
-              <a:ext uri="{FF2B5EF4-FFF2-40B4-BE49-F238E27FC236}">
-                <a16:creationId xmlns:a16="http://schemas.microsoft.com/office/drawing/2014/main" id="{03E55A29-85C4-A594-B891-E2521F4E946B}"/>
-              </a:ext>
-            </a:extLst>
-          </p:cNvPr>
-          <p:cNvSpPr>
-            <a:spLocks noGrp="1"/>
-          </p:cNvSpPr>
-          <p:nvPr>
-            <p:ph type="body" idx="1"/>
-          </p:nvPr>
-        </p:nvSpPr>
-        <p:spPr/>
-        <p:txBody>
-          <a:bodyPr/>
-          <a:lstStyle/>
-          <a:p>
-            <a:r>
-              <a:rPr lang="en-US" dirty="0"/>
-              <a:t>A brief description about the project</a:t>
-            </a:r>
-          </a:p>
-        </p:txBody>
-      </p:sp>
-    </p:spTree>
-    <p:extLst>
-      <p:ext uri="{BB962C8B-B14F-4D97-AF65-F5344CB8AC3E}">
-        <p14:creationId xmlns:p14="http://schemas.microsoft.com/office/powerpoint/2010/main" val="3598263122"/>
-      </p:ext>
-    </p:extLst>
-  </p:cSld>
-  <p:clrMapOvr>
-    <a:masterClrMapping/>
-  </p:clrMapOvr>
-</p:sld>
-</file>
-
-<file path=ppt/slides/slide20.xml><?xml version="1.0" encoding="utf-8"?>
+<file path=ppt/slides/slide24.xml><?xml version="1.0" encoding="utf-8"?>
 <p:sld xmlns:a="http://schemas.openxmlformats.org/drawingml/2006/main" xmlns:r="http://schemas.openxmlformats.org/officeDocument/2006/relationships" xmlns:p="http://schemas.openxmlformats.org/presentationml/2006/main">
   <p:cSld>
     <p:spTree>
@@ -5719,7 +6127,7 @@
 </p:sld>
 </file>
 
-<file path=ppt/slides/slide21.xml><?xml version="1.0" encoding="utf-8"?>
+<file path=ppt/slides/slide25.xml><?xml version="1.0" encoding="utf-8"?>
 <p:sld xmlns:a="http://schemas.openxmlformats.org/drawingml/2006/main" xmlns:r="http://schemas.openxmlformats.org/officeDocument/2006/relationships" xmlns:p="http://schemas.openxmlformats.org/presentationml/2006/main">
   <p:cSld>
     <p:spTree>
@@ -6312,7 +6720,7 @@
 </p:sld>
 </file>
 
-<file path=ppt/slides/slide22.xml><?xml version="1.0" encoding="utf-8"?>
+<file path=ppt/slides/slide26.xml><?xml version="1.0" encoding="utf-8"?>
 <p:sld xmlns:a="http://schemas.openxmlformats.org/drawingml/2006/main" xmlns:r="http://schemas.openxmlformats.org/officeDocument/2006/relationships" xmlns:p="http://schemas.openxmlformats.org/presentationml/2006/main">
   <p:cSld>
     <p:spTree>
@@ -6919,7 +7327,7 @@
 </p:sld>
 </file>
 
-<file path=ppt/slides/slide23.xml><?xml version="1.0" encoding="utf-8"?>
+<file path=ppt/slides/slide27.xml><?xml version="1.0" encoding="utf-8"?>
 <p:sld xmlns:a="http://schemas.openxmlformats.org/drawingml/2006/main" xmlns:r="http://schemas.openxmlformats.org/officeDocument/2006/relationships" xmlns:p="http://schemas.openxmlformats.org/presentationml/2006/main">
   <p:cSld>
     <p:spTree>
@@ -7002,7 +7410,7 @@
 </p:sld>
 </file>
 
-<file path=ppt/slides/slide24.xml><?xml version="1.0" encoding="utf-8"?>
+<file path=ppt/slides/slide28.xml><?xml version="1.0" encoding="utf-8"?>
 <p:sld xmlns:a="http://schemas.openxmlformats.org/drawingml/2006/main" xmlns:r="http://schemas.openxmlformats.org/officeDocument/2006/relationships" xmlns:p="http://schemas.openxmlformats.org/presentationml/2006/main">
   <p:cSld>
     <p:spTree>
@@ -7126,7 +7534,7 @@
 </p:sld>
 </file>
 
-<file path=ppt/slides/slide25.xml><?xml version="1.0" encoding="utf-8"?>
+<file path=ppt/slides/slide29.xml><?xml version="1.0" encoding="utf-8"?>
 <p:sld xmlns:a="http://schemas.openxmlformats.org/drawingml/2006/main" xmlns:r="http://schemas.openxmlformats.org/officeDocument/2006/relationships" xmlns:p="http://schemas.openxmlformats.org/presentationml/2006/main">
   <p:cSld>
     <p:spTree>
@@ -7261,1168 +7669,6 @@
   <p:clrMapOvr>
     <a:masterClrMapping/>
   </p:clrMapOvr>
-</p:sld>
-</file>
-
-<file path=ppt/slides/slide26.xml><?xml version="1.0" encoding="utf-8"?>
-<p:sld xmlns:a="http://schemas.openxmlformats.org/drawingml/2006/main" xmlns:r="http://schemas.openxmlformats.org/officeDocument/2006/relationships" xmlns:p="http://schemas.openxmlformats.org/presentationml/2006/main">
-  <p:cSld>
-    <p:spTree>
-      <p:nvGrpSpPr>
-        <p:cNvPr id="1" name=""/>
-        <p:cNvGrpSpPr/>
-        <p:nvPr/>
-      </p:nvGrpSpPr>
-      <p:grpSpPr>
-        <a:xfrm>
-          <a:off x="0" y="0"/>
-          <a:ext cx="0" cy="0"/>
-          <a:chOff x="0" y="0"/>
-          <a:chExt cx="0" cy="0"/>
-        </a:xfrm>
-      </p:grpSpPr>
-      <p:sp>
-        <p:nvSpPr>
-          <p:cNvPr id="2" name="Title 1">
-            <a:extLst>
-              <a:ext uri="{FF2B5EF4-FFF2-40B4-BE49-F238E27FC236}">
-                <a16:creationId xmlns:a16="http://schemas.microsoft.com/office/drawing/2014/main" id="{B3C0FCAE-2444-9683-C751-083DE33AB04C}"/>
-              </a:ext>
-            </a:extLst>
-          </p:cNvPr>
-          <p:cNvSpPr>
-            <a:spLocks noGrp="1"/>
-          </p:cNvSpPr>
-          <p:nvPr>
-            <p:ph type="title"/>
-          </p:nvPr>
-        </p:nvSpPr>
-        <p:spPr/>
-        <p:txBody>
-          <a:bodyPr/>
-          <a:lstStyle/>
-          <a:p>
-            <a:r>
-              <a:rPr lang="en-US" b="1" dirty="0"/>
-              <a:t>4.2 Frequency Domain Feature</a:t>
-            </a:r>
-          </a:p>
-        </p:txBody>
-      </p:sp>
-      <p:pic>
-        <p:nvPicPr>
-          <p:cNvPr id="9218" name="Picture 2" descr="Mel Spectrogram 3) Chroma STFT The Chroma value of an audio basically... |  Download Scientific Diagram">
-            <a:extLst>
-              <a:ext uri="{FF2B5EF4-FFF2-40B4-BE49-F238E27FC236}">
-                <a16:creationId xmlns:a16="http://schemas.microsoft.com/office/drawing/2014/main" id="{B554A0F9-F7BC-78F1-317D-3FC0C357CC72}"/>
-              </a:ext>
-            </a:extLst>
-          </p:cNvPr>
-          <p:cNvPicPr>
-            <a:picLocks noGrp="1" noChangeAspect="1" noChangeArrowheads="1"/>
-          </p:cNvPicPr>
-          <p:nvPr>
-            <p:ph idx="1"/>
-          </p:nvPr>
-        </p:nvPicPr>
-        <p:blipFill>
-          <a:blip r:embed="rId2">
-            <a:extLst>
-              <a:ext uri="{28A0092B-C50C-407E-A947-70E740481C1C}">
-                <a14:useLocalDpi xmlns:a14="http://schemas.microsoft.com/office/drawing/2010/main" val="0"/>
-              </a:ext>
-            </a:extLst>
-          </a:blip>
-          <a:srcRect/>
-          <a:stretch>
-            <a:fillRect/>
-          </a:stretch>
-        </p:blipFill>
-        <p:spPr bwMode="auto">
-          <a:xfrm>
-            <a:off x="2245006" y="2532084"/>
-            <a:ext cx="7280958" cy="3396926"/>
-          </a:xfrm>
-          <a:prstGeom prst="rect">
-            <a:avLst/>
-          </a:prstGeom>
-          <a:noFill/>
-          <a:extLst>
-            <a:ext uri="{909E8E84-426E-40DD-AFC4-6F175D3DCCD1}">
-              <a14:hiddenFill xmlns:a14="http://schemas.microsoft.com/office/drawing/2010/main">
-                <a:solidFill>
-                  <a:srgbClr val="FFFFFF"/>
-                </a:solidFill>
-              </a14:hiddenFill>
-            </a:ext>
-          </a:extLst>
-        </p:spPr>
-      </p:pic>
-      <p:sp>
-        <p:nvSpPr>
-          <p:cNvPr id="4" name="Content Placeholder 2">
-            <a:extLst>
-              <a:ext uri="{FF2B5EF4-FFF2-40B4-BE49-F238E27FC236}">
-                <a16:creationId xmlns:a16="http://schemas.microsoft.com/office/drawing/2014/main" id="{2EF938E9-FC57-DBDA-E00B-BDC9CE116F9D}"/>
-              </a:ext>
-            </a:extLst>
-          </p:cNvPr>
-          <p:cNvSpPr txBox="1">
-            <a:spLocks/>
-          </p:cNvSpPr>
-          <p:nvPr/>
-        </p:nvSpPr>
-        <p:spPr>
-          <a:xfrm>
-            <a:off x="838200" y="1825626"/>
-            <a:ext cx="10515600" cy="801828"/>
-          </a:xfrm>
-          <a:prstGeom prst="rect">
-            <a:avLst/>
-          </a:prstGeom>
-        </p:spPr>
-        <p:txBody>
-          <a:bodyPr vert="horz" lIns="91440" tIns="45720" rIns="91440" bIns="45720" rtlCol="0">
-            <a:normAutofit/>
-          </a:bodyPr>
-          <a:lstStyle>
-            <a:lvl1pPr marL="228600" indent="-228600" algn="l" defTabSz="914400" rtl="0" eaLnBrk="1" latinLnBrk="0" hangingPunct="1">
-              <a:lnSpc>
-                <a:spcPct val="90000"/>
-              </a:lnSpc>
-              <a:spcBef>
-                <a:spcPts val="1000"/>
-              </a:spcBef>
-              <a:buFont typeface="Arial" panose="020B0604020202020204" pitchFamily="34" charset="0"/>
-              <a:buChar char="•"/>
-              <a:defRPr sz="2800" kern="1200">
-                <a:solidFill>
-                  <a:schemeClr val="tx1"/>
-                </a:solidFill>
-                <a:latin typeface="+mn-lt"/>
-                <a:ea typeface="+mn-ea"/>
-                <a:cs typeface="+mn-cs"/>
-              </a:defRPr>
-            </a:lvl1pPr>
-            <a:lvl2pPr marL="685800" indent="-228600" algn="l" defTabSz="914400" rtl="0" eaLnBrk="1" latinLnBrk="0" hangingPunct="1">
-              <a:lnSpc>
-                <a:spcPct val="90000"/>
-              </a:lnSpc>
-              <a:spcBef>
-                <a:spcPts val="500"/>
-              </a:spcBef>
-              <a:buFont typeface="Arial" panose="020B0604020202020204" pitchFamily="34" charset="0"/>
-              <a:buChar char="•"/>
-              <a:defRPr sz="2400" kern="1200">
-                <a:solidFill>
-                  <a:schemeClr val="tx1"/>
-                </a:solidFill>
-                <a:latin typeface="+mn-lt"/>
-                <a:ea typeface="+mn-ea"/>
-                <a:cs typeface="+mn-cs"/>
-              </a:defRPr>
-            </a:lvl2pPr>
-            <a:lvl3pPr marL="1143000" indent="-228600" algn="l" defTabSz="914400" rtl="0" eaLnBrk="1" latinLnBrk="0" hangingPunct="1">
-              <a:lnSpc>
-                <a:spcPct val="90000"/>
-              </a:lnSpc>
-              <a:spcBef>
-                <a:spcPts val="500"/>
-              </a:spcBef>
-              <a:buFont typeface="Arial" panose="020B0604020202020204" pitchFamily="34" charset="0"/>
-              <a:buChar char="•"/>
-              <a:defRPr sz="2000" kern="1200">
-                <a:solidFill>
-                  <a:schemeClr val="tx1"/>
-                </a:solidFill>
-                <a:latin typeface="+mn-lt"/>
-                <a:ea typeface="+mn-ea"/>
-                <a:cs typeface="+mn-cs"/>
-              </a:defRPr>
-            </a:lvl3pPr>
-            <a:lvl4pPr marL="1600200" indent="-228600" algn="l" defTabSz="914400" rtl="0" eaLnBrk="1" latinLnBrk="0" hangingPunct="1">
-              <a:lnSpc>
-                <a:spcPct val="90000"/>
-              </a:lnSpc>
-              <a:spcBef>
-                <a:spcPts val="500"/>
-              </a:spcBef>
-              <a:buFont typeface="Arial" panose="020B0604020202020204" pitchFamily="34" charset="0"/>
-              <a:buChar char="•"/>
-              <a:defRPr sz="1800" kern="1200">
-                <a:solidFill>
-                  <a:schemeClr val="tx1"/>
-                </a:solidFill>
-                <a:latin typeface="+mn-lt"/>
-                <a:ea typeface="+mn-ea"/>
-                <a:cs typeface="+mn-cs"/>
-              </a:defRPr>
-            </a:lvl4pPr>
-            <a:lvl5pPr marL="2057400" indent="-228600" algn="l" defTabSz="914400" rtl="0" eaLnBrk="1" latinLnBrk="0" hangingPunct="1">
-              <a:lnSpc>
-                <a:spcPct val="90000"/>
-              </a:lnSpc>
-              <a:spcBef>
-                <a:spcPts val="500"/>
-              </a:spcBef>
-              <a:buFont typeface="Arial" panose="020B0604020202020204" pitchFamily="34" charset="0"/>
-              <a:buChar char="•"/>
-              <a:defRPr sz="1800" kern="1200">
-                <a:solidFill>
-                  <a:schemeClr val="tx1"/>
-                </a:solidFill>
-                <a:latin typeface="+mn-lt"/>
-                <a:ea typeface="+mn-ea"/>
-                <a:cs typeface="+mn-cs"/>
-              </a:defRPr>
-            </a:lvl5pPr>
-            <a:lvl6pPr marL="2514600" indent="-228600" algn="l" defTabSz="914400" rtl="0" eaLnBrk="1" latinLnBrk="0" hangingPunct="1">
-              <a:lnSpc>
-                <a:spcPct val="90000"/>
-              </a:lnSpc>
-              <a:spcBef>
-                <a:spcPts val="500"/>
-              </a:spcBef>
-              <a:buFont typeface="Arial" panose="020B0604020202020204" pitchFamily="34" charset="0"/>
-              <a:buChar char="•"/>
-              <a:defRPr sz="1800" kern="1200">
-                <a:solidFill>
-                  <a:schemeClr val="tx1"/>
-                </a:solidFill>
-                <a:latin typeface="+mn-lt"/>
-                <a:ea typeface="+mn-ea"/>
-                <a:cs typeface="+mn-cs"/>
-              </a:defRPr>
-            </a:lvl6pPr>
-            <a:lvl7pPr marL="2971800" indent="-228600" algn="l" defTabSz="914400" rtl="0" eaLnBrk="1" latinLnBrk="0" hangingPunct="1">
-              <a:lnSpc>
-                <a:spcPct val="90000"/>
-              </a:lnSpc>
-              <a:spcBef>
-                <a:spcPts val="500"/>
-              </a:spcBef>
-              <a:buFont typeface="Arial" panose="020B0604020202020204" pitchFamily="34" charset="0"/>
-              <a:buChar char="•"/>
-              <a:defRPr sz="1800" kern="1200">
-                <a:solidFill>
-                  <a:schemeClr val="tx1"/>
-                </a:solidFill>
-                <a:latin typeface="+mn-lt"/>
-                <a:ea typeface="+mn-ea"/>
-                <a:cs typeface="+mn-cs"/>
-              </a:defRPr>
-            </a:lvl7pPr>
-            <a:lvl8pPr marL="3429000" indent="-228600" algn="l" defTabSz="914400" rtl="0" eaLnBrk="1" latinLnBrk="0" hangingPunct="1">
-              <a:lnSpc>
-                <a:spcPct val="90000"/>
-              </a:lnSpc>
-              <a:spcBef>
-                <a:spcPts val="500"/>
-              </a:spcBef>
-              <a:buFont typeface="Arial" panose="020B0604020202020204" pitchFamily="34" charset="0"/>
-              <a:buChar char="•"/>
-              <a:defRPr sz="1800" kern="1200">
-                <a:solidFill>
-                  <a:schemeClr val="tx1"/>
-                </a:solidFill>
-                <a:latin typeface="+mn-lt"/>
-                <a:ea typeface="+mn-ea"/>
-                <a:cs typeface="+mn-cs"/>
-              </a:defRPr>
-            </a:lvl8pPr>
-            <a:lvl9pPr marL="3886200" indent="-228600" algn="l" defTabSz="914400" rtl="0" eaLnBrk="1" latinLnBrk="0" hangingPunct="1">
-              <a:lnSpc>
-                <a:spcPct val="90000"/>
-              </a:lnSpc>
-              <a:spcBef>
-                <a:spcPts val="500"/>
-              </a:spcBef>
-              <a:buFont typeface="Arial" panose="020B0604020202020204" pitchFamily="34" charset="0"/>
-              <a:buChar char="•"/>
-              <a:defRPr sz="1800" kern="1200">
-                <a:solidFill>
-                  <a:schemeClr val="tx1"/>
-                </a:solidFill>
-                <a:latin typeface="+mn-lt"/>
-                <a:ea typeface="+mn-ea"/>
-                <a:cs typeface="+mn-cs"/>
-              </a:defRPr>
-            </a:lvl9pPr>
-          </a:lstStyle>
-          <a:p>
-            <a:pPr marL="0" indent="0">
-              <a:buFont typeface="Arial" panose="020B0604020202020204" pitchFamily="34" charset="0"/>
-              <a:buNone/>
-            </a:pPr>
-            <a:r>
-              <a:rPr lang="en-US" dirty="0"/>
-              <a:t> </a:t>
-            </a:r>
-            <a:r>
-              <a:rPr lang="en-US" dirty="0" err="1"/>
-              <a:t>Chroma_STFT</a:t>
-            </a:r>
-            <a:endParaRPr lang="en-US" dirty="0"/>
-          </a:p>
-          <a:p>
-            <a:pPr marL="0" indent="0">
-              <a:buFont typeface="Arial" panose="020B0604020202020204" pitchFamily="34" charset="0"/>
-              <a:buNone/>
-            </a:pPr>
-            <a:endParaRPr lang="en-US" dirty="0"/>
-          </a:p>
-        </p:txBody>
-      </p:sp>
-    </p:spTree>
-    <p:extLst>
-      <p:ext uri="{BB962C8B-B14F-4D97-AF65-F5344CB8AC3E}">
-        <p14:creationId xmlns:p14="http://schemas.microsoft.com/office/powerpoint/2010/main" val="2408618301"/>
-      </p:ext>
-    </p:extLst>
-  </p:cSld>
-  <p:clrMapOvr>
-    <a:masterClrMapping/>
-  </p:clrMapOvr>
-</p:sld>
-</file>
-
-<file path=ppt/slides/slide27.xml><?xml version="1.0" encoding="utf-8"?>
-<p:sld xmlns:a="http://schemas.openxmlformats.org/drawingml/2006/main" xmlns:r="http://schemas.openxmlformats.org/officeDocument/2006/relationships" xmlns:p="http://schemas.openxmlformats.org/presentationml/2006/main">
-  <p:cSld>
-    <p:spTree>
-      <p:nvGrpSpPr>
-        <p:cNvPr id="1" name="">
-          <a:extLst>
-            <a:ext uri="{FF2B5EF4-FFF2-40B4-BE49-F238E27FC236}">
-              <a16:creationId xmlns:a16="http://schemas.microsoft.com/office/drawing/2014/main" id="{E4938A2E-195A-0601-42FC-D815679D0261}"/>
-            </a:ext>
-          </a:extLst>
-        </p:cNvPr>
-        <p:cNvGrpSpPr/>
-        <p:nvPr/>
-      </p:nvGrpSpPr>
-      <p:grpSpPr>
-        <a:xfrm>
-          <a:off x="0" y="0"/>
-          <a:ext cx="0" cy="0"/>
-          <a:chOff x="0" y="0"/>
-          <a:chExt cx="0" cy="0"/>
-        </a:xfrm>
-      </p:grpSpPr>
-      <p:sp>
-        <p:nvSpPr>
-          <p:cNvPr id="2" name="Title 1">
-            <a:extLst>
-              <a:ext uri="{FF2B5EF4-FFF2-40B4-BE49-F238E27FC236}">
-                <a16:creationId xmlns:a16="http://schemas.microsoft.com/office/drawing/2014/main" id="{096ED922-B997-0C5E-7CBA-A020579EE940}"/>
-              </a:ext>
-            </a:extLst>
-          </p:cNvPr>
-          <p:cNvSpPr>
-            <a:spLocks noGrp="1"/>
-          </p:cNvSpPr>
-          <p:nvPr>
-            <p:ph type="title"/>
-          </p:nvPr>
-        </p:nvSpPr>
-        <p:spPr/>
-        <p:txBody>
-          <a:bodyPr/>
-          <a:lstStyle/>
-          <a:p>
-            <a:r>
-              <a:rPr lang="en-US" b="1" dirty="0"/>
-              <a:t>4.2 Frequency Domain Feature</a:t>
-            </a:r>
-          </a:p>
-        </p:txBody>
-      </p:sp>
-      <p:sp>
-        <p:nvSpPr>
-          <p:cNvPr id="4" name="Content Placeholder 2">
-            <a:extLst>
-              <a:ext uri="{FF2B5EF4-FFF2-40B4-BE49-F238E27FC236}">
-                <a16:creationId xmlns:a16="http://schemas.microsoft.com/office/drawing/2014/main" id="{7717B436-FB59-64D0-39C8-1C0E93708ED9}"/>
-              </a:ext>
-            </a:extLst>
-          </p:cNvPr>
-          <p:cNvSpPr txBox="1">
-            <a:spLocks/>
-          </p:cNvSpPr>
-          <p:nvPr/>
-        </p:nvSpPr>
-        <p:spPr>
-          <a:xfrm>
-            <a:off x="838200" y="1825626"/>
-            <a:ext cx="10515600" cy="801828"/>
-          </a:xfrm>
-          <a:prstGeom prst="rect">
-            <a:avLst/>
-          </a:prstGeom>
-        </p:spPr>
-        <p:txBody>
-          <a:bodyPr vert="horz" lIns="91440" tIns="45720" rIns="91440" bIns="45720" rtlCol="0">
-            <a:normAutofit/>
-          </a:bodyPr>
-          <a:lstStyle>
-            <a:lvl1pPr marL="228600" indent="-228600" algn="l" defTabSz="914400" rtl="0" eaLnBrk="1" latinLnBrk="0" hangingPunct="1">
-              <a:lnSpc>
-                <a:spcPct val="90000"/>
-              </a:lnSpc>
-              <a:spcBef>
-                <a:spcPts val="1000"/>
-              </a:spcBef>
-              <a:buFont typeface="Arial" panose="020B0604020202020204" pitchFamily="34" charset="0"/>
-              <a:buChar char="•"/>
-              <a:defRPr sz="2800" kern="1200">
-                <a:solidFill>
-                  <a:schemeClr val="tx1"/>
-                </a:solidFill>
-                <a:latin typeface="+mn-lt"/>
-                <a:ea typeface="+mn-ea"/>
-                <a:cs typeface="+mn-cs"/>
-              </a:defRPr>
-            </a:lvl1pPr>
-            <a:lvl2pPr marL="685800" indent="-228600" algn="l" defTabSz="914400" rtl="0" eaLnBrk="1" latinLnBrk="0" hangingPunct="1">
-              <a:lnSpc>
-                <a:spcPct val="90000"/>
-              </a:lnSpc>
-              <a:spcBef>
-                <a:spcPts val="500"/>
-              </a:spcBef>
-              <a:buFont typeface="Arial" panose="020B0604020202020204" pitchFamily="34" charset="0"/>
-              <a:buChar char="•"/>
-              <a:defRPr sz="2400" kern="1200">
-                <a:solidFill>
-                  <a:schemeClr val="tx1"/>
-                </a:solidFill>
-                <a:latin typeface="+mn-lt"/>
-                <a:ea typeface="+mn-ea"/>
-                <a:cs typeface="+mn-cs"/>
-              </a:defRPr>
-            </a:lvl2pPr>
-            <a:lvl3pPr marL="1143000" indent="-228600" algn="l" defTabSz="914400" rtl="0" eaLnBrk="1" latinLnBrk="0" hangingPunct="1">
-              <a:lnSpc>
-                <a:spcPct val="90000"/>
-              </a:lnSpc>
-              <a:spcBef>
-                <a:spcPts val="500"/>
-              </a:spcBef>
-              <a:buFont typeface="Arial" panose="020B0604020202020204" pitchFamily="34" charset="0"/>
-              <a:buChar char="•"/>
-              <a:defRPr sz="2000" kern="1200">
-                <a:solidFill>
-                  <a:schemeClr val="tx1"/>
-                </a:solidFill>
-                <a:latin typeface="+mn-lt"/>
-                <a:ea typeface="+mn-ea"/>
-                <a:cs typeface="+mn-cs"/>
-              </a:defRPr>
-            </a:lvl3pPr>
-            <a:lvl4pPr marL="1600200" indent="-228600" algn="l" defTabSz="914400" rtl="0" eaLnBrk="1" latinLnBrk="0" hangingPunct="1">
-              <a:lnSpc>
-                <a:spcPct val="90000"/>
-              </a:lnSpc>
-              <a:spcBef>
-                <a:spcPts val="500"/>
-              </a:spcBef>
-              <a:buFont typeface="Arial" panose="020B0604020202020204" pitchFamily="34" charset="0"/>
-              <a:buChar char="•"/>
-              <a:defRPr sz="1800" kern="1200">
-                <a:solidFill>
-                  <a:schemeClr val="tx1"/>
-                </a:solidFill>
-                <a:latin typeface="+mn-lt"/>
-                <a:ea typeface="+mn-ea"/>
-                <a:cs typeface="+mn-cs"/>
-              </a:defRPr>
-            </a:lvl4pPr>
-            <a:lvl5pPr marL="2057400" indent="-228600" algn="l" defTabSz="914400" rtl="0" eaLnBrk="1" latinLnBrk="0" hangingPunct="1">
-              <a:lnSpc>
-                <a:spcPct val="90000"/>
-              </a:lnSpc>
-              <a:spcBef>
-                <a:spcPts val="500"/>
-              </a:spcBef>
-              <a:buFont typeface="Arial" panose="020B0604020202020204" pitchFamily="34" charset="0"/>
-              <a:buChar char="•"/>
-              <a:defRPr sz="1800" kern="1200">
-                <a:solidFill>
-                  <a:schemeClr val="tx1"/>
-                </a:solidFill>
-                <a:latin typeface="+mn-lt"/>
-                <a:ea typeface="+mn-ea"/>
-                <a:cs typeface="+mn-cs"/>
-              </a:defRPr>
-            </a:lvl5pPr>
-            <a:lvl6pPr marL="2514600" indent="-228600" algn="l" defTabSz="914400" rtl="0" eaLnBrk="1" latinLnBrk="0" hangingPunct="1">
-              <a:lnSpc>
-                <a:spcPct val="90000"/>
-              </a:lnSpc>
-              <a:spcBef>
-                <a:spcPts val="500"/>
-              </a:spcBef>
-              <a:buFont typeface="Arial" panose="020B0604020202020204" pitchFamily="34" charset="0"/>
-              <a:buChar char="•"/>
-              <a:defRPr sz="1800" kern="1200">
-                <a:solidFill>
-                  <a:schemeClr val="tx1"/>
-                </a:solidFill>
-                <a:latin typeface="+mn-lt"/>
-                <a:ea typeface="+mn-ea"/>
-                <a:cs typeface="+mn-cs"/>
-              </a:defRPr>
-            </a:lvl6pPr>
-            <a:lvl7pPr marL="2971800" indent="-228600" algn="l" defTabSz="914400" rtl="0" eaLnBrk="1" latinLnBrk="0" hangingPunct="1">
-              <a:lnSpc>
-                <a:spcPct val="90000"/>
-              </a:lnSpc>
-              <a:spcBef>
-                <a:spcPts val="500"/>
-              </a:spcBef>
-              <a:buFont typeface="Arial" panose="020B0604020202020204" pitchFamily="34" charset="0"/>
-              <a:buChar char="•"/>
-              <a:defRPr sz="1800" kern="1200">
-                <a:solidFill>
-                  <a:schemeClr val="tx1"/>
-                </a:solidFill>
-                <a:latin typeface="+mn-lt"/>
-                <a:ea typeface="+mn-ea"/>
-                <a:cs typeface="+mn-cs"/>
-              </a:defRPr>
-            </a:lvl7pPr>
-            <a:lvl8pPr marL="3429000" indent="-228600" algn="l" defTabSz="914400" rtl="0" eaLnBrk="1" latinLnBrk="0" hangingPunct="1">
-              <a:lnSpc>
-                <a:spcPct val="90000"/>
-              </a:lnSpc>
-              <a:spcBef>
-                <a:spcPts val="500"/>
-              </a:spcBef>
-              <a:buFont typeface="Arial" panose="020B0604020202020204" pitchFamily="34" charset="0"/>
-              <a:buChar char="•"/>
-              <a:defRPr sz="1800" kern="1200">
-                <a:solidFill>
-                  <a:schemeClr val="tx1"/>
-                </a:solidFill>
-                <a:latin typeface="+mn-lt"/>
-                <a:ea typeface="+mn-ea"/>
-                <a:cs typeface="+mn-cs"/>
-              </a:defRPr>
-            </a:lvl8pPr>
-            <a:lvl9pPr marL="3886200" indent="-228600" algn="l" defTabSz="914400" rtl="0" eaLnBrk="1" latinLnBrk="0" hangingPunct="1">
-              <a:lnSpc>
-                <a:spcPct val="90000"/>
-              </a:lnSpc>
-              <a:spcBef>
-                <a:spcPts val="500"/>
-              </a:spcBef>
-              <a:buFont typeface="Arial" panose="020B0604020202020204" pitchFamily="34" charset="0"/>
-              <a:buChar char="•"/>
-              <a:defRPr sz="1800" kern="1200">
-                <a:solidFill>
-                  <a:schemeClr val="tx1"/>
-                </a:solidFill>
-                <a:latin typeface="+mn-lt"/>
-                <a:ea typeface="+mn-ea"/>
-                <a:cs typeface="+mn-cs"/>
-              </a:defRPr>
-            </a:lvl9pPr>
-          </a:lstStyle>
-          <a:p>
-            <a:pPr marL="0" indent="0">
-              <a:buNone/>
-            </a:pPr>
-            <a:r>
-              <a:rPr lang="en-US" dirty="0"/>
-              <a:t>MFCC (Mel-Frequency Cepstral Coefficients)</a:t>
-            </a:r>
-          </a:p>
-          <a:p>
-            <a:pPr marL="0" indent="0">
-              <a:buFont typeface="Arial" panose="020B0604020202020204" pitchFamily="34" charset="0"/>
-              <a:buNone/>
-            </a:pPr>
-            <a:endParaRPr lang="en-US" dirty="0"/>
-          </a:p>
-        </p:txBody>
-      </p:sp>
-      <p:pic>
-        <p:nvPicPr>
-          <p:cNvPr id="11268" name="Picture 4" descr="a. Mel-frequency cepstral coefficients (MFCC)—deformed male speech (laryngean polypus); vowel /i/ (e.g., /pit/) with prolonged phonation before surgery. ">
-            <a:extLst>
-              <a:ext uri="{FF2B5EF4-FFF2-40B4-BE49-F238E27FC236}">
-                <a16:creationId xmlns:a16="http://schemas.microsoft.com/office/drawing/2014/main" id="{422DEAA3-0676-FAE1-0FB3-30C01B8C4CCF}"/>
-              </a:ext>
-            </a:extLst>
-          </p:cNvPr>
-          <p:cNvPicPr>
-            <a:picLocks noGrp="1" noChangeAspect="1" noChangeArrowheads="1"/>
-          </p:cNvPicPr>
-          <p:nvPr>
-            <p:ph idx="1"/>
-          </p:nvPr>
-        </p:nvPicPr>
-        <p:blipFill>
-          <a:blip r:embed="rId2">
-            <a:extLst>
-              <a:ext uri="{28A0092B-C50C-407E-A947-70E740481C1C}">
-                <a14:useLocalDpi xmlns:a14="http://schemas.microsoft.com/office/drawing/2010/main" val="0"/>
-              </a:ext>
-            </a:extLst>
-          </a:blip>
-          <a:srcRect/>
-          <a:stretch>
-            <a:fillRect/>
-          </a:stretch>
-        </p:blipFill>
-        <p:spPr bwMode="auto">
-          <a:xfrm>
-            <a:off x="3143539" y="2605382"/>
-            <a:ext cx="5560623" cy="3827529"/>
-          </a:xfrm>
-          <a:prstGeom prst="rect">
-            <a:avLst/>
-          </a:prstGeom>
-          <a:noFill/>
-          <a:extLst>
-            <a:ext uri="{909E8E84-426E-40DD-AFC4-6F175D3DCCD1}">
-              <a14:hiddenFill xmlns:a14="http://schemas.microsoft.com/office/drawing/2010/main">
-                <a:solidFill>
-                  <a:srgbClr val="FFFFFF"/>
-                </a:solidFill>
-              </a14:hiddenFill>
-            </a:ext>
-          </a:extLst>
-        </p:spPr>
-      </p:pic>
-    </p:spTree>
-    <p:extLst>
-      <p:ext uri="{BB962C8B-B14F-4D97-AF65-F5344CB8AC3E}">
-        <p14:creationId xmlns:p14="http://schemas.microsoft.com/office/powerpoint/2010/main" val="2444153553"/>
-      </p:ext>
-    </p:extLst>
-  </p:cSld>
-  <p:clrMapOvr>
-    <a:masterClrMapping/>
-  </p:clrMapOvr>
-</p:sld>
-</file>
-
-<file path=ppt/slides/slide28.xml><?xml version="1.0" encoding="utf-8"?>
-<p:sld xmlns:a="http://schemas.openxmlformats.org/drawingml/2006/main" xmlns:r="http://schemas.openxmlformats.org/officeDocument/2006/relationships" xmlns:p="http://schemas.openxmlformats.org/presentationml/2006/main">
-  <p:cSld>
-    <p:spTree>
-      <p:nvGrpSpPr>
-        <p:cNvPr id="1" name=""/>
-        <p:cNvGrpSpPr/>
-        <p:nvPr/>
-      </p:nvGrpSpPr>
-      <p:grpSpPr>
-        <a:xfrm>
-          <a:off x="0" y="0"/>
-          <a:ext cx="0" cy="0"/>
-          <a:chOff x="0" y="0"/>
-          <a:chExt cx="0" cy="0"/>
-        </a:xfrm>
-      </p:grpSpPr>
-      <p:sp>
-        <p:nvSpPr>
-          <p:cNvPr id="2" name="Title 1">
-            <a:extLst>
-              <a:ext uri="{FF2B5EF4-FFF2-40B4-BE49-F238E27FC236}">
-                <a16:creationId xmlns:a16="http://schemas.microsoft.com/office/drawing/2014/main" id="{7E688103-512F-6A81-9A67-3B787D1DA283}"/>
-              </a:ext>
-            </a:extLst>
-          </p:cNvPr>
-          <p:cNvSpPr>
-            <a:spLocks noGrp="1"/>
-          </p:cNvSpPr>
-          <p:nvPr>
-            <p:ph type="title"/>
-          </p:nvPr>
-        </p:nvSpPr>
-        <p:spPr/>
-        <p:txBody>
-          <a:bodyPr/>
-          <a:lstStyle/>
-          <a:p>
-            <a:r>
-              <a:rPr lang="en-US" b="1" dirty="0"/>
-              <a:t>4.2 Frequency Domain Feature</a:t>
-            </a:r>
-          </a:p>
-        </p:txBody>
-      </p:sp>
-      <p:sp>
-        <p:nvSpPr>
-          <p:cNvPr id="3" name="Content Placeholder 2">
-            <a:extLst>
-              <a:ext uri="{FF2B5EF4-FFF2-40B4-BE49-F238E27FC236}">
-                <a16:creationId xmlns:a16="http://schemas.microsoft.com/office/drawing/2014/main" id="{1C77F418-3056-7263-C737-316BA77E2D61}"/>
-              </a:ext>
-            </a:extLst>
-          </p:cNvPr>
-          <p:cNvSpPr>
-            <a:spLocks noGrp="1"/>
-          </p:cNvSpPr>
-          <p:nvPr>
-            <p:ph idx="1"/>
-          </p:nvPr>
-        </p:nvSpPr>
-        <p:spPr>
-          <a:xfrm>
-            <a:off x="838200" y="1825625"/>
-            <a:ext cx="10515600" cy="616633"/>
-          </a:xfrm>
-        </p:spPr>
-        <p:txBody>
-          <a:bodyPr/>
-          <a:lstStyle/>
-          <a:p>
-            <a:pPr marL="0" indent="0">
-              <a:buNone/>
-            </a:pPr>
-            <a:r>
-              <a:rPr lang="en-US" dirty="0"/>
-              <a:t>Mel Spectrogram</a:t>
-            </a:r>
-          </a:p>
-        </p:txBody>
-      </p:sp>
-      <p:pic>
-        <p:nvPicPr>
-          <p:cNvPr id="12292" name="Picture 4" descr="Understanding the Mel Spectrogram | by Leland Roberts | Analytics Vidhya |  Medium">
-            <a:extLst>
-              <a:ext uri="{FF2B5EF4-FFF2-40B4-BE49-F238E27FC236}">
-                <a16:creationId xmlns:a16="http://schemas.microsoft.com/office/drawing/2014/main" id="{D9729888-305C-1DCA-DAF2-A710AAABF9ED}"/>
-              </a:ext>
-            </a:extLst>
-          </p:cNvPr>
-          <p:cNvPicPr>
-            <a:picLocks noChangeAspect="1" noChangeArrowheads="1"/>
-          </p:cNvPicPr>
-          <p:nvPr/>
-        </p:nvPicPr>
-        <p:blipFill>
-          <a:blip r:embed="rId2">
-            <a:extLst>
-              <a:ext uri="{28A0092B-C50C-407E-A947-70E740481C1C}">
-                <a14:useLocalDpi xmlns:a14="http://schemas.microsoft.com/office/drawing/2010/main" val="0"/>
-              </a:ext>
-            </a:extLst>
-          </a:blip>
-          <a:srcRect/>
-          <a:stretch>
-            <a:fillRect/>
-          </a:stretch>
-        </p:blipFill>
-        <p:spPr bwMode="auto">
-          <a:xfrm>
-            <a:off x="3096410" y="2666100"/>
-            <a:ext cx="5515155" cy="3670085"/>
-          </a:xfrm>
-          <a:prstGeom prst="rect">
-            <a:avLst/>
-          </a:prstGeom>
-          <a:noFill/>
-          <a:extLst>
-            <a:ext uri="{909E8E84-426E-40DD-AFC4-6F175D3DCCD1}">
-              <a14:hiddenFill xmlns:a14="http://schemas.microsoft.com/office/drawing/2010/main">
-                <a:solidFill>
-                  <a:srgbClr val="FFFFFF"/>
-                </a:solidFill>
-              </a14:hiddenFill>
-            </a:ext>
-          </a:extLst>
-        </p:spPr>
-      </p:pic>
-    </p:spTree>
-    <p:extLst>
-      <p:ext uri="{BB962C8B-B14F-4D97-AF65-F5344CB8AC3E}">
-        <p14:creationId xmlns:p14="http://schemas.microsoft.com/office/powerpoint/2010/main" val="1077512660"/>
-      </p:ext>
-    </p:extLst>
-  </p:cSld>
-  <p:clrMapOvr>
-    <a:masterClrMapping/>
-  </p:clrMapOvr>
-</p:sld>
-</file>
-
-<file path=ppt/slides/slide29.xml><?xml version="1.0" encoding="utf-8"?>
-<p:sld xmlns:a="http://schemas.openxmlformats.org/drawingml/2006/main" xmlns:r="http://schemas.openxmlformats.org/officeDocument/2006/relationships" xmlns:p="http://schemas.openxmlformats.org/presentationml/2006/main">
-  <p:cSld>
-    <p:spTree>
-      <p:nvGrpSpPr>
-        <p:cNvPr id="1" name=""/>
-        <p:cNvGrpSpPr/>
-        <p:nvPr/>
-      </p:nvGrpSpPr>
-      <p:grpSpPr>
-        <a:xfrm>
-          <a:off x="0" y="0"/>
-          <a:ext cx="0" cy="0"/>
-          <a:chOff x="0" y="0"/>
-          <a:chExt cx="0" cy="0"/>
-        </a:xfrm>
-      </p:grpSpPr>
-      <p:sp>
-        <p:nvSpPr>
-          <p:cNvPr id="2" name="Title 1">
-            <a:extLst>
-              <a:ext uri="{FF2B5EF4-FFF2-40B4-BE49-F238E27FC236}">
-                <a16:creationId xmlns:a16="http://schemas.microsoft.com/office/drawing/2014/main" id="{D4E5CF11-FF0F-184C-F0B1-39E1818C9DF7}"/>
-              </a:ext>
-            </a:extLst>
-          </p:cNvPr>
-          <p:cNvSpPr>
-            <a:spLocks noGrp="1"/>
-          </p:cNvSpPr>
-          <p:nvPr>
-            <p:ph type="title"/>
-          </p:nvPr>
-        </p:nvSpPr>
-        <p:spPr/>
-        <p:txBody>
-          <a:bodyPr/>
-          <a:lstStyle/>
-          <a:p>
-            <a:r>
-              <a:rPr lang="en-US" b="1" dirty="0"/>
-              <a:t>4.3 Feature Extracting Method</a:t>
-            </a:r>
-          </a:p>
-        </p:txBody>
-      </p:sp>
-      <p:sp>
-        <p:nvSpPr>
-          <p:cNvPr id="3" name="Content Placeholder 2">
-            <a:extLst>
-              <a:ext uri="{FF2B5EF4-FFF2-40B4-BE49-F238E27FC236}">
-                <a16:creationId xmlns:a16="http://schemas.microsoft.com/office/drawing/2014/main" id="{91287E87-8398-E3F3-D538-004667A9A966}"/>
-              </a:ext>
-            </a:extLst>
-          </p:cNvPr>
-          <p:cNvSpPr>
-            <a:spLocks noGrp="1"/>
-          </p:cNvSpPr>
-          <p:nvPr>
-            <p:ph idx="1"/>
-          </p:nvPr>
-        </p:nvSpPr>
-        <p:spPr>
-          <a:xfrm>
-            <a:off x="838200" y="1825625"/>
-            <a:ext cx="10515600" cy="674507"/>
-          </a:xfrm>
-        </p:spPr>
-        <p:txBody>
-          <a:bodyPr>
-            <a:normAutofit/>
-          </a:bodyPr>
-          <a:lstStyle/>
-          <a:p>
-            <a:pPr marL="0" indent="0">
-              <a:buNone/>
-            </a:pPr>
-            <a:r>
-              <a:rPr lang="en-US" dirty="0"/>
-              <a:t>Asynchronous Processing: 1039 secs</a:t>
-            </a:r>
-          </a:p>
-          <a:p>
-            <a:pPr marL="0" indent="0">
-              <a:buNone/>
-            </a:pPr>
-            <a:endParaRPr lang="en-US" dirty="0"/>
-          </a:p>
-          <a:p>
-            <a:endParaRPr lang="en-US" dirty="0"/>
-          </a:p>
-        </p:txBody>
-      </p:sp>
-      <p:sp>
-        <p:nvSpPr>
-          <p:cNvPr id="12" name="Content Placeholder 2">
-            <a:extLst>
-              <a:ext uri="{FF2B5EF4-FFF2-40B4-BE49-F238E27FC236}">
-                <a16:creationId xmlns:a16="http://schemas.microsoft.com/office/drawing/2014/main" id="{E387F391-962B-C53A-7507-06F995AAD93F}"/>
-              </a:ext>
-            </a:extLst>
-          </p:cNvPr>
-          <p:cNvSpPr txBox="1">
-            <a:spLocks/>
-          </p:cNvSpPr>
-          <p:nvPr/>
-        </p:nvSpPr>
-        <p:spPr>
-          <a:xfrm>
-            <a:off x="838200" y="3091746"/>
-            <a:ext cx="10515600" cy="674507"/>
-          </a:xfrm>
-          <a:prstGeom prst="rect">
-            <a:avLst/>
-          </a:prstGeom>
-        </p:spPr>
-        <p:txBody>
-          <a:bodyPr vert="horz" lIns="91440" tIns="45720" rIns="91440" bIns="45720" rtlCol="0">
-            <a:normAutofit/>
-          </a:bodyPr>
-          <a:lstStyle>
-            <a:lvl1pPr indent="0">
-              <a:lnSpc>
-                <a:spcPct val="90000"/>
-              </a:lnSpc>
-              <a:spcBef>
-                <a:spcPts val="1000"/>
-              </a:spcBef>
-              <a:buFont typeface="Arial" panose="020B0604020202020204" pitchFamily="34" charset="0"/>
-              <a:buNone/>
-              <a:defRPr sz="2800"/>
-            </a:lvl1pPr>
-            <a:lvl2pPr marL="685800" indent="-228600">
-              <a:lnSpc>
-                <a:spcPct val="90000"/>
-              </a:lnSpc>
-              <a:spcBef>
-                <a:spcPts val="500"/>
-              </a:spcBef>
-              <a:buFont typeface="Arial" panose="020B0604020202020204" pitchFamily="34" charset="0"/>
-              <a:buChar char="•"/>
-              <a:defRPr sz="2400"/>
-            </a:lvl2pPr>
-            <a:lvl3pPr marL="1143000" indent="-228600">
-              <a:lnSpc>
-                <a:spcPct val="90000"/>
-              </a:lnSpc>
-              <a:spcBef>
-                <a:spcPts val="500"/>
-              </a:spcBef>
-              <a:buFont typeface="Arial" panose="020B0604020202020204" pitchFamily="34" charset="0"/>
-              <a:buChar char="•"/>
-              <a:defRPr sz="2000"/>
-            </a:lvl3pPr>
-            <a:lvl4pPr marL="1600200" indent="-228600">
-              <a:lnSpc>
-                <a:spcPct val="90000"/>
-              </a:lnSpc>
-              <a:spcBef>
-                <a:spcPts val="500"/>
-              </a:spcBef>
-              <a:buFont typeface="Arial" panose="020B0604020202020204" pitchFamily="34" charset="0"/>
-              <a:buChar char="•"/>
-            </a:lvl4pPr>
-            <a:lvl5pPr marL="2057400" indent="-228600">
-              <a:lnSpc>
-                <a:spcPct val="90000"/>
-              </a:lnSpc>
-              <a:spcBef>
-                <a:spcPts val="500"/>
-              </a:spcBef>
-              <a:buFont typeface="Arial" panose="020B0604020202020204" pitchFamily="34" charset="0"/>
-              <a:buChar char="•"/>
-            </a:lvl5pPr>
-            <a:lvl6pPr marL="2514600" indent="-228600">
-              <a:lnSpc>
-                <a:spcPct val="90000"/>
-              </a:lnSpc>
-              <a:spcBef>
-                <a:spcPts val="500"/>
-              </a:spcBef>
-              <a:buFont typeface="Arial" panose="020B0604020202020204" pitchFamily="34" charset="0"/>
-              <a:buChar char="•"/>
-            </a:lvl6pPr>
-            <a:lvl7pPr marL="2971800" indent="-228600">
-              <a:lnSpc>
-                <a:spcPct val="90000"/>
-              </a:lnSpc>
-              <a:spcBef>
-                <a:spcPts val="500"/>
-              </a:spcBef>
-              <a:buFont typeface="Arial" panose="020B0604020202020204" pitchFamily="34" charset="0"/>
-              <a:buChar char="•"/>
-            </a:lvl7pPr>
-            <a:lvl8pPr marL="3429000" indent="-228600">
-              <a:lnSpc>
-                <a:spcPct val="90000"/>
-              </a:lnSpc>
-              <a:spcBef>
-                <a:spcPts val="500"/>
-              </a:spcBef>
-              <a:buFont typeface="Arial" panose="020B0604020202020204" pitchFamily="34" charset="0"/>
-              <a:buChar char="•"/>
-            </a:lvl8pPr>
-            <a:lvl9pPr marL="3886200" indent="-228600">
-              <a:lnSpc>
-                <a:spcPct val="90000"/>
-              </a:lnSpc>
-              <a:spcBef>
-                <a:spcPts val="500"/>
-              </a:spcBef>
-              <a:buFont typeface="Arial" panose="020B0604020202020204" pitchFamily="34" charset="0"/>
-              <a:buChar char="•"/>
-            </a:lvl9pPr>
-          </a:lstStyle>
-          <a:p>
-            <a:r>
-              <a:rPr lang="en-US" dirty="0"/>
-              <a:t>Parallel Processing: 250 secs (using </a:t>
-            </a:r>
-            <a:r>
-              <a:rPr lang="en-US" dirty="0" err="1"/>
-              <a:t>Joblib</a:t>
-            </a:r>
-            <a:r>
-              <a:rPr lang="en-US" dirty="0"/>
-              <a:t>) </a:t>
-            </a:r>
-          </a:p>
-          <a:p>
-            <a:endParaRPr lang="en-US" dirty="0"/>
-          </a:p>
-          <a:p>
-            <a:endParaRPr lang="en-US" dirty="0"/>
-          </a:p>
-        </p:txBody>
-      </p:sp>
-    </p:spTree>
-    <p:extLst>
-      <p:ext uri="{BB962C8B-B14F-4D97-AF65-F5344CB8AC3E}">
-        <p14:creationId xmlns:p14="http://schemas.microsoft.com/office/powerpoint/2010/main" val="2671257243"/>
-      </p:ext>
-    </p:extLst>
-  </p:cSld>
-  <p:clrMapOvr>
-    <a:masterClrMapping/>
-  </p:clrMapOvr>
-  <p:timing>
-    <p:tnLst>
-      <p:par>
-        <p:cTn id="1" dur="indefinite" restart="never" nodeType="tmRoot">
-          <p:childTnLst>
-            <p:seq concurrent="1" nextAc="seek">
-              <p:cTn id="2" dur="indefinite" nodeType="mainSeq">
-                <p:childTnLst>
-                  <p:par>
-                    <p:cTn id="3" fill="hold">
-                      <p:stCondLst>
-                        <p:cond delay="indefinite"/>
-                      </p:stCondLst>
-                      <p:childTnLst>
-                        <p:par>
-                          <p:cTn id="4" fill="hold">
-                            <p:stCondLst>
-                              <p:cond delay="0"/>
-                            </p:stCondLst>
-                            <p:childTnLst>
-                              <p:par>
-                                <p:cTn id="5" presetID="1" presetClass="entr" presetSubtype="0" fill="hold" grpId="0" nodeType="clickEffect">
-                                  <p:stCondLst>
-                                    <p:cond delay="0"/>
-                                  </p:stCondLst>
-                                  <p:childTnLst>
-                                    <p:set>
-                                      <p:cBhvr>
-                                        <p:cTn id="6" dur="1" fill="hold">
-                                          <p:stCondLst>
-                                            <p:cond delay="0"/>
-                                          </p:stCondLst>
-                                        </p:cTn>
-                                        <p:tgtEl>
-                                          <p:spTgt spid="3">
-                                            <p:txEl>
-                                              <p:pRg st="0" end="0"/>
-                                            </p:txEl>
-                                          </p:spTgt>
-                                        </p:tgtEl>
-                                        <p:attrNameLst>
-                                          <p:attrName>style.visibility</p:attrName>
-                                        </p:attrNameLst>
-                                      </p:cBhvr>
-                                      <p:to>
-                                        <p:strVal val="visible"/>
-                                      </p:to>
-                                    </p:set>
-                                  </p:childTnLst>
-                                </p:cTn>
-                              </p:par>
-                            </p:childTnLst>
-                          </p:cTn>
-                        </p:par>
-                      </p:childTnLst>
-                    </p:cTn>
-                  </p:par>
-                  <p:par>
-                    <p:cTn id="7" fill="hold">
-                      <p:stCondLst>
-                        <p:cond delay="indefinite"/>
-                      </p:stCondLst>
-                      <p:childTnLst>
-                        <p:par>
-                          <p:cTn id="8" fill="hold">
-                            <p:stCondLst>
-                              <p:cond delay="0"/>
-                            </p:stCondLst>
-                            <p:childTnLst>
-                              <p:par>
-                                <p:cTn id="9" presetID="1" presetClass="entr" presetSubtype="0" fill="hold" grpId="0" nodeType="clickEffect">
-                                  <p:stCondLst>
-                                    <p:cond delay="0"/>
-                                  </p:stCondLst>
-                                  <p:childTnLst>
-                                    <p:set>
-                                      <p:cBhvr>
-                                        <p:cTn id="10" dur="1" fill="hold">
-                                          <p:stCondLst>
-                                            <p:cond delay="0"/>
-                                          </p:stCondLst>
-                                        </p:cTn>
-                                        <p:tgtEl>
-                                          <p:spTgt spid="12"/>
-                                        </p:tgtEl>
-                                        <p:attrNameLst>
-                                          <p:attrName>style.visibility</p:attrName>
-                                        </p:attrNameLst>
-                                      </p:cBhvr>
-                                      <p:to>
-                                        <p:strVal val="visible"/>
-                                      </p:to>
-                                    </p:set>
-                                  </p:childTnLst>
-                                </p:cTn>
-                              </p:par>
-                            </p:childTnLst>
-                          </p:cTn>
-                        </p:par>
-                      </p:childTnLst>
-                    </p:cTn>
-                  </p:par>
-                </p:childTnLst>
-              </p:cTn>
-              <p:prevCondLst>
-                <p:cond evt="onPrev" delay="0">
-                  <p:tgtEl>
-                    <p:sldTgt/>
-                  </p:tgtEl>
-                </p:cond>
-              </p:prevCondLst>
-              <p:nextCondLst>
-                <p:cond evt="onNext" delay="0">
-                  <p:tgtEl>
-                    <p:sldTgt/>
-                  </p:tgtEl>
-                </p:cond>
-              </p:nextCondLst>
-            </p:seq>
-          </p:childTnLst>
-        </p:cTn>
-      </p:par>
-    </p:tnLst>
-    <p:bldLst>
-      <p:bldP spid="3" grpId="0" build="p"/>
-      <p:bldP spid="12" grpId="0"/>
-    </p:bldLst>
-  </p:timing>
 </p:sld>
 </file>
 
@@ -8951,6 +8197,1168 @@
           <p:cNvPr id="2" name="Title 1">
             <a:extLst>
               <a:ext uri="{FF2B5EF4-FFF2-40B4-BE49-F238E27FC236}">
+                <a16:creationId xmlns:a16="http://schemas.microsoft.com/office/drawing/2014/main" id="{B3C0FCAE-2444-9683-C751-083DE33AB04C}"/>
+              </a:ext>
+            </a:extLst>
+          </p:cNvPr>
+          <p:cNvSpPr>
+            <a:spLocks noGrp="1"/>
+          </p:cNvSpPr>
+          <p:nvPr>
+            <p:ph type="title"/>
+          </p:nvPr>
+        </p:nvSpPr>
+        <p:spPr/>
+        <p:txBody>
+          <a:bodyPr/>
+          <a:lstStyle/>
+          <a:p>
+            <a:r>
+              <a:rPr lang="en-US" b="1" dirty="0"/>
+              <a:t>4.2 Frequency Domain Feature</a:t>
+            </a:r>
+          </a:p>
+        </p:txBody>
+      </p:sp>
+      <p:pic>
+        <p:nvPicPr>
+          <p:cNvPr id="9218" name="Picture 2" descr="Mel Spectrogram 3) Chroma STFT The Chroma value of an audio basically... |  Download Scientific Diagram">
+            <a:extLst>
+              <a:ext uri="{FF2B5EF4-FFF2-40B4-BE49-F238E27FC236}">
+                <a16:creationId xmlns:a16="http://schemas.microsoft.com/office/drawing/2014/main" id="{B554A0F9-F7BC-78F1-317D-3FC0C357CC72}"/>
+              </a:ext>
+            </a:extLst>
+          </p:cNvPr>
+          <p:cNvPicPr>
+            <a:picLocks noGrp="1" noChangeAspect="1" noChangeArrowheads="1"/>
+          </p:cNvPicPr>
+          <p:nvPr>
+            <p:ph idx="1"/>
+          </p:nvPr>
+        </p:nvPicPr>
+        <p:blipFill>
+          <a:blip r:embed="rId2">
+            <a:extLst>
+              <a:ext uri="{28A0092B-C50C-407E-A947-70E740481C1C}">
+                <a14:useLocalDpi xmlns:a14="http://schemas.microsoft.com/office/drawing/2010/main" val="0"/>
+              </a:ext>
+            </a:extLst>
+          </a:blip>
+          <a:srcRect/>
+          <a:stretch>
+            <a:fillRect/>
+          </a:stretch>
+        </p:blipFill>
+        <p:spPr bwMode="auto">
+          <a:xfrm>
+            <a:off x="2245006" y="2532084"/>
+            <a:ext cx="7280958" cy="3396926"/>
+          </a:xfrm>
+          <a:prstGeom prst="rect">
+            <a:avLst/>
+          </a:prstGeom>
+          <a:noFill/>
+          <a:extLst>
+            <a:ext uri="{909E8E84-426E-40DD-AFC4-6F175D3DCCD1}">
+              <a14:hiddenFill xmlns:a14="http://schemas.microsoft.com/office/drawing/2010/main">
+                <a:solidFill>
+                  <a:srgbClr val="FFFFFF"/>
+                </a:solidFill>
+              </a14:hiddenFill>
+            </a:ext>
+          </a:extLst>
+        </p:spPr>
+      </p:pic>
+      <p:sp>
+        <p:nvSpPr>
+          <p:cNvPr id="4" name="Content Placeholder 2">
+            <a:extLst>
+              <a:ext uri="{FF2B5EF4-FFF2-40B4-BE49-F238E27FC236}">
+                <a16:creationId xmlns:a16="http://schemas.microsoft.com/office/drawing/2014/main" id="{2EF938E9-FC57-DBDA-E00B-BDC9CE116F9D}"/>
+              </a:ext>
+            </a:extLst>
+          </p:cNvPr>
+          <p:cNvSpPr txBox="1">
+            <a:spLocks/>
+          </p:cNvSpPr>
+          <p:nvPr/>
+        </p:nvSpPr>
+        <p:spPr>
+          <a:xfrm>
+            <a:off x="838200" y="1825626"/>
+            <a:ext cx="10515600" cy="801828"/>
+          </a:xfrm>
+          <a:prstGeom prst="rect">
+            <a:avLst/>
+          </a:prstGeom>
+        </p:spPr>
+        <p:txBody>
+          <a:bodyPr vert="horz" lIns="91440" tIns="45720" rIns="91440" bIns="45720" rtlCol="0">
+            <a:normAutofit/>
+          </a:bodyPr>
+          <a:lstStyle>
+            <a:lvl1pPr marL="228600" indent="-228600" algn="l" defTabSz="914400" rtl="0" eaLnBrk="1" latinLnBrk="0" hangingPunct="1">
+              <a:lnSpc>
+                <a:spcPct val="90000"/>
+              </a:lnSpc>
+              <a:spcBef>
+                <a:spcPts val="1000"/>
+              </a:spcBef>
+              <a:buFont typeface="Arial" panose="020B0604020202020204" pitchFamily="34" charset="0"/>
+              <a:buChar char="•"/>
+              <a:defRPr sz="2800" kern="1200">
+                <a:solidFill>
+                  <a:schemeClr val="tx1"/>
+                </a:solidFill>
+                <a:latin typeface="+mn-lt"/>
+                <a:ea typeface="+mn-ea"/>
+                <a:cs typeface="+mn-cs"/>
+              </a:defRPr>
+            </a:lvl1pPr>
+            <a:lvl2pPr marL="685800" indent="-228600" algn="l" defTabSz="914400" rtl="0" eaLnBrk="1" latinLnBrk="0" hangingPunct="1">
+              <a:lnSpc>
+                <a:spcPct val="90000"/>
+              </a:lnSpc>
+              <a:spcBef>
+                <a:spcPts val="500"/>
+              </a:spcBef>
+              <a:buFont typeface="Arial" panose="020B0604020202020204" pitchFamily="34" charset="0"/>
+              <a:buChar char="•"/>
+              <a:defRPr sz="2400" kern="1200">
+                <a:solidFill>
+                  <a:schemeClr val="tx1"/>
+                </a:solidFill>
+                <a:latin typeface="+mn-lt"/>
+                <a:ea typeface="+mn-ea"/>
+                <a:cs typeface="+mn-cs"/>
+              </a:defRPr>
+            </a:lvl2pPr>
+            <a:lvl3pPr marL="1143000" indent="-228600" algn="l" defTabSz="914400" rtl="0" eaLnBrk="1" latinLnBrk="0" hangingPunct="1">
+              <a:lnSpc>
+                <a:spcPct val="90000"/>
+              </a:lnSpc>
+              <a:spcBef>
+                <a:spcPts val="500"/>
+              </a:spcBef>
+              <a:buFont typeface="Arial" panose="020B0604020202020204" pitchFamily="34" charset="0"/>
+              <a:buChar char="•"/>
+              <a:defRPr sz="2000" kern="1200">
+                <a:solidFill>
+                  <a:schemeClr val="tx1"/>
+                </a:solidFill>
+                <a:latin typeface="+mn-lt"/>
+                <a:ea typeface="+mn-ea"/>
+                <a:cs typeface="+mn-cs"/>
+              </a:defRPr>
+            </a:lvl3pPr>
+            <a:lvl4pPr marL="1600200" indent="-228600" algn="l" defTabSz="914400" rtl="0" eaLnBrk="1" latinLnBrk="0" hangingPunct="1">
+              <a:lnSpc>
+                <a:spcPct val="90000"/>
+              </a:lnSpc>
+              <a:spcBef>
+                <a:spcPts val="500"/>
+              </a:spcBef>
+              <a:buFont typeface="Arial" panose="020B0604020202020204" pitchFamily="34" charset="0"/>
+              <a:buChar char="•"/>
+              <a:defRPr sz="1800" kern="1200">
+                <a:solidFill>
+                  <a:schemeClr val="tx1"/>
+                </a:solidFill>
+                <a:latin typeface="+mn-lt"/>
+                <a:ea typeface="+mn-ea"/>
+                <a:cs typeface="+mn-cs"/>
+              </a:defRPr>
+            </a:lvl4pPr>
+            <a:lvl5pPr marL="2057400" indent="-228600" algn="l" defTabSz="914400" rtl="0" eaLnBrk="1" latinLnBrk="0" hangingPunct="1">
+              <a:lnSpc>
+                <a:spcPct val="90000"/>
+              </a:lnSpc>
+              <a:spcBef>
+                <a:spcPts val="500"/>
+              </a:spcBef>
+              <a:buFont typeface="Arial" panose="020B0604020202020204" pitchFamily="34" charset="0"/>
+              <a:buChar char="•"/>
+              <a:defRPr sz="1800" kern="1200">
+                <a:solidFill>
+                  <a:schemeClr val="tx1"/>
+                </a:solidFill>
+                <a:latin typeface="+mn-lt"/>
+                <a:ea typeface="+mn-ea"/>
+                <a:cs typeface="+mn-cs"/>
+              </a:defRPr>
+            </a:lvl5pPr>
+            <a:lvl6pPr marL="2514600" indent="-228600" algn="l" defTabSz="914400" rtl="0" eaLnBrk="1" latinLnBrk="0" hangingPunct="1">
+              <a:lnSpc>
+                <a:spcPct val="90000"/>
+              </a:lnSpc>
+              <a:spcBef>
+                <a:spcPts val="500"/>
+              </a:spcBef>
+              <a:buFont typeface="Arial" panose="020B0604020202020204" pitchFamily="34" charset="0"/>
+              <a:buChar char="•"/>
+              <a:defRPr sz="1800" kern="1200">
+                <a:solidFill>
+                  <a:schemeClr val="tx1"/>
+                </a:solidFill>
+                <a:latin typeface="+mn-lt"/>
+                <a:ea typeface="+mn-ea"/>
+                <a:cs typeface="+mn-cs"/>
+              </a:defRPr>
+            </a:lvl6pPr>
+            <a:lvl7pPr marL="2971800" indent="-228600" algn="l" defTabSz="914400" rtl="0" eaLnBrk="1" latinLnBrk="0" hangingPunct="1">
+              <a:lnSpc>
+                <a:spcPct val="90000"/>
+              </a:lnSpc>
+              <a:spcBef>
+                <a:spcPts val="500"/>
+              </a:spcBef>
+              <a:buFont typeface="Arial" panose="020B0604020202020204" pitchFamily="34" charset="0"/>
+              <a:buChar char="•"/>
+              <a:defRPr sz="1800" kern="1200">
+                <a:solidFill>
+                  <a:schemeClr val="tx1"/>
+                </a:solidFill>
+                <a:latin typeface="+mn-lt"/>
+                <a:ea typeface="+mn-ea"/>
+                <a:cs typeface="+mn-cs"/>
+              </a:defRPr>
+            </a:lvl7pPr>
+            <a:lvl8pPr marL="3429000" indent="-228600" algn="l" defTabSz="914400" rtl="0" eaLnBrk="1" latinLnBrk="0" hangingPunct="1">
+              <a:lnSpc>
+                <a:spcPct val="90000"/>
+              </a:lnSpc>
+              <a:spcBef>
+                <a:spcPts val="500"/>
+              </a:spcBef>
+              <a:buFont typeface="Arial" panose="020B0604020202020204" pitchFamily="34" charset="0"/>
+              <a:buChar char="•"/>
+              <a:defRPr sz="1800" kern="1200">
+                <a:solidFill>
+                  <a:schemeClr val="tx1"/>
+                </a:solidFill>
+                <a:latin typeface="+mn-lt"/>
+                <a:ea typeface="+mn-ea"/>
+                <a:cs typeface="+mn-cs"/>
+              </a:defRPr>
+            </a:lvl8pPr>
+            <a:lvl9pPr marL="3886200" indent="-228600" algn="l" defTabSz="914400" rtl="0" eaLnBrk="1" latinLnBrk="0" hangingPunct="1">
+              <a:lnSpc>
+                <a:spcPct val="90000"/>
+              </a:lnSpc>
+              <a:spcBef>
+                <a:spcPts val="500"/>
+              </a:spcBef>
+              <a:buFont typeface="Arial" panose="020B0604020202020204" pitchFamily="34" charset="0"/>
+              <a:buChar char="•"/>
+              <a:defRPr sz="1800" kern="1200">
+                <a:solidFill>
+                  <a:schemeClr val="tx1"/>
+                </a:solidFill>
+                <a:latin typeface="+mn-lt"/>
+                <a:ea typeface="+mn-ea"/>
+                <a:cs typeface="+mn-cs"/>
+              </a:defRPr>
+            </a:lvl9pPr>
+          </a:lstStyle>
+          <a:p>
+            <a:pPr marL="0" indent="0">
+              <a:buFont typeface="Arial" panose="020B0604020202020204" pitchFamily="34" charset="0"/>
+              <a:buNone/>
+            </a:pPr>
+            <a:r>
+              <a:rPr lang="en-US" dirty="0"/>
+              <a:t> </a:t>
+            </a:r>
+            <a:r>
+              <a:rPr lang="en-US" dirty="0" err="1"/>
+              <a:t>Chroma_STFT</a:t>
+            </a:r>
+            <a:endParaRPr lang="en-US" dirty="0"/>
+          </a:p>
+          <a:p>
+            <a:pPr marL="0" indent="0">
+              <a:buFont typeface="Arial" panose="020B0604020202020204" pitchFamily="34" charset="0"/>
+              <a:buNone/>
+            </a:pPr>
+            <a:endParaRPr lang="en-US" dirty="0"/>
+          </a:p>
+        </p:txBody>
+      </p:sp>
+    </p:spTree>
+    <p:extLst>
+      <p:ext uri="{BB962C8B-B14F-4D97-AF65-F5344CB8AC3E}">
+        <p14:creationId xmlns:p14="http://schemas.microsoft.com/office/powerpoint/2010/main" val="2408618301"/>
+      </p:ext>
+    </p:extLst>
+  </p:cSld>
+  <p:clrMapOvr>
+    <a:masterClrMapping/>
+  </p:clrMapOvr>
+</p:sld>
+</file>
+
+<file path=ppt/slides/slide31.xml><?xml version="1.0" encoding="utf-8"?>
+<p:sld xmlns:a="http://schemas.openxmlformats.org/drawingml/2006/main" xmlns:r="http://schemas.openxmlformats.org/officeDocument/2006/relationships" xmlns:p="http://schemas.openxmlformats.org/presentationml/2006/main">
+  <p:cSld>
+    <p:spTree>
+      <p:nvGrpSpPr>
+        <p:cNvPr id="1" name="">
+          <a:extLst>
+            <a:ext uri="{FF2B5EF4-FFF2-40B4-BE49-F238E27FC236}">
+              <a16:creationId xmlns:a16="http://schemas.microsoft.com/office/drawing/2014/main" id="{E4938A2E-195A-0601-42FC-D815679D0261}"/>
+            </a:ext>
+          </a:extLst>
+        </p:cNvPr>
+        <p:cNvGrpSpPr/>
+        <p:nvPr/>
+      </p:nvGrpSpPr>
+      <p:grpSpPr>
+        <a:xfrm>
+          <a:off x="0" y="0"/>
+          <a:ext cx="0" cy="0"/>
+          <a:chOff x="0" y="0"/>
+          <a:chExt cx="0" cy="0"/>
+        </a:xfrm>
+      </p:grpSpPr>
+      <p:sp>
+        <p:nvSpPr>
+          <p:cNvPr id="2" name="Title 1">
+            <a:extLst>
+              <a:ext uri="{FF2B5EF4-FFF2-40B4-BE49-F238E27FC236}">
+                <a16:creationId xmlns:a16="http://schemas.microsoft.com/office/drawing/2014/main" id="{096ED922-B997-0C5E-7CBA-A020579EE940}"/>
+              </a:ext>
+            </a:extLst>
+          </p:cNvPr>
+          <p:cNvSpPr>
+            <a:spLocks noGrp="1"/>
+          </p:cNvSpPr>
+          <p:nvPr>
+            <p:ph type="title"/>
+          </p:nvPr>
+        </p:nvSpPr>
+        <p:spPr/>
+        <p:txBody>
+          <a:bodyPr/>
+          <a:lstStyle/>
+          <a:p>
+            <a:r>
+              <a:rPr lang="en-US" b="1" dirty="0"/>
+              <a:t>4.2 Frequency Domain Feature</a:t>
+            </a:r>
+          </a:p>
+        </p:txBody>
+      </p:sp>
+      <p:sp>
+        <p:nvSpPr>
+          <p:cNvPr id="4" name="Content Placeholder 2">
+            <a:extLst>
+              <a:ext uri="{FF2B5EF4-FFF2-40B4-BE49-F238E27FC236}">
+                <a16:creationId xmlns:a16="http://schemas.microsoft.com/office/drawing/2014/main" id="{7717B436-FB59-64D0-39C8-1C0E93708ED9}"/>
+              </a:ext>
+            </a:extLst>
+          </p:cNvPr>
+          <p:cNvSpPr txBox="1">
+            <a:spLocks/>
+          </p:cNvSpPr>
+          <p:nvPr/>
+        </p:nvSpPr>
+        <p:spPr>
+          <a:xfrm>
+            <a:off x="838200" y="1825626"/>
+            <a:ext cx="10515600" cy="801828"/>
+          </a:xfrm>
+          <a:prstGeom prst="rect">
+            <a:avLst/>
+          </a:prstGeom>
+        </p:spPr>
+        <p:txBody>
+          <a:bodyPr vert="horz" lIns="91440" tIns="45720" rIns="91440" bIns="45720" rtlCol="0">
+            <a:normAutofit/>
+          </a:bodyPr>
+          <a:lstStyle>
+            <a:lvl1pPr marL="228600" indent="-228600" algn="l" defTabSz="914400" rtl="0" eaLnBrk="1" latinLnBrk="0" hangingPunct="1">
+              <a:lnSpc>
+                <a:spcPct val="90000"/>
+              </a:lnSpc>
+              <a:spcBef>
+                <a:spcPts val="1000"/>
+              </a:spcBef>
+              <a:buFont typeface="Arial" panose="020B0604020202020204" pitchFamily="34" charset="0"/>
+              <a:buChar char="•"/>
+              <a:defRPr sz="2800" kern="1200">
+                <a:solidFill>
+                  <a:schemeClr val="tx1"/>
+                </a:solidFill>
+                <a:latin typeface="+mn-lt"/>
+                <a:ea typeface="+mn-ea"/>
+                <a:cs typeface="+mn-cs"/>
+              </a:defRPr>
+            </a:lvl1pPr>
+            <a:lvl2pPr marL="685800" indent="-228600" algn="l" defTabSz="914400" rtl="0" eaLnBrk="1" latinLnBrk="0" hangingPunct="1">
+              <a:lnSpc>
+                <a:spcPct val="90000"/>
+              </a:lnSpc>
+              <a:spcBef>
+                <a:spcPts val="500"/>
+              </a:spcBef>
+              <a:buFont typeface="Arial" panose="020B0604020202020204" pitchFamily="34" charset="0"/>
+              <a:buChar char="•"/>
+              <a:defRPr sz="2400" kern="1200">
+                <a:solidFill>
+                  <a:schemeClr val="tx1"/>
+                </a:solidFill>
+                <a:latin typeface="+mn-lt"/>
+                <a:ea typeface="+mn-ea"/>
+                <a:cs typeface="+mn-cs"/>
+              </a:defRPr>
+            </a:lvl2pPr>
+            <a:lvl3pPr marL="1143000" indent="-228600" algn="l" defTabSz="914400" rtl="0" eaLnBrk="1" latinLnBrk="0" hangingPunct="1">
+              <a:lnSpc>
+                <a:spcPct val="90000"/>
+              </a:lnSpc>
+              <a:spcBef>
+                <a:spcPts val="500"/>
+              </a:spcBef>
+              <a:buFont typeface="Arial" panose="020B0604020202020204" pitchFamily="34" charset="0"/>
+              <a:buChar char="•"/>
+              <a:defRPr sz="2000" kern="1200">
+                <a:solidFill>
+                  <a:schemeClr val="tx1"/>
+                </a:solidFill>
+                <a:latin typeface="+mn-lt"/>
+                <a:ea typeface="+mn-ea"/>
+                <a:cs typeface="+mn-cs"/>
+              </a:defRPr>
+            </a:lvl3pPr>
+            <a:lvl4pPr marL="1600200" indent="-228600" algn="l" defTabSz="914400" rtl="0" eaLnBrk="1" latinLnBrk="0" hangingPunct="1">
+              <a:lnSpc>
+                <a:spcPct val="90000"/>
+              </a:lnSpc>
+              <a:spcBef>
+                <a:spcPts val="500"/>
+              </a:spcBef>
+              <a:buFont typeface="Arial" panose="020B0604020202020204" pitchFamily="34" charset="0"/>
+              <a:buChar char="•"/>
+              <a:defRPr sz="1800" kern="1200">
+                <a:solidFill>
+                  <a:schemeClr val="tx1"/>
+                </a:solidFill>
+                <a:latin typeface="+mn-lt"/>
+                <a:ea typeface="+mn-ea"/>
+                <a:cs typeface="+mn-cs"/>
+              </a:defRPr>
+            </a:lvl4pPr>
+            <a:lvl5pPr marL="2057400" indent="-228600" algn="l" defTabSz="914400" rtl="0" eaLnBrk="1" latinLnBrk="0" hangingPunct="1">
+              <a:lnSpc>
+                <a:spcPct val="90000"/>
+              </a:lnSpc>
+              <a:spcBef>
+                <a:spcPts val="500"/>
+              </a:spcBef>
+              <a:buFont typeface="Arial" panose="020B0604020202020204" pitchFamily="34" charset="0"/>
+              <a:buChar char="•"/>
+              <a:defRPr sz="1800" kern="1200">
+                <a:solidFill>
+                  <a:schemeClr val="tx1"/>
+                </a:solidFill>
+                <a:latin typeface="+mn-lt"/>
+                <a:ea typeface="+mn-ea"/>
+                <a:cs typeface="+mn-cs"/>
+              </a:defRPr>
+            </a:lvl5pPr>
+            <a:lvl6pPr marL="2514600" indent="-228600" algn="l" defTabSz="914400" rtl="0" eaLnBrk="1" latinLnBrk="0" hangingPunct="1">
+              <a:lnSpc>
+                <a:spcPct val="90000"/>
+              </a:lnSpc>
+              <a:spcBef>
+                <a:spcPts val="500"/>
+              </a:spcBef>
+              <a:buFont typeface="Arial" panose="020B0604020202020204" pitchFamily="34" charset="0"/>
+              <a:buChar char="•"/>
+              <a:defRPr sz="1800" kern="1200">
+                <a:solidFill>
+                  <a:schemeClr val="tx1"/>
+                </a:solidFill>
+                <a:latin typeface="+mn-lt"/>
+                <a:ea typeface="+mn-ea"/>
+                <a:cs typeface="+mn-cs"/>
+              </a:defRPr>
+            </a:lvl6pPr>
+            <a:lvl7pPr marL="2971800" indent="-228600" algn="l" defTabSz="914400" rtl="0" eaLnBrk="1" latinLnBrk="0" hangingPunct="1">
+              <a:lnSpc>
+                <a:spcPct val="90000"/>
+              </a:lnSpc>
+              <a:spcBef>
+                <a:spcPts val="500"/>
+              </a:spcBef>
+              <a:buFont typeface="Arial" panose="020B0604020202020204" pitchFamily="34" charset="0"/>
+              <a:buChar char="•"/>
+              <a:defRPr sz="1800" kern="1200">
+                <a:solidFill>
+                  <a:schemeClr val="tx1"/>
+                </a:solidFill>
+                <a:latin typeface="+mn-lt"/>
+                <a:ea typeface="+mn-ea"/>
+                <a:cs typeface="+mn-cs"/>
+              </a:defRPr>
+            </a:lvl7pPr>
+            <a:lvl8pPr marL="3429000" indent="-228600" algn="l" defTabSz="914400" rtl="0" eaLnBrk="1" latinLnBrk="0" hangingPunct="1">
+              <a:lnSpc>
+                <a:spcPct val="90000"/>
+              </a:lnSpc>
+              <a:spcBef>
+                <a:spcPts val="500"/>
+              </a:spcBef>
+              <a:buFont typeface="Arial" panose="020B0604020202020204" pitchFamily="34" charset="0"/>
+              <a:buChar char="•"/>
+              <a:defRPr sz="1800" kern="1200">
+                <a:solidFill>
+                  <a:schemeClr val="tx1"/>
+                </a:solidFill>
+                <a:latin typeface="+mn-lt"/>
+                <a:ea typeface="+mn-ea"/>
+                <a:cs typeface="+mn-cs"/>
+              </a:defRPr>
+            </a:lvl8pPr>
+            <a:lvl9pPr marL="3886200" indent="-228600" algn="l" defTabSz="914400" rtl="0" eaLnBrk="1" latinLnBrk="0" hangingPunct="1">
+              <a:lnSpc>
+                <a:spcPct val="90000"/>
+              </a:lnSpc>
+              <a:spcBef>
+                <a:spcPts val="500"/>
+              </a:spcBef>
+              <a:buFont typeface="Arial" panose="020B0604020202020204" pitchFamily="34" charset="0"/>
+              <a:buChar char="•"/>
+              <a:defRPr sz="1800" kern="1200">
+                <a:solidFill>
+                  <a:schemeClr val="tx1"/>
+                </a:solidFill>
+                <a:latin typeface="+mn-lt"/>
+                <a:ea typeface="+mn-ea"/>
+                <a:cs typeface="+mn-cs"/>
+              </a:defRPr>
+            </a:lvl9pPr>
+          </a:lstStyle>
+          <a:p>
+            <a:pPr marL="0" indent="0">
+              <a:buNone/>
+            </a:pPr>
+            <a:r>
+              <a:rPr lang="en-US" dirty="0"/>
+              <a:t>MFCC (Mel-Frequency Cepstral Coefficients)</a:t>
+            </a:r>
+          </a:p>
+          <a:p>
+            <a:pPr marL="0" indent="0">
+              <a:buFont typeface="Arial" panose="020B0604020202020204" pitchFamily="34" charset="0"/>
+              <a:buNone/>
+            </a:pPr>
+            <a:endParaRPr lang="en-US" dirty="0"/>
+          </a:p>
+        </p:txBody>
+      </p:sp>
+      <p:pic>
+        <p:nvPicPr>
+          <p:cNvPr id="11268" name="Picture 4" descr="a. Mel-frequency cepstral coefficients (MFCC)—deformed male speech (laryngean polypus); vowel /i/ (e.g., /pit/) with prolonged phonation before surgery. ">
+            <a:extLst>
+              <a:ext uri="{FF2B5EF4-FFF2-40B4-BE49-F238E27FC236}">
+                <a16:creationId xmlns:a16="http://schemas.microsoft.com/office/drawing/2014/main" id="{422DEAA3-0676-FAE1-0FB3-30C01B8C4CCF}"/>
+              </a:ext>
+            </a:extLst>
+          </p:cNvPr>
+          <p:cNvPicPr>
+            <a:picLocks noGrp="1" noChangeAspect="1" noChangeArrowheads="1"/>
+          </p:cNvPicPr>
+          <p:nvPr>
+            <p:ph idx="1"/>
+          </p:nvPr>
+        </p:nvPicPr>
+        <p:blipFill>
+          <a:blip r:embed="rId2">
+            <a:extLst>
+              <a:ext uri="{28A0092B-C50C-407E-A947-70E740481C1C}">
+                <a14:useLocalDpi xmlns:a14="http://schemas.microsoft.com/office/drawing/2010/main" val="0"/>
+              </a:ext>
+            </a:extLst>
+          </a:blip>
+          <a:srcRect/>
+          <a:stretch>
+            <a:fillRect/>
+          </a:stretch>
+        </p:blipFill>
+        <p:spPr bwMode="auto">
+          <a:xfrm>
+            <a:off x="3143539" y="2605382"/>
+            <a:ext cx="5560623" cy="3827529"/>
+          </a:xfrm>
+          <a:prstGeom prst="rect">
+            <a:avLst/>
+          </a:prstGeom>
+          <a:noFill/>
+          <a:extLst>
+            <a:ext uri="{909E8E84-426E-40DD-AFC4-6F175D3DCCD1}">
+              <a14:hiddenFill xmlns:a14="http://schemas.microsoft.com/office/drawing/2010/main">
+                <a:solidFill>
+                  <a:srgbClr val="FFFFFF"/>
+                </a:solidFill>
+              </a14:hiddenFill>
+            </a:ext>
+          </a:extLst>
+        </p:spPr>
+      </p:pic>
+    </p:spTree>
+    <p:extLst>
+      <p:ext uri="{BB962C8B-B14F-4D97-AF65-F5344CB8AC3E}">
+        <p14:creationId xmlns:p14="http://schemas.microsoft.com/office/powerpoint/2010/main" val="2444153553"/>
+      </p:ext>
+    </p:extLst>
+  </p:cSld>
+  <p:clrMapOvr>
+    <a:masterClrMapping/>
+  </p:clrMapOvr>
+</p:sld>
+</file>
+
+<file path=ppt/slides/slide32.xml><?xml version="1.0" encoding="utf-8"?>
+<p:sld xmlns:a="http://schemas.openxmlformats.org/drawingml/2006/main" xmlns:r="http://schemas.openxmlformats.org/officeDocument/2006/relationships" xmlns:p="http://schemas.openxmlformats.org/presentationml/2006/main">
+  <p:cSld>
+    <p:spTree>
+      <p:nvGrpSpPr>
+        <p:cNvPr id="1" name=""/>
+        <p:cNvGrpSpPr/>
+        <p:nvPr/>
+      </p:nvGrpSpPr>
+      <p:grpSpPr>
+        <a:xfrm>
+          <a:off x="0" y="0"/>
+          <a:ext cx="0" cy="0"/>
+          <a:chOff x="0" y="0"/>
+          <a:chExt cx="0" cy="0"/>
+        </a:xfrm>
+      </p:grpSpPr>
+      <p:sp>
+        <p:nvSpPr>
+          <p:cNvPr id="2" name="Title 1">
+            <a:extLst>
+              <a:ext uri="{FF2B5EF4-FFF2-40B4-BE49-F238E27FC236}">
+                <a16:creationId xmlns:a16="http://schemas.microsoft.com/office/drawing/2014/main" id="{7E688103-512F-6A81-9A67-3B787D1DA283}"/>
+              </a:ext>
+            </a:extLst>
+          </p:cNvPr>
+          <p:cNvSpPr>
+            <a:spLocks noGrp="1"/>
+          </p:cNvSpPr>
+          <p:nvPr>
+            <p:ph type="title"/>
+          </p:nvPr>
+        </p:nvSpPr>
+        <p:spPr/>
+        <p:txBody>
+          <a:bodyPr/>
+          <a:lstStyle/>
+          <a:p>
+            <a:r>
+              <a:rPr lang="en-US" b="1" dirty="0"/>
+              <a:t>4.2 Frequency Domain Feature</a:t>
+            </a:r>
+          </a:p>
+        </p:txBody>
+      </p:sp>
+      <p:sp>
+        <p:nvSpPr>
+          <p:cNvPr id="3" name="Content Placeholder 2">
+            <a:extLst>
+              <a:ext uri="{FF2B5EF4-FFF2-40B4-BE49-F238E27FC236}">
+                <a16:creationId xmlns:a16="http://schemas.microsoft.com/office/drawing/2014/main" id="{1C77F418-3056-7263-C737-316BA77E2D61}"/>
+              </a:ext>
+            </a:extLst>
+          </p:cNvPr>
+          <p:cNvSpPr>
+            <a:spLocks noGrp="1"/>
+          </p:cNvSpPr>
+          <p:nvPr>
+            <p:ph idx="1"/>
+          </p:nvPr>
+        </p:nvSpPr>
+        <p:spPr>
+          <a:xfrm>
+            <a:off x="838200" y="1825625"/>
+            <a:ext cx="10515600" cy="616633"/>
+          </a:xfrm>
+        </p:spPr>
+        <p:txBody>
+          <a:bodyPr/>
+          <a:lstStyle/>
+          <a:p>
+            <a:pPr marL="0" indent="0">
+              <a:buNone/>
+            </a:pPr>
+            <a:r>
+              <a:rPr lang="en-US" dirty="0"/>
+              <a:t>Mel Spectrogram</a:t>
+            </a:r>
+          </a:p>
+        </p:txBody>
+      </p:sp>
+      <p:pic>
+        <p:nvPicPr>
+          <p:cNvPr id="12292" name="Picture 4" descr="Understanding the Mel Spectrogram | by Leland Roberts | Analytics Vidhya |  Medium">
+            <a:extLst>
+              <a:ext uri="{FF2B5EF4-FFF2-40B4-BE49-F238E27FC236}">
+                <a16:creationId xmlns:a16="http://schemas.microsoft.com/office/drawing/2014/main" id="{D9729888-305C-1DCA-DAF2-A710AAABF9ED}"/>
+              </a:ext>
+            </a:extLst>
+          </p:cNvPr>
+          <p:cNvPicPr>
+            <a:picLocks noChangeAspect="1" noChangeArrowheads="1"/>
+          </p:cNvPicPr>
+          <p:nvPr/>
+        </p:nvPicPr>
+        <p:blipFill>
+          <a:blip r:embed="rId2">
+            <a:extLst>
+              <a:ext uri="{28A0092B-C50C-407E-A947-70E740481C1C}">
+                <a14:useLocalDpi xmlns:a14="http://schemas.microsoft.com/office/drawing/2010/main" val="0"/>
+              </a:ext>
+            </a:extLst>
+          </a:blip>
+          <a:srcRect/>
+          <a:stretch>
+            <a:fillRect/>
+          </a:stretch>
+        </p:blipFill>
+        <p:spPr bwMode="auto">
+          <a:xfrm>
+            <a:off x="3096410" y="2666100"/>
+            <a:ext cx="5515155" cy="3670085"/>
+          </a:xfrm>
+          <a:prstGeom prst="rect">
+            <a:avLst/>
+          </a:prstGeom>
+          <a:noFill/>
+          <a:extLst>
+            <a:ext uri="{909E8E84-426E-40DD-AFC4-6F175D3DCCD1}">
+              <a14:hiddenFill xmlns:a14="http://schemas.microsoft.com/office/drawing/2010/main">
+                <a:solidFill>
+                  <a:srgbClr val="FFFFFF"/>
+                </a:solidFill>
+              </a14:hiddenFill>
+            </a:ext>
+          </a:extLst>
+        </p:spPr>
+      </p:pic>
+    </p:spTree>
+    <p:extLst>
+      <p:ext uri="{BB962C8B-B14F-4D97-AF65-F5344CB8AC3E}">
+        <p14:creationId xmlns:p14="http://schemas.microsoft.com/office/powerpoint/2010/main" val="1077512660"/>
+      </p:ext>
+    </p:extLst>
+  </p:cSld>
+  <p:clrMapOvr>
+    <a:masterClrMapping/>
+  </p:clrMapOvr>
+</p:sld>
+</file>
+
+<file path=ppt/slides/slide33.xml><?xml version="1.0" encoding="utf-8"?>
+<p:sld xmlns:a="http://schemas.openxmlformats.org/drawingml/2006/main" xmlns:r="http://schemas.openxmlformats.org/officeDocument/2006/relationships" xmlns:p="http://schemas.openxmlformats.org/presentationml/2006/main">
+  <p:cSld>
+    <p:spTree>
+      <p:nvGrpSpPr>
+        <p:cNvPr id="1" name=""/>
+        <p:cNvGrpSpPr/>
+        <p:nvPr/>
+      </p:nvGrpSpPr>
+      <p:grpSpPr>
+        <a:xfrm>
+          <a:off x="0" y="0"/>
+          <a:ext cx="0" cy="0"/>
+          <a:chOff x="0" y="0"/>
+          <a:chExt cx="0" cy="0"/>
+        </a:xfrm>
+      </p:grpSpPr>
+      <p:sp>
+        <p:nvSpPr>
+          <p:cNvPr id="2" name="Title 1">
+            <a:extLst>
+              <a:ext uri="{FF2B5EF4-FFF2-40B4-BE49-F238E27FC236}">
+                <a16:creationId xmlns:a16="http://schemas.microsoft.com/office/drawing/2014/main" id="{D4E5CF11-FF0F-184C-F0B1-39E1818C9DF7}"/>
+              </a:ext>
+            </a:extLst>
+          </p:cNvPr>
+          <p:cNvSpPr>
+            <a:spLocks noGrp="1"/>
+          </p:cNvSpPr>
+          <p:nvPr>
+            <p:ph type="title"/>
+          </p:nvPr>
+        </p:nvSpPr>
+        <p:spPr/>
+        <p:txBody>
+          <a:bodyPr/>
+          <a:lstStyle/>
+          <a:p>
+            <a:r>
+              <a:rPr lang="en-US" b="1" dirty="0"/>
+              <a:t>4.3 Feature Extracting Method</a:t>
+            </a:r>
+          </a:p>
+        </p:txBody>
+      </p:sp>
+      <p:sp>
+        <p:nvSpPr>
+          <p:cNvPr id="3" name="Content Placeholder 2">
+            <a:extLst>
+              <a:ext uri="{FF2B5EF4-FFF2-40B4-BE49-F238E27FC236}">
+                <a16:creationId xmlns:a16="http://schemas.microsoft.com/office/drawing/2014/main" id="{91287E87-8398-E3F3-D538-004667A9A966}"/>
+              </a:ext>
+            </a:extLst>
+          </p:cNvPr>
+          <p:cNvSpPr>
+            <a:spLocks noGrp="1"/>
+          </p:cNvSpPr>
+          <p:nvPr>
+            <p:ph idx="1"/>
+          </p:nvPr>
+        </p:nvSpPr>
+        <p:spPr>
+          <a:xfrm>
+            <a:off x="838200" y="1825625"/>
+            <a:ext cx="10515600" cy="674507"/>
+          </a:xfrm>
+        </p:spPr>
+        <p:txBody>
+          <a:bodyPr>
+            <a:normAutofit/>
+          </a:bodyPr>
+          <a:lstStyle/>
+          <a:p>
+            <a:pPr marL="0" indent="0">
+              <a:buNone/>
+            </a:pPr>
+            <a:r>
+              <a:rPr lang="en-US" dirty="0"/>
+              <a:t>Asynchronous Processing: 1039 secs</a:t>
+            </a:r>
+          </a:p>
+          <a:p>
+            <a:pPr marL="0" indent="0">
+              <a:buNone/>
+            </a:pPr>
+            <a:endParaRPr lang="en-US" dirty="0"/>
+          </a:p>
+          <a:p>
+            <a:endParaRPr lang="en-US" dirty="0"/>
+          </a:p>
+        </p:txBody>
+      </p:sp>
+      <p:sp>
+        <p:nvSpPr>
+          <p:cNvPr id="12" name="Content Placeholder 2">
+            <a:extLst>
+              <a:ext uri="{FF2B5EF4-FFF2-40B4-BE49-F238E27FC236}">
+                <a16:creationId xmlns:a16="http://schemas.microsoft.com/office/drawing/2014/main" id="{E387F391-962B-C53A-7507-06F995AAD93F}"/>
+              </a:ext>
+            </a:extLst>
+          </p:cNvPr>
+          <p:cNvSpPr txBox="1">
+            <a:spLocks/>
+          </p:cNvSpPr>
+          <p:nvPr/>
+        </p:nvSpPr>
+        <p:spPr>
+          <a:xfrm>
+            <a:off x="838200" y="3091746"/>
+            <a:ext cx="10515600" cy="674507"/>
+          </a:xfrm>
+          <a:prstGeom prst="rect">
+            <a:avLst/>
+          </a:prstGeom>
+        </p:spPr>
+        <p:txBody>
+          <a:bodyPr vert="horz" lIns="91440" tIns="45720" rIns="91440" bIns="45720" rtlCol="0">
+            <a:normAutofit/>
+          </a:bodyPr>
+          <a:lstStyle>
+            <a:lvl1pPr indent="0">
+              <a:lnSpc>
+                <a:spcPct val="90000"/>
+              </a:lnSpc>
+              <a:spcBef>
+                <a:spcPts val="1000"/>
+              </a:spcBef>
+              <a:buFont typeface="Arial" panose="020B0604020202020204" pitchFamily="34" charset="0"/>
+              <a:buNone/>
+              <a:defRPr sz="2800"/>
+            </a:lvl1pPr>
+            <a:lvl2pPr marL="685800" indent="-228600">
+              <a:lnSpc>
+                <a:spcPct val="90000"/>
+              </a:lnSpc>
+              <a:spcBef>
+                <a:spcPts val="500"/>
+              </a:spcBef>
+              <a:buFont typeface="Arial" panose="020B0604020202020204" pitchFamily="34" charset="0"/>
+              <a:buChar char="•"/>
+              <a:defRPr sz="2400"/>
+            </a:lvl2pPr>
+            <a:lvl3pPr marL="1143000" indent="-228600">
+              <a:lnSpc>
+                <a:spcPct val="90000"/>
+              </a:lnSpc>
+              <a:spcBef>
+                <a:spcPts val="500"/>
+              </a:spcBef>
+              <a:buFont typeface="Arial" panose="020B0604020202020204" pitchFamily="34" charset="0"/>
+              <a:buChar char="•"/>
+              <a:defRPr sz="2000"/>
+            </a:lvl3pPr>
+            <a:lvl4pPr marL="1600200" indent="-228600">
+              <a:lnSpc>
+                <a:spcPct val="90000"/>
+              </a:lnSpc>
+              <a:spcBef>
+                <a:spcPts val="500"/>
+              </a:spcBef>
+              <a:buFont typeface="Arial" panose="020B0604020202020204" pitchFamily="34" charset="0"/>
+              <a:buChar char="•"/>
+            </a:lvl4pPr>
+            <a:lvl5pPr marL="2057400" indent="-228600">
+              <a:lnSpc>
+                <a:spcPct val="90000"/>
+              </a:lnSpc>
+              <a:spcBef>
+                <a:spcPts val="500"/>
+              </a:spcBef>
+              <a:buFont typeface="Arial" panose="020B0604020202020204" pitchFamily="34" charset="0"/>
+              <a:buChar char="•"/>
+            </a:lvl5pPr>
+            <a:lvl6pPr marL="2514600" indent="-228600">
+              <a:lnSpc>
+                <a:spcPct val="90000"/>
+              </a:lnSpc>
+              <a:spcBef>
+                <a:spcPts val="500"/>
+              </a:spcBef>
+              <a:buFont typeface="Arial" panose="020B0604020202020204" pitchFamily="34" charset="0"/>
+              <a:buChar char="•"/>
+            </a:lvl6pPr>
+            <a:lvl7pPr marL="2971800" indent="-228600">
+              <a:lnSpc>
+                <a:spcPct val="90000"/>
+              </a:lnSpc>
+              <a:spcBef>
+                <a:spcPts val="500"/>
+              </a:spcBef>
+              <a:buFont typeface="Arial" panose="020B0604020202020204" pitchFamily="34" charset="0"/>
+              <a:buChar char="•"/>
+            </a:lvl7pPr>
+            <a:lvl8pPr marL="3429000" indent="-228600">
+              <a:lnSpc>
+                <a:spcPct val="90000"/>
+              </a:lnSpc>
+              <a:spcBef>
+                <a:spcPts val="500"/>
+              </a:spcBef>
+              <a:buFont typeface="Arial" panose="020B0604020202020204" pitchFamily="34" charset="0"/>
+              <a:buChar char="•"/>
+            </a:lvl8pPr>
+            <a:lvl9pPr marL="3886200" indent="-228600">
+              <a:lnSpc>
+                <a:spcPct val="90000"/>
+              </a:lnSpc>
+              <a:spcBef>
+                <a:spcPts val="500"/>
+              </a:spcBef>
+              <a:buFont typeface="Arial" panose="020B0604020202020204" pitchFamily="34" charset="0"/>
+              <a:buChar char="•"/>
+            </a:lvl9pPr>
+          </a:lstStyle>
+          <a:p>
+            <a:r>
+              <a:rPr lang="en-US" dirty="0"/>
+              <a:t>Parallel Processing: 250 secs (using </a:t>
+            </a:r>
+            <a:r>
+              <a:rPr lang="en-US" dirty="0" err="1"/>
+              <a:t>Joblib</a:t>
+            </a:r>
+            <a:r>
+              <a:rPr lang="en-US" dirty="0"/>
+              <a:t>) </a:t>
+            </a:r>
+          </a:p>
+          <a:p>
+            <a:endParaRPr lang="en-US" dirty="0"/>
+          </a:p>
+          <a:p>
+            <a:endParaRPr lang="en-US" dirty="0"/>
+          </a:p>
+        </p:txBody>
+      </p:sp>
+    </p:spTree>
+    <p:extLst>
+      <p:ext uri="{BB962C8B-B14F-4D97-AF65-F5344CB8AC3E}">
+        <p14:creationId xmlns:p14="http://schemas.microsoft.com/office/powerpoint/2010/main" val="2671257243"/>
+      </p:ext>
+    </p:extLst>
+  </p:cSld>
+  <p:clrMapOvr>
+    <a:masterClrMapping/>
+  </p:clrMapOvr>
+  <p:timing>
+    <p:tnLst>
+      <p:par>
+        <p:cTn id="1" dur="indefinite" restart="never" nodeType="tmRoot">
+          <p:childTnLst>
+            <p:seq concurrent="1" nextAc="seek">
+              <p:cTn id="2" dur="indefinite" nodeType="mainSeq">
+                <p:childTnLst>
+                  <p:par>
+                    <p:cTn id="3" fill="hold">
+                      <p:stCondLst>
+                        <p:cond delay="indefinite"/>
+                      </p:stCondLst>
+                      <p:childTnLst>
+                        <p:par>
+                          <p:cTn id="4" fill="hold">
+                            <p:stCondLst>
+                              <p:cond delay="0"/>
+                            </p:stCondLst>
+                            <p:childTnLst>
+                              <p:par>
+                                <p:cTn id="5" presetID="1" presetClass="entr" presetSubtype="0" fill="hold" grpId="0" nodeType="clickEffect">
+                                  <p:stCondLst>
+                                    <p:cond delay="0"/>
+                                  </p:stCondLst>
+                                  <p:childTnLst>
+                                    <p:set>
+                                      <p:cBhvr>
+                                        <p:cTn id="6" dur="1" fill="hold">
+                                          <p:stCondLst>
+                                            <p:cond delay="0"/>
+                                          </p:stCondLst>
+                                        </p:cTn>
+                                        <p:tgtEl>
+                                          <p:spTgt spid="3">
+                                            <p:txEl>
+                                              <p:pRg st="0" end="0"/>
+                                            </p:txEl>
+                                          </p:spTgt>
+                                        </p:tgtEl>
+                                        <p:attrNameLst>
+                                          <p:attrName>style.visibility</p:attrName>
+                                        </p:attrNameLst>
+                                      </p:cBhvr>
+                                      <p:to>
+                                        <p:strVal val="visible"/>
+                                      </p:to>
+                                    </p:set>
+                                  </p:childTnLst>
+                                </p:cTn>
+                              </p:par>
+                            </p:childTnLst>
+                          </p:cTn>
+                        </p:par>
+                      </p:childTnLst>
+                    </p:cTn>
+                  </p:par>
+                  <p:par>
+                    <p:cTn id="7" fill="hold">
+                      <p:stCondLst>
+                        <p:cond delay="indefinite"/>
+                      </p:stCondLst>
+                      <p:childTnLst>
+                        <p:par>
+                          <p:cTn id="8" fill="hold">
+                            <p:stCondLst>
+                              <p:cond delay="0"/>
+                            </p:stCondLst>
+                            <p:childTnLst>
+                              <p:par>
+                                <p:cTn id="9" presetID="1" presetClass="entr" presetSubtype="0" fill="hold" grpId="0" nodeType="clickEffect">
+                                  <p:stCondLst>
+                                    <p:cond delay="0"/>
+                                  </p:stCondLst>
+                                  <p:childTnLst>
+                                    <p:set>
+                                      <p:cBhvr>
+                                        <p:cTn id="10" dur="1" fill="hold">
+                                          <p:stCondLst>
+                                            <p:cond delay="0"/>
+                                          </p:stCondLst>
+                                        </p:cTn>
+                                        <p:tgtEl>
+                                          <p:spTgt spid="12"/>
+                                        </p:tgtEl>
+                                        <p:attrNameLst>
+                                          <p:attrName>style.visibility</p:attrName>
+                                        </p:attrNameLst>
+                                      </p:cBhvr>
+                                      <p:to>
+                                        <p:strVal val="visible"/>
+                                      </p:to>
+                                    </p:set>
+                                  </p:childTnLst>
+                                </p:cTn>
+                              </p:par>
+                            </p:childTnLst>
+                          </p:cTn>
+                        </p:par>
+                      </p:childTnLst>
+                    </p:cTn>
+                  </p:par>
+                </p:childTnLst>
+              </p:cTn>
+              <p:prevCondLst>
+                <p:cond evt="onPrev" delay="0">
+                  <p:tgtEl>
+                    <p:sldTgt/>
+                  </p:tgtEl>
+                </p:cond>
+              </p:prevCondLst>
+              <p:nextCondLst>
+                <p:cond evt="onNext" delay="0">
+                  <p:tgtEl>
+                    <p:sldTgt/>
+                  </p:tgtEl>
+                </p:cond>
+              </p:nextCondLst>
+            </p:seq>
+          </p:childTnLst>
+        </p:cTn>
+      </p:par>
+    </p:tnLst>
+    <p:bldLst>
+      <p:bldP spid="3" grpId="0" build="p"/>
+      <p:bldP spid="12" grpId="0"/>
+    </p:bldLst>
+  </p:timing>
+</p:sld>
+</file>
+
+<file path=ppt/slides/slide34.xml><?xml version="1.0" encoding="utf-8"?>
+<p:sld xmlns:a="http://schemas.openxmlformats.org/drawingml/2006/main" xmlns:r="http://schemas.openxmlformats.org/officeDocument/2006/relationships" xmlns:p="http://schemas.openxmlformats.org/presentationml/2006/main">
+  <p:cSld>
+    <p:spTree>
+      <p:nvGrpSpPr>
+        <p:cNvPr id="1" name=""/>
+        <p:cNvGrpSpPr/>
+        <p:nvPr/>
+      </p:nvGrpSpPr>
+      <p:grpSpPr>
+        <a:xfrm>
+          <a:off x="0" y="0"/>
+          <a:ext cx="0" cy="0"/>
+          <a:chOff x="0" y="0"/>
+          <a:chExt cx="0" cy="0"/>
+        </a:xfrm>
+      </p:grpSpPr>
+      <p:sp>
+        <p:nvSpPr>
+          <p:cNvPr id="2" name="Title 1">
+            <a:extLst>
+              <a:ext uri="{FF2B5EF4-FFF2-40B4-BE49-F238E27FC236}">
                 <a16:creationId xmlns:a16="http://schemas.microsoft.com/office/drawing/2014/main" id="{5BAED0B0-3A81-9904-993C-C3D25D57C63C}"/>
               </a:ext>
             </a:extLst>
@@ -9012,7 +9420,7 @@
 </p:sld>
 </file>
 
-<file path=ppt/slides/slide31.xml><?xml version="1.0" encoding="utf-8"?>
+<file path=ppt/slides/slide35.xml><?xml version="1.0" encoding="utf-8"?>
 <p:sld xmlns:a="http://schemas.openxmlformats.org/drawingml/2006/main" xmlns:r="http://schemas.openxmlformats.org/officeDocument/2006/relationships" xmlns:p="http://schemas.openxmlformats.org/presentationml/2006/main">
   <p:cSld>
     <p:spTree>
@@ -11085,7 +11493,7 @@
 </p:sld>
 </file>
 
-<file path=ppt/slides/slide32.xml><?xml version="1.0" encoding="utf-8"?>
+<file path=ppt/slides/slide36.xml><?xml version="1.0" encoding="utf-8"?>
 <p:sld xmlns:a="http://schemas.openxmlformats.org/drawingml/2006/main" xmlns:r="http://schemas.openxmlformats.org/officeDocument/2006/relationships" xmlns:p="http://schemas.openxmlformats.org/presentationml/2006/main">
   <p:cSld>
     <p:spTree>
@@ -11389,7 +11797,7 @@
 </p:sld>
 </file>
 
-<file path=ppt/slides/slide33.xml><?xml version="1.0" encoding="utf-8"?>
+<file path=ppt/slides/slide37.xml><?xml version="1.0" encoding="utf-8"?>
 <p:sld xmlns:a="http://schemas.openxmlformats.org/drawingml/2006/main" xmlns:r="http://schemas.openxmlformats.org/officeDocument/2006/relationships" xmlns:p="http://schemas.openxmlformats.org/presentationml/2006/main">
   <p:cSld>
     <p:spTree>
@@ -11772,7 +12180,7 @@
 </p:sld>
 </file>
 
-<file path=ppt/slides/slide34.xml><?xml version="1.0" encoding="utf-8"?>
+<file path=ppt/slides/slide38.xml><?xml version="1.0" encoding="utf-8"?>
 <p:sld xmlns:a="http://schemas.openxmlformats.org/drawingml/2006/main" xmlns:r="http://schemas.openxmlformats.org/officeDocument/2006/relationships" xmlns:p="http://schemas.openxmlformats.org/presentationml/2006/main">
   <p:cSld>
     <p:spTree>
@@ -11855,7 +12263,7 @@
 </p:sld>
 </file>
 
-<file path=ppt/slides/slide35.xml><?xml version="1.0" encoding="utf-8"?>
+<file path=ppt/slides/slide39.xml><?xml version="1.0" encoding="utf-8"?>
 <p:sld xmlns:a="http://schemas.openxmlformats.org/drawingml/2006/main" xmlns:r="http://schemas.openxmlformats.org/officeDocument/2006/relationships" xmlns:p="http://schemas.openxmlformats.org/presentationml/2006/main">
   <p:cSld>
     <p:spTree>
@@ -11999,456 +12407,6 @@
     <p:extLst>
       <p:ext uri="{BB962C8B-B14F-4D97-AF65-F5344CB8AC3E}">
         <p14:creationId xmlns:p14="http://schemas.microsoft.com/office/powerpoint/2010/main" val="2413346431"/>
-      </p:ext>
-    </p:extLst>
-  </p:cSld>
-  <p:clrMapOvr>
-    <a:masterClrMapping/>
-  </p:clrMapOvr>
-</p:sld>
-</file>
-
-<file path=ppt/slides/slide36.xml><?xml version="1.0" encoding="utf-8"?>
-<p:sld xmlns:a="http://schemas.openxmlformats.org/drawingml/2006/main" xmlns:r="http://schemas.openxmlformats.org/officeDocument/2006/relationships" xmlns:p="http://schemas.openxmlformats.org/presentationml/2006/main">
-  <p:cSld>
-    <p:spTree>
-      <p:nvGrpSpPr>
-        <p:cNvPr id="1" name="">
-          <a:extLst>
-            <a:ext uri="{FF2B5EF4-FFF2-40B4-BE49-F238E27FC236}">
-              <a16:creationId xmlns:a16="http://schemas.microsoft.com/office/drawing/2014/main" id="{8D0145D4-76C7-C85E-6723-4B20F099FAAE}"/>
-            </a:ext>
-          </a:extLst>
-        </p:cNvPr>
-        <p:cNvGrpSpPr/>
-        <p:nvPr/>
-      </p:nvGrpSpPr>
-      <p:grpSpPr>
-        <a:xfrm>
-          <a:off x="0" y="0"/>
-          <a:ext cx="0" cy="0"/>
-          <a:chOff x="0" y="0"/>
-          <a:chExt cx="0" cy="0"/>
-        </a:xfrm>
-      </p:grpSpPr>
-      <p:pic>
-        <p:nvPicPr>
-          <p:cNvPr id="11" name="Picture 2" descr="No description has been provided for this image">
-            <a:extLst>
-              <a:ext uri="{FF2B5EF4-FFF2-40B4-BE49-F238E27FC236}">
-                <a16:creationId xmlns:a16="http://schemas.microsoft.com/office/drawing/2014/main" id="{EF0A62CE-B07A-3853-A8BE-C7682505CAFD}"/>
-              </a:ext>
-            </a:extLst>
-          </p:cNvPr>
-          <p:cNvPicPr>
-            <a:picLocks noGrp="1" noChangeAspect="1" noChangeArrowheads="1"/>
-          </p:cNvPicPr>
-          <p:nvPr>
-            <p:ph idx="1"/>
-          </p:nvPr>
-        </p:nvPicPr>
-        <p:blipFill>
-          <a:blip r:embed="rId2">
-            <a:extLst>
-              <a:ext uri="{28A0092B-C50C-407E-A947-70E740481C1C}">
-                <a14:useLocalDpi xmlns:a14="http://schemas.microsoft.com/office/drawing/2010/main" val="0"/>
-              </a:ext>
-            </a:extLst>
-          </a:blip>
-          <a:srcRect/>
-          <a:stretch>
-            <a:fillRect/>
-          </a:stretch>
-        </p:blipFill>
-        <p:spPr bwMode="auto">
-          <a:xfrm>
-            <a:off x="2194509" y="-20580"/>
-            <a:ext cx="7400904" cy="5990485"/>
-          </a:xfrm>
-          <a:prstGeom prst="rect">
-            <a:avLst/>
-          </a:prstGeom>
-          <a:noFill/>
-          <a:extLst>
-            <a:ext uri="{909E8E84-426E-40DD-AFC4-6F175D3DCCD1}">
-              <a14:hiddenFill xmlns:a14="http://schemas.microsoft.com/office/drawing/2010/main">
-                <a:solidFill>
-                  <a:srgbClr val="FFFFFF"/>
-                </a:solidFill>
-              </a14:hiddenFill>
-            </a:ext>
-          </a:extLst>
-        </p:spPr>
-      </p:pic>
-      <p:sp>
-        <p:nvSpPr>
-          <p:cNvPr id="14" name="Title 1">
-            <a:extLst>
-              <a:ext uri="{FF2B5EF4-FFF2-40B4-BE49-F238E27FC236}">
-                <a16:creationId xmlns:a16="http://schemas.microsoft.com/office/drawing/2014/main" id="{8D5E4122-B5A3-E105-59B7-86BCB6881597}"/>
-              </a:ext>
-            </a:extLst>
-          </p:cNvPr>
-          <p:cNvSpPr>
-            <a:spLocks noGrp="1"/>
-          </p:cNvSpPr>
-          <p:nvPr>
-            <p:ph type="title"/>
-          </p:nvPr>
-        </p:nvSpPr>
-        <p:spPr>
-          <a:xfrm>
-            <a:off x="1243313" y="6114588"/>
-            <a:ext cx="9116028" cy="665021"/>
-          </a:xfrm>
-        </p:spPr>
-        <p:txBody>
-          <a:bodyPr>
-            <a:normAutofit/>
-          </a:bodyPr>
-          <a:lstStyle/>
-          <a:p>
-            <a:pPr algn="ctr"/>
-            <a:r>
-              <a:rPr lang="en-US" sz="2500" i="1" dirty="0"/>
-              <a:t>Confusion Matrix</a:t>
-            </a:r>
-          </a:p>
-        </p:txBody>
-      </p:sp>
-    </p:spTree>
-    <p:extLst>
-      <p:ext uri="{BB962C8B-B14F-4D97-AF65-F5344CB8AC3E}">
-        <p14:creationId xmlns:p14="http://schemas.microsoft.com/office/powerpoint/2010/main" val="1963407820"/>
-      </p:ext>
-    </p:extLst>
-  </p:cSld>
-  <p:clrMapOvr>
-    <a:masterClrMapping/>
-  </p:clrMapOvr>
-</p:sld>
-</file>
-
-<file path=ppt/slides/slide37.xml><?xml version="1.0" encoding="utf-8"?>
-<p:sld xmlns:a="http://schemas.openxmlformats.org/drawingml/2006/main" xmlns:r="http://schemas.openxmlformats.org/officeDocument/2006/relationships" xmlns:p="http://schemas.openxmlformats.org/presentationml/2006/main">
-  <p:cSld>
-    <p:spTree>
-      <p:nvGrpSpPr>
-        <p:cNvPr id="1" name="">
-          <a:extLst>
-            <a:ext uri="{FF2B5EF4-FFF2-40B4-BE49-F238E27FC236}">
-              <a16:creationId xmlns:a16="http://schemas.microsoft.com/office/drawing/2014/main" id="{C4C5BD9D-03A9-2A81-27A9-F443EFD6FA89}"/>
-            </a:ext>
-          </a:extLst>
-        </p:cNvPr>
-        <p:cNvGrpSpPr/>
-        <p:nvPr/>
-      </p:nvGrpSpPr>
-      <p:grpSpPr>
-        <a:xfrm>
-          <a:off x="0" y="0"/>
-          <a:ext cx="0" cy="0"/>
-          <a:chOff x="0" y="0"/>
-          <a:chExt cx="0" cy="0"/>
-        </a:xfrm>
-      </p:grpSpPr>
-      <p:pic>
-        <p:nvPicPr>
-          <p:cNvPr id="4" name="Picture 3">
-            <a:extLst>
-              <a:ext uri="{FF2B5EF4-FFF2-40B4-BE49-F238E27FC236}">
-                <a16:creationId xmlns:a16="http://schemas.microsoft.com/office/drawing/2014/main" id="{B81A8444-6C26-3DEF-995E-3CEB87221F57}"/>
-              </a:ext>
-            </a:extLst>
-          </p:cNvPr>
-          <p:cNvPicPr>
-            <a:picLocks noChangeAspect="1"/>
-          </p:cNvPicPr>
-          <p:nvPr/>
-        </p:nvPicPr>
-        <p:blipFill>
-          <a:blip r:embed="rId2"/>
-          <a:stretch>
-            <a:fillRect/>
-          </a:stretch>
-        </p:blipFill>
-        <p:spPr>
-          <a:xfrm>
-            <a:off x="1134420" y="694481"/>
-            <a:ext cx="9923159" cy="4999025"/>
-          </a:xfrm>
-          <a:prstGeom prst="rect">
-            <a:avLst/>
-          </a:prstGeom>
-        </p:spPr>
-      </p:pic>
-      <p:sp>
-        <p:nvSpPr>
-          <p:cNvPr id="5" name="Title 1">
-            <a:extLst>
-              <a:ext uri="{FF2B5EF4-FFF2-40B4-BE49-F238E27FC236}">
-                <a16:creationId xmlns:a16="http://schemas.microsoft.com/office/drawing/2014/main" id="{6B9349B1-58E6-35A3-63EB-88953F3E80B4}"/>
-              </a:ext>
-            </a:extLst>
-          </p:cNvPr>
-          <p:cNvSpPr>
-            <a:spLocks noGrp="1"/>
-          </p:cNvSpPr>
-          <p:nvPr>
-            <p:ph type="title"/>
-          </p:nvPr>
-        </p:nvSpPr>
-        <p:spPr>
-          <a:xfrm>
-            <a:off x="1266463" y="5585308"/>
-            <a:ext cx="9116028" cy="665021"/>
-          </a:xfrm>
-        </p:spPr>
-        <p:txBody>
-          <a:bodyPr>
-            <a:normAutofit/>
-          </a:bodyPr>
-          <a:lstStyle/>
-          <a:p>
-            <a:pPr algn="ctr"/>
-            <a:r>
-              <a:rPr lang="en-US" sz="2500" i="1" dirty="0"/>
-              <a:t>Classification Report</a:t>
-            </a:r>
-          </a:p>
-        </p:txBody>
-      </p:sp>
-    </p:spTree>
-    <p:extLst>
-      <p:ext uri="{BB962C8B-B14F-4D97-AF65-F5344CB8AC3E}">
-        <p14:creationId xmlns:p14="http://schemas.microsoft.com/office/powerpoint/2010/main" val="2725259076"/>
-      </p:ext>
-    </p:extLst>
-  </p:cSld>
-  <p:clrMapOvr>
-    <a:masterClrMapping/>
-  </p:clrMapOvr>
-</p:sld>
-</file>
-
-<file path=ppt/slides/slide38.xml><?xml version="1.0" encoding="utf-8"?>
-<p:sld xmlns:a="http://schemas.openxmlformats.org/drawingml/2006/main" xmlns:r="http://schemas.openxmlformats.org/officeDocument/2006/relationships" xmlns:p="http://schemas.openxmlformats.org/presentationml/2006/main">
-  <p:cSld>
-    <p:spTree>
-      <p:nvGrpSpPr>
-        <p:cNvPr id="1" name=""/>
-        <p:cNvGrpSpPr/>
-        <p:nvPr/>
-      </p:nvGrpSpPr>
-      <p:grpSpPr>
-        <a:xfrm>
-          <a:off x="0" y="0"/>
-          <a:ext cx="0" cy="0"/>
-          <a:chOff x="0" y="0"/>
-          <a:chExt cx="0" cy="0"/>
-        </a:xfrm>
-      </p:grpSpPr>
-      <p:sp>
-        <p:nvSpPr>
-          <p:cNvPr id="2" name="Title 1">
-            <a:extLst>
-              <a:ext uri="{FF2B5EF4-FFF2-40B4-BE49-F238E27FC236}">
-                <a16:creationId xmlns:a16="http://schemas.microsoft.com/office/drawing/2014/main" id="{925DD3E3-220A-7E72-709B-FBB8F00C9321}"/>
-              </a:ext>
-            </a:extLst>
-          </p:cNvPr>
-          <p:cNvSpPr>
-            <a:spLocks noGrp="1"/>
-          </p:cNvSpPr>
-          <p:nvPr>
-            <p:ph type="title"/>
-          </p:nvPr>
-        </p:nvSpPr>
-        <p:spPr/>
-        <p:txBody>
-          <a:bodyPr/>
-          <a:lstStyle/>
-          <a:p>
-            <a:r>
-              <a:rPr lang="en-US" b="1" dirty="0"/>
-              <a:t>6.2 Evaluate Evaluation Based On 2 Data Sets</a:t>
-            </a:r>
-            <a:br>
-              <a:rPr lang="en-US" b="1" dirty="0"/>
-            </a:br>
-            <a:r>
-              <a:rPr lang="en-US" b="1" dirty="0"/>
-              <a:t>(Rav &amp; Tess)</a:t>
-            </a:r>
-          </a:p>
-        </p:txBody>
-      </p:sp>
-      <p:sp>
-        <p:nvSpPr>
-          <p:cNvPr id="7" name="TextBox 6">
-            <a:extLst>
-              <a:ext uri="{FF2B5EF4-FFF2-40B4-BE49-F238E27FC236}">
-                <a16:creationId xmlns:a16="http://schemas.microsoft.com/office/drawing/2014/main" id="{6E88B2C6-E21B-1C9B-C9D9-F844B739EFE9}"/>
-              </a:ext>
-            </a:extLst>
-          </p:cNvPr>
-          <p:cNvSpPr txBox="1"/>
-          <p:nvPr/>
-        </p:nvSpPr>
-        <p:spPr>
-          <a:xfrm>
-            <a:off x="3048000" y="6123543"/>
-            <a:ext cx="6096000" cy="369332"/>
-          </a:xfrm>
-          <a:prstGeom prst="rect">
-            <a:avLst/>
-          </a:prstGeom>
-          <a:noFill/>
-        </p:spPr>
-        <p:txBody>
-          <a:bodyPr wrap="square">
-            <a:spAutoFit/>
-          </a:bodyPr>
-          <a:lstStyle/>
-          <a:p>
-            <a:pPr algn="ctr"/>
-            <a:r>
-              <a:rPr lang="en-US" sz="1800" dirty="0">
-                <a:latin typeface="+mn-lt"/>
-                <a:ea typeface="+mn-ea"/>
-                <a:cs typeface="+mn-cs"/>
-              </a:rPr>
-              <a:t>Accuracy of the model on test data (Rav &amp; Tess): 80.18%</a:t>
-            </a:r>
-            <a:endParaRPr lang="en-US" dirty="0"/>
-          </a:p>
-        </p:txBody>
-      </p:sp>
-      <p:pic>
-        <p:nvPicPr>
-          <p:cNvPr id="13" name="Picture 12">
-            <a:extLst>
-              <a:ext uri="{FF2B5EF4-FFF2-40B4-BE49-F238E27FC236}">
-                <a16:creationId xmlns:a16="http://schemas.microsoft.com/office/drawing/2014/main" id="{38BD186D-DCB0-972F-130A-9CCA9D72CB73}"/>
-              </a:ext>
-            </a:extLst>
-          </p:cNvPr>
-          <p:cNvPicPr>
-            <a:picLocks noChangeAspect="1"/>
-          </p:cNvPicPr>
-          <p:nvPr/>
-        </p:nvPicPr>
-        <p:blipFill>
-          <a:blip r:embed="rId2"/>
-          <a:stretch>
-            <a:fillRect/>
-          </a:stretch>
-        </p:blipFill>
-        <p:spPr>
-          <a:xfrm>
-            <a:off x="0" y="1434225"/>
-            <a:ext cx="12192000" cy="3989549"/>
-          </a:xfrm>
-          <a:prstGeom prst="rect">
-            <a:avLst/>
-          </a:prstGeom>
-        </p:spPr>
-      </p:pic>
-    </p:spTree>
-    <p:extLst>
-      <p:ext uri="{BB962C8B-B14F-4D97-AF65-F5344CB8AC3E}">
-        <p14:creationId xmlns:p14="http://schemas.microsoft.com/office/powerpoint/2010/main" val="4051986872"/>
-      </p:ext>
-    </p:extLst>
-  </p:cSld>
-  <p:clrMapOvr>
-    <a:masterClrMapping/>
-  </p:clrMapOvr>
-</p:sld>
-</file>
-
-<file path=ppt/slides/slide39.xml><?xml version="1.0" encoding="utf-8"?>
-<p:sld xmlns:a="http://schemas.openxmlformats.org/drawingml/2006/main" xmlns:r="http://schemas.openxmlformats.org/officeDocument/2006/relationships" xmlns:p="http://schemas.openxmlformats.org/presentationml/2006/main">
-  <p:cSld>
-    <p:spTree>
-      <p:nvGrpSpPr>
-        <p:cNvPr id="1" name="">
-          <a:extLst>
-            <a:ext uri="{FF2B5EF4-FFF2-40B4-BE49-F238E27FC236}">
-              <a16:creationId xmlns:a16="http://schemas.microsoft.com/office/drawing/2014/main" id="{B4FBA6FF-9687-7250-010D-F8256F24F6BA}"/>
-            </a:ext>
-          </a:extLst>
-        </p:cNvPr>
-        <p:cNvGrpSpPr/>
-        <p:nvPr/>
-      </p:nvGrpSpPr>
-      <p:grpSpPr>
-        <a:xfrm>
-          <a:off x="0" y="0"/>
-          <a:ext cx="0" cy="0"/>
-          <a:chOff x="0" y="0"/>
-          <a:chExt cx="0" cy="0"/>
-        </a:xfrm>
-      </p:grpSpPr>
-      <p:pic>
-        <p:nvPicPr>
-          <p:cNvPr id="10" name="Picture 9">
-            <a:extLst>
-              <a:ext uri="{FF2B5EF4-FFF2-40B4-BE49-F238E27FC236}">
-                <a16:creationId xmlns:a16="http://schemas.microsoft.com/office/drawing/2014/main" id="{E802953D-EBBF-EDE6-8F18-2EEB95FCCA20}"/>
-              </a:ext>
-            </a:extLst>
-          </p:cNvPr>
-          <p:cNvPicPr>
-            <a:picLocks noChangeAspect="1"/>
-          </p:cNvPicPr>
-          <p:nvPr/>
-        </p:nvPicPr>
-        <p:blipFill>
-          <a:blip r:embed="rId2"/>
-          <a:stretch>
-            <a:fillRect/>
-          </a:stretch>
-        </p:blipFill>
-        <p:spPr>
-          <a:xfrm>
-            <a:off x="2203960" y="0"/>
-            <a:ext cx="7784080" cy="6858000"/>
-          </a:xfrm>
-          <a:prstGeom prst="rect">
-            <a:avLst/>
-          </a:prstGeom>
-        </p:spPr>
-      </p:pic>
-      <p:sp>
-        <p:nvSpPr>
-          <p:cNvPr id="13" name="Title 12">
-            <a:extLst>
-              <a:ext uri="{FF2B5EF4-FFF2-40B4-BE49-F238E27FC236}">
-                <a16:creationId xmlns:a16="http://schemas.microsoft.com/office/drawing/2014/main" id="{9E3416B9-3EE1-366B-685A-7297915E072D}"/>
-              </a:ext>
-            </a:extLst>
-          </p:cNvPr>
-          <p:cNvSpPr>
-            <a:spLocks noGrp="1"/>
-          </p:cNvSpPr>
-          <p:nvPr>
-            <p:ph type="title"/>
-          </p:nvPr>
-        </p:nvSpPr>
-        <p:spPr/>
-        <p:txBody>
-          <a:bodyPr/>
-          <a:lstStyle/>
-          <a:p>
-            <a:endParaRPr lang="en-US"/>
-          </a:p>
-        </p:txBody>
-      </p:sp>
-    </p:spTree>
-    <p:extLst>
-      <p:ext uri="{BB962C8B-B14F-4D97-AF65-F5344CB8AC3E}">
-        <p14:creationId xmlns:p14="http://schemas.microsoft.com/office/powerpoint/2010/main" val="2170176952"/>
       </p:ext>
     </p:extLst>
   </p:cSld>
@@ -13396,6 +13354,456 @@
         <p:cNvPr id="1" name="">
           <a:extLst>
             <a:ext uri="{FF2B5EF4-FFF2-40B4-BE49-F238E27FC236}">
+              <a16:creationId xmlns:a16="http://schemas.microsoft.com/office/drawing/2014/main" id="{8D0145D4-76C7-C85E-6723-4B20F099FAAE}"/>
+            </a:ext>
+          </a:extLst>
+        </p:cNvPr>
+        <p:cNvGrpSpPr/>
+        <p:nvPr/>
+      </p:nvGrpSpPr>
+      <p:grpSpPr>
+        <a:xfrm>
+          <a:off x="0" y="0"/>
+          <a:ext cx="0" cy="0"/>
+          <a:chOff x="0" y="0"/>
+          <a:chExt cx="0" cy="0"/>
+        </a:xfrm>
+      </p:grpSpPr>
+      <p:pic>
+        <p:nvPicPr>
+          <p:cNvPr id="11" name="Picture 2" descr="No description has been provided for this image">
+            <a:extLst>
+              <a:ext uri="{FF2B5EF4-FFF2-40B4-BE49-F238E27FC236}">
+                <a16:creationId xmlns:a16="http://schemas.microsoft.com/office/drawing/2014/main" id="{EF0A62CE-B07A-3853-A8BE-C7682505CAFD}"/>
+              </a:ext>
+            </a:extLst>
+          </p:cNvPr>
+          <p:cNvPicPr>
+            <a:picLocks noGrp="1" noChangeAspect="1" noChangeArrowheads="1"/>
+          </p:cNvPicPr>
+          <p:nvPr>
+            <p:ph idx="1"/>
+          </p:nvPr>
+        </p:nvPicPr>
+        <p:blipFill>
+          <a:blip r:embed="rId2">
+            <a:extLst>
+              <a:ext uri="{28A0092B-C50C-407E-A947-70E740481C1C}">
+                <a14:useLocalDpi xmlns:a14="http://schemas.microsoft.com/office/drawing/2010/main" val="0"/>
+              </a:ext>
+            </a:extLst>
+          </a:blip>
+          <a:srcRect/>
+          <a:stretch>
+            <a:fillRect/>
+          </a:stretch>
+        </p:blipFill>
+        <p:spPr bwMode="auto">
+          <a:xfrm>
+            <a:off x="2194509" y="-20580"/>
+            <a:ext cx="7400904" cy="5990485"/>
+          </a:xfrm>
+          <a:prstGeom prst="rect">
+            <a:avLst/>
+          </a:prstGeom>
+          <a:noFill/>
+          <a:extLst>
+            <a:ext uri="{909E8E84-426E-40DD-AFC4-6F175D3DCCD1}">
+              <a14:hiddenFill xmlns:a14="http://schemas.microsoft.com/office/drawing/2010/main">
+                <a:solidFill>
+                  <a:srgbClr val="FFFFFF"/>
+                </a:solidFill>
+              </a14:hiddenFill>
+            </a:ext>
+          </a:extLst>
+        </p:spPr>
+      </p:pic>
+      <p:sp>
+        <p:nvSpPr>
+          <p:cNvPr id="14" name="Title 1">
+            <a:extLst>
+              <a:ext uri="{FF2B5EF4-FFF2-40B4-BE49-F238E27FC236}">
+                <a16:creationId xmlns:a16="http://schemas.microsoft.com/office/drawing/2014/main" id="{8D5E4122-B5A3-E105-59B7-86BCB6881597}"/>
+              </a:ext>
+            </a:extLst>
+          </p:cNvPr>
+          <p:cNvSpPr>
+            <a:spLocks noGrp="1"/>
+          </p:cNvSpPr>
+          <p:nvPr>
+            <p:ph type="title"/>
+          </p:nvPr>
+        </p:nvSpPr>
+        <p:spPr>
+          <a:xfrm>
+            <a:off x="1243313" y="6114588"/>
+            <a:ext cx="9116028" cy="665021"/>
+          </a:xfrm>
+        </p:spPr>
+        <p:txBody>
+          <a:bodyPr>
+            <a:normAutofit/>
+          </a:bodyPr>
+          <a:lstStyle/>
+          <a:p>
+            <a:pPr algn="ctr"/>
+            <a:r>
+              <a:rPr lang="en-US" sz="2500" i="1" dirty="0"/>
+              <a:t>Confusion Matrix</a:t>
+            </a:r>
+          </a:p>
+        </p:txBody>
+      </p:sp>
+    </p:spTree>
+    <p:extLst>
+      <p:ext uri="{BB962C8B-B14F-4D97-AF65-F5344CB8AC3E}">
+        <p14:creationId xmlns:p14="http://schemas.microsoft.com/office/powerpoint/2010/main" val="1963407820"/>
+      </p:ext>
+    </p:extLst>
+  </p:cSld>
+  <p:clrMapOvr>
+    <a:masterClrMapping/>
+  </p:clrMapOvr>
+</p:sld>
+</file>
+
+<file path=ppt/slides/slide41.xml><?xml version="1.0" encoding="utf-8"?>
+<p:sld xmlns:a="http://schemas.openxmlformats.org/drawingml/2006/main" xmlns:r="http://schemas.openxmlformats.org/officeDocument/2006/relationships" xmlns:p="http://schemas.openxmlformats.org/presentationml/2006/main">
+  <p:cSld>
+    <p:spTree>
+      <p:nvGrpSpPr>
+        <p:cNvPr id="1" name="">
+          <a:extLst>
+            <a:ext uri="{FF2B5EF4-FFF2-40B4-BE49-F238E27FC236}">
+              <a16:creationId xmlns:a16="http://schemas.microsoft.com/office/drawing/2014/main" id="{C4C5BD9D-03A9-2A81-27A9-F443EFD6FA89}"/>
+            </a:ext>
+          </a:extLst>
+        </p:cNvPr>
+        <p:cNvGrpSpPr/>
+        <p:nvPr/>
+      </p:nvGrpSpPr>
+      <p:grpSpPr>
+        <a:xfrm>
+          <a:off x="0" y="0"/>
+          <a:ext cx="0" cy="0"/>
+          <a:chOff x="0" y="0"/>
+          <a:chExt cx="0" cy="0"/>
+        </a:xfrm>
+      </p:grpSpPr>
+      <p:pic>
+        <p:nvPicPr>
+          <p:cNvPr id="4" name="Picture 3">
+            <a:extLst>
+              <a:ext uri="{FF2B5EF4-FFF2-40B4-BE49-F238E27FC236}">
+                <a16:creationId xmlns:a16="http://schemas.microsoft.com/office/drawing/2014/main" id="{B81A8444-6C26-3DEF-995E-3CEB87221F57}"/>
+              </a:ext>
+            </a:extLst>
+          </p:cNvPr>
+          <p:cNvPicPr>
+            <a:picLocks noChangeAspect="1"/>
+          </p:cNvPicPr>
+          <p:nvPr/>
+        </p:nvPicPr>
+        <p:blipFill>
+          <a:blip r:embed="rId2"/>
+          <a:stretch>
+            <a:fillRect/>
+          </a:stretch>
+        </p:blipFill>
+        <p:spPr>
+          <a:xfrm>
+            <a:off x="1134420" y="694481"/>
+            <a:ext cx="9923159" cy="4999025"/>
+          </a:xfrm>
+          <a:prstGeom prst="rect">
+            <a:avLst/>
+          </a:prstGeom>
+        </p:spPr>
+      </p:pic>
+      <p:sp>
+        <p:nvSpPr>
+          <p:cNvPr id="5" name="Title 1">
+            <a:extLst>
+              <a:ext uri="{FF2B5EF4-FFF2-40B4-BE49-F238E27FC236}">
+                <a16:creationId xmlns:a16="http://schemas.microsoft.com/office/drawing/2014/main" id="{6B9349B1-58E6-35A3-63EB-88953F3E80B4}"/>
+              </a:ext>
+            </a:extLst>
+          </p:cNvPr>
+          <p:cNvSpPr>
+            <a:spLocks noGrp="1"/>
+          </p:cNvSpPr>
+          <p:nvPr>
+            <p:ph type="title"/>
+          </p:nvPr>
+        </p:nvSpPr>
+        <p:spPr>
+          <a:xfrm>
+            <a:off x="1266463" y="5585308"/>
+            <a:ext cx="9116028" cy="665021"/>
+          </a:xfrm>
+        </p:spPr>
+        <p:txBody>
+          <a:bodyPr>
+            <a:normAutofit/>
+          </a:bodyPr>
+          <a:lstStyle/>
+          <a:p>
+            <a:pPr algn="ctr"/>
+            <a:r>
+              <a:rPr lang="en-US" sz="2500" i="1" dirty="0"/>
+              <a:t>Classification Report</a:t>
+            </a:r>
+          </a:p>
+        </p:txBody>
+      </p:sp>
+    </p:spTree>
+    <p:extLst>
+      <p:ext uri="{BB962C8B-B14F-4D97-AF65-F5344CB8AC3E}">
+        <p14:creationId xmlns:p14="http://schemas.microsoft.com/office/powerpoint/2010/main" val="2725259076"/>
+      </p:ext>
+    </p:extLst>
+  </p:cSld>
+  <p:clrMapOvr>
+    <a:masterClrMapping/>
+  </p:clrMapOvr>
+</p:sld>
+</file>
+
+<file path=ppt/slides/slide42.xml><?xml version="1.0" encoding="utf-8"?>
+<p:sld xmlns:a="http://schemas.openxmlformats.org/drawingml/2006/main" xmlns:r="http://schemas.openxmlformats.org/officeDocument/2006/relationships" xmlns:p="http://schemas.openxmlformats.org/presentationml/2006/main">
+  <p:cSld>
+    <p:spTree>
+      <p:nvGrpSpPr>
+        <p:cNvPr id="1" name=""/>
+        <p:cNvGrpSpPr/>
+        <p:nvPr/>
+      </p:nvGrpSpPr>
+      <p:grpSpPr>
+        <a:xfrm>
+          <a:off x="0" y="0"/>
+          <a:ext cx="0" cy="0"/>
+          <a:chOff x="0" y="0"/>
+          <a:chExt cx="0" cy="0"/>
+        </a:xfrm>
+      </p:grpSpPr>
+      <p:sp>
+        <p:nvSpPr>
+          <p:cNvPr id="2" name="Title 1">
+            <a:extLst>
+              <a:ext uri="{FF2B5EF4-FFF2-40B4-BE49-F238E27FC236}">
+                <a16:creationId xmlns:a16="http://schemas.microsoft.com/office/drawing/2014/main" id="{925DD3E3-220A-7E72-709B-FBB8F00C9321}"/>
+              </a:ext>
+            </a:extLst>
+          </p:cNvPr>
+          <p:cNvSpPr>
+            <a:spLocks noGrp="1"/>
+          </p:cNvSpPr>
+          <p:nvPr>
+            <p:ph type="title"/>
+          </p:nvPr>
+        </p:nvSpPr>
+        <p:spPr/>
+        <p:txBody>
+          <a:bodyPr/>
+          <a:lstStyle/>
+          <a:p>
+            <a:r>
+              <a:rPr lang="en-US" b="1" dirty="0"/>
+              <a:t>6.2 Evaluate Evaluation Based On 2 Data Sets</a:t>
+            </a:r>
+            <a:br>
+              <a:rPr lang="en-US" b="1" dirty="0"/>
+            </a:br>
+            <a:r>
+              <a:rPr lang="en-US" b="1" dirty="0"/>
+              <a:t>(Rav &amp; Tess)</a:t>
+            </a:r>
+          </a:p>
+        </p:txBody>
+      </p:sp>
+      <p:sp>
+        <p:nvSpPr>
+          <p:cNvPr id="7" name="TextBox 6">
+            <a:extLst>
+              <a:ext uri="{FF2B5EF4-FFF2-40B4-BE49-F238E27FC236}">
+                <a16:creationId xmlns:a16="http://schemas.microsoft.com/office/drawing/2014/main" id="{6E88B2C6-E21B-1C9B-C9D9-F844B739EFE9}"/>
+              </a:ext>
+            </a:extLst>
+          </p:cNvPr>
+          <p:cNvSpPr txBox="1"/>
+          <p:nvPr/>
+        </p:nvSpPr>
+        <p:spPr>
+          <a:xfrm>
+            <a:off x="3048000" y="6123543"/>
+            <a:ext cx="6096000" cy="369332"/>
+          </a:xfrm>
+          <a:prstGeom prst="rect">
+            <a:avLst/>
+          </a:prstGeom>
+          <a:noFill/>
+        </p:spPr>
+        <p:txBody>
+          <a:bodyPr wrap="square">
+            <a:spAutoFit/>
+          </a:bodyPr>
+          <a:lstStyle/>
+          <a:p>
+            <a:pPr algn="ctr"/>
+            <a:r>
+              <a:rPr lang="en-US" sz="1800" dirty="0">
+                <a:latin typeface="+mn-lt"/>
+                <a:ea typeface="+mn-ea"/>
+                <a:cs typeface="+mn-cs"/>
+              </a:rPr>
+              <a:t>Accuracy of the model on test data (Rav &amp; Tess): 80.18%</a:t>
+            </a:r>
+            <a:endParaRPr lang="en-US" dirty="0"/>
+          </a:p>
+        </p:txBody>
+      </p:sp>
+      <p:pic>
+        <p:nvPicPr>
+          <p:cNvPr id="13" name="Picture 12">
+            <a:extLst>
+              <a:ext uri="{FF2B5EF4-FFF2-40B4-BE49-F238E27FC236}">
+                <a16:creationId xmlns:a16="http://schemas.microsoft.com/office/drawing/2014/main" id="{38BD186D-DCB0-972F-130A-9CCA9D72CB73}"/>
+              </a:ext>
+            </a:extLst>
+          </p:cNvPr>
+          <p:cNvPicPr>
+            <a:picLocks noChangeAspect="1"/>
+          </p:cNvPicPr>
+          <p:nvPr/>
+        </p:nvPicPr>
+        <p:blipFill>
+          <a:blip r:embed="rId2"/>
+          <a:stretch>
+            <a:fillRect/>
+          </a:stretch>
+        </p:blipFill>
+        <p:spPr>
+          <a:xfrm>
+            <a:off x="0" y="1434225"/>
+            <a:ext cx="12192000" cy="3989549"/>
+          </a:xfrm>
+          <a:prstGeom prst="rect">
+            <a:avLst/>
+          </a:prstGeom>
+        </p:spPr>
+      </p:pic>
+    </p:spTree>
+    <p:extLst>
+      <p:ext uri="{BB962C8B-B14F-4D97-AF65-F5344CB8AC3E}">
+        <p14:creationId xmlns:p14="http://schemas.microsoft.com/office/powerpoint/2010/main" val="4051986872"/>
+      </p:ext>
+    </p:extLst>
+  </p:cSld>
+  <p:clrMapOvr>
+    <a:masterClrMapping/>
+  </p:clrMapOvr>
+</p:sld>
+</file>
+
+<file path=ppt/slides/slide43.xml><?xml version="1.0" encoding="utf-8"?>
+<p:sld xmlns:a="http://schemas.openxmlformats.org/drawingml/2006/main" xmlns:r="http://schemas.openxmlformats.org/officeDocument/2006/relationships" xmlns:p="http://schemas.openxmlformats.org/presentationml/2006/main">
+  <p:cSld>
+    <p:spTree>
+      <p:nvGrpSpPr>
+        <p:cNvPr id="1" name="">
+          <a:extLst>
+            <a:ext uri="{FF2B5EF4-FFF2-40B4-BE49-F238E27FC236}">
+              <a16:creationId xmlns:a16="http://schemas.microsoft.com/office/drawing/2014/main" id="{B4FBA6FF-9687-7250-010D-F8256F24F6BA}"/>
+            </a:ext>
+          </a:extLst>
+        </p:cNvPr>
+        <p:cNvGrpSpPr/>
+        <p:nvPr/>
+      </p:nvGrpSpPr>
+      <p:grpSpPr>
+        <a:xfrm>
+          <a:off x="0" y="0"/>
+          <a:ext cx="0" cy="0"/>
+          <a:chOff x="0" y="0"/>
+          <a:chExt cx="0" cy="0"/>
+        </a:xfrm>
+      </p:grpSpPr>
+      <p:pic>
+        <p:nvPicPr>
+          <p:cNvPr id="10" name="Picture 9">
+            <a:extLst>
+              <a:ext uri="{FF2B5EF4-FFF2-40B4-BE49-F238E27FC236}">
+                <a16:creationId xmlns:a16="http://schemas.microsoft.com/office/drawing/2014/main" id="{E802953D-EBBF-EDE6-8F18-2EEB95FCCA20}"/>
+              </a:ext>
+            </a:extLst>
+          </p:cNvPr>
+          <p:cNvPicPr>
+            <a:picLocks noChangeAspect="1"/>
+          </p:cNvPicPr>
+          <p:nvPr/>
+        </p:nvPicPr>
+        <p:blipFill>
+          <a:blip r:embed="rId2"/>
+          <a:stretch>
+            <a:fillRect/>
+          </a:stretch>
+        </p:blipFill>
+        <p:spPr>
+          <a:xfrm>
+            <a:off x="2203960" y="0"/>
+            <a:ext cx="7784080" cy="6858000"/>
+          </a:xfrm>
+          <a:prstGeom prst="rect">
+            <a:avLst/>
+          </a:prstGeom>
+        </p:spPr>
+      </p:pic>
+      <p:sp>
+        <p:nvSpPr>
+          <p:cNvPr id="13" name="Title 12">
+            <a:extLst>
+              <a:ext uri="{FF2B5EF4-FFF2-40B4-BE49-F238E27FC236}">
+                <a16:creationId xmlns:a16="http://schemas.microsoft.com/office/drawing/2014/main" id="{9E3416B9-3EE1-366B-685A-7297915E072D}"/>
+              </a:ext>
+            </a:extLst>
+          </p:cNvPr>
+          <p:cNvSpPr>
+            <a:spLocks noGrp="1"/>
+          </p:cNvSpPr>
+          <p:nvPr>
+            <p:ph type="title"/>
+          </p:nvPr>
+        </p:nvSpPr>
+        <p:spPr/>
+        <p:txBody>
+          <a:bodyPr/>
+          <a:lstStyle/>
+          <a:p>
+            <a:endParaRPr lang="en-US"/>
+          </a:p>
+        </p:txBody>
+      </p:sp>
+    </p:spTree>
+    <p:extLst>
+      <p:ext uri="{BB962C8B-B14F-4D97-AF65-F5344CB8AC3E}">
+        <p14:creationId xmlns:p14="http://schemas.microsoft.com/office/powerpoint/2010/main" val="2170176952"/>
+      </p:ext>
+    </p:extLst>
+  </p:cSld>
+  <p:clrMapOvr>
+    <a:masterClrMapping/>
+  </p:clrMapOvr>
+</p:sld>
+</file>
+
+<file path=ppt/slides/slide44.xml><?xml version="1.0" encoding="utf-8"?>
+<p:sld xmlns:a="http://schemas.openxmlformats.org/drawingml/2006/main" xmlns:r="http://schemas.openxmlformats.org/officeDocument/2006/relationships" xmlns:p="http://schemas.openxmlformats.org/presentationml/2006/main">
+  <p:cSld>
+    <p:spTree>
+      <p:nvGrpSpPr>
+        <p:cNvPr id="1" name="">
+          <a:extLst>
+            <a:ext uri="{FF2B5EF4-FFF2-40B4-BE49-F238E27FC236}">
               <a16:creationId xmlns:a16="http://schemas.microsoft.com/office/drawing/2014/main" id="{55AC8C1A-2941-89F0-8832-1D60402289C3}"/>
             </a:ext>
           </a:extLst>
@@ -13490,7 +13898,7 @@
 </p:sld>
 </file>
 
-<file path=ppt/slides/slide41.xml><?xml version="1.0" encoding="utf-8"?>
+<file path=ppt/slides/slide45.xml><?xml version="1.0" encoding="utf-8"?>
 <p:sld xmlns:a="http://schemas.openxmlformats.org/drawingml/2006/main" xmlns:r="http://schemas.openxmlformats.org/officeDocument/2006/relationships" xmlns:p="http://schemas.openxmlformats.org/presentationml/2006/main">
   <p:cSld>
     <p:spTree>
@@ -13685,7 +14093,7 @@
 </p:sld>
 </file>
 
-<file path=ppt/slides/slide42.xml><?xml version="1.0" encoding="utf-8"?>
+<file path=ppt/slides/slide46.xml><?xml version="1.0" encoding="utf-8"?>
 <p:sld xmlns:a="http://schemas.openxmlformats.org/drawingml/2006/main" xmlns:r="http://schemas.openxmlformats.org/officeDocument/2006/relationships" xmlns:p="http://schemas.openxmlformats.org/presentationml/2006/main">
   <p:cSld>
     <p:spTree>
@@ -13787,7 +14195,7 @@
 </p:sld>
 </file>
 
-<file path=ppt/slides/slide43.xml><?xml version="1.0" encoding="utf-8"?>
+<file path=ppt/slides/slide47.xml><?xml version="1.0" encoding="utf-8"?>
 <p:sld xmlns:a="http://schemas.openxmlformats.org/drawingml/2006/main" xmlns:r="http://schemas.openxmlformats.org/officeDocument/2006/relationships" xmlns:p="http://schemas.openxmlformats.org/presentationml/2006/main">
   <p:cSld>
     <p:spTree>
